--- a/satpop.pptx
+++ b/satpop.pptx
@@ -15,11 +15,13 @@
     <p:sldId id="267" r:id="rId9"/>
     <p:sldId id="268" r:id="rId10"/>
     <p:sldId id="259" r:id="rId11"/>
-    <p:sldId id="269" r:id="rId12"/>
-    <p:sldId id="270" r:id="rId13"/>
-    <p:sldId id="263" r:id="rId14"/>
-    <p:sldId id="264" r:id="rId15"/>
-    <p:sldId id="262" r:id="rId16"/>
+    <p:sldId id="270" r:id="rId12"/>
+    <p:sldId id="269" r:id="rId13"/>
+    <p:sldId id="272" r:id="rId14"/>
+    <p:sldId id="263" r:id="rId15"/>
+    <p:sldId id="264" r:id="rId16"/>
+    <p:sldId id="262" r:id="rId17"/>
+    <p:sldId id="271" r:id="rId18"/>
   </p:sldIdLst>
   <p:sldSz cx="12192000" cy="6858000"/>
   <p:notesSz cx="6858000" cy="9144000"/>
@@ -124,6 +126,5683 @@
     </p:ext>
   </p:extLst>
 </p:presentation>
+</file>
+
+<file path=ppt/charts/chart1.xml><?xml version="1.0" encoding="utf-8"?>
+<c:chartSpace xmlns:c="http://schemas.openxmlformats.org/drawingml/2006/chart" xmlns:a="http://schemas.openxmlformats.org/drawingml/2006/main" xmlns:r="http://schemas.openxmlformats.org/officeDocument/2006/relationships" xmlns:c16r2="http://schemas.microsoft.com/office/drawing/2015/06/chart">
+  <c:date1904 val="0"/>
+  <c:lang val="en-US"/>
+  <c:roundedCorners val="0"/>
+  <mc:AlternateContent xmlns:mc="http://schemas.openxmlformats.org/markup-compatibility/2006">
+    <mc:Choice xmlns:c14="http://schemas.microsoft.com/office/drawing/2007/8/2/chart" Requires="c14">
+      <c14:style val="102"/>
+    </mc:Choice>
+    <mc:Fallback>
+      <c:style val="2"/>
+    </mc:Fallback>
+  </mc:AlternateContent>
+  <c:chart>
+    <c:title>
+      <c:tx>
+        <c:rich>
+          <a:bodyPr rot="0" spcFirstLastPara="1" vertOverflow="ellipsis" vert="horz" wrap="square" anchor="ctr" anchorCtr="1"/>
+          <a:lstStyle/>
+          <a:p>
+            <a:pPr>
+              <a:defRPr sz="1400" b="0" i="0" u="none" strike="noStrike" kern="1200" spc="0" baseline="0">
+                <a:solidFill>
+                  <a:schemeClr val="tx1">
+                    <a:lumMod val="65000"/>
+                    <a:lumOff val="35000"/>
+                  </a:schemeClr>
+                </a:solidFill>
+                <a:latin typeface="+mn-lt"/>
+                <a:ea typeface="+mn-ea"/>
+                <a:cs typeface="+mn-cs"/>
+              </a:defRPr>
+            </a:pPr>
+            <a:r>
+              <a:rPr lang="en-US"/>
+              <a:t>Accuracy</a:t>
+            </a:r>
+            <a:r>
+              <a:rPr lang="en-US" baseline="0"/>
+              <a:t> over Training Time</a:t>
+            </a:r>
+          </a:p>
+        </c:rich>
+      </c:tx>
+      <c:overlay val="0"/>
+      <c:spPr>
+        <a:noFill/>
+        <a:ln>
+          <a:noFill/>
+        </a:ln>
+        <a:effectLst/>
+      </c:spPr>
+      <c:txPr>
+        <a:bodyPr rot="0" spcFirstLastPara="1" vertOverflow="ellipsis" vert="horz" wrap="square" anchor="ctr" anchorCtr="1"/>
+        <a:lstStyle/>
+        <a:p>
+          <a:pPr>
+            <a:defRPr sz="1400" b="0" i="0" u="none" strike="noStrike" kern="1200" spc="0" baseline="0">
+              <a:solidFill>
+                <a:schemeClr val="tx1">
+                  <a:lumMod val="65000"/>
+                  <a:lumOff val="35000"/>
+                </a:schemeClr>
+              </a:solidFill>
+              <a:latin typeface="+mn-lt"/>
+              <a:ea typeface="+mn-ea"/>
+              <a:cs typeface="+mn-cs"/>
+            </a:defRPr>
+          </a:pPr>
+          <a:endParaRPr lang="en-US"/>
+        </a:p>
+      </c:txPr>
+    </c:title>
+    <c:autoTitleDeleted val="0"/>
+    <c:plotArea>
+      <c:layout/>
+      <c:scatterChart>
+        <c:scatterStyle val="lineMarker"/>
+        <c:varyColors val="0"/>
+        <c:ser>
+          <c:idx val="0"/>
+          <c:order val="0"/>
+          <c:tx>
+            <c:strRef>
+              <c:f>Sheet2!$B$14</c:f>
+              <c:strCache>
+                <c:ptCount val="1"/>
+                <c:pt idx="0">
+                  <c:v>2 Layers</c:v>
+                </c:pt>
+              </c:strCache>
+            </c:strRef>
+          </c:tx>
+          <c:spPr>
+            <a:ln w="19050" cap="rnd">
+              <a:solidFill>
+                <a:schemeClr val="accent1"/>
+              </a:solidFill>
+              <a:round/>
+            </a:ln>
+            <a:effectLst/>
+          </c:spPr>
+          <c:marker>
+            <c:symbol val="circle"/>
+            <c:size val="5"/>
+            <c:spPr>
+              <a:solidFill>
+                <a:schemeClr val="accent1"/>
+              </a:solidFill>
+              <a:ln w="9525">
+                <a:solidFill>
+                  <a:schemeClr val="accent1"/>
+                </a:solidFill>
+              </a:ln>
+              <a:effectLst/>
+            </c:spPr>
+          </c:marker>
+          <c:xVal>
+            <c:numRef>
+              <c:f>Sheet2!$A$15:$A$75</c:f>
+              <c:numCache>
+                <c:formatCode>General</c:formatCode>
+                <c:ptCount val="61"/>
+                <c:pt idx="0">
+                  <c:v>0</c:v>
+                </c:pt>
+                <c:pt idx="1">
+                  <c:v>20</c:v>
+                </c:pt>
+                <c:pt idx="2">
+                  <c:v>40</c:v>
+                </c:pt>
+                <c:pt idx="3">
+                  <c:v>60</c:v>
+                </c:pt>
+                <c:pt idx="4">
+                  <c:v>80</c:v>
+                </c:pt>
+                <c:pt idx="5">
+                  <c:v>100</c:v>
+                </c:pt>
+                <c:pt idx="6">
+                  <c:v>120</c:v>
+                </c:pt>
+                <c:pt idx="7">
+                  <c:v>140</c:v>
+                </c:pt>
+                <c:pt idx="8">
+                  <c:v>160</c:v>
+                </c:pt>
+                <c:pt idx="9">
+                  <c:v>180</c:v>
+                </c:pt>
+                <c:pt idx="10">
+                  <c:v>200</c:v>
+                </c:pt>
+                <c:pt idx="11">
+                  <c:v>220</c:v>
+                </c:pt>
+                <c:pt idx="12">
+                  <c:v>240</c:v>
+                </c:pt>
+                <c:pt idx="13">
+                  <c:v>260</c:v>
+                </c:pt>
+                <c:pt idx="14">
+                  <c:v>280</c:v>
+                </c:pt>
+                <c:pt idx="15">
+                  <c:v>300</c:v>
+                </c:pt>
+                <c:pt idx="16">
+                  <c:v>320</c:v>
+                </c:pt>
+                <c:pt idx="17">
+                  <c:v>340</c:v>
+                </c:pt>
+                <c:pt idx="18">
+                  <c:v>360</c:v>
+                </c:pt>
+                <c:pt idx="19">
+                  <c:v>380</c:v>
+                </c:pt>
+                <c:pt idx="20">
+                  <c:v>400</c:v>
+                </c:pt>
+                <c:pt idx="21">
+                  <c:v>420</c:v>
+                </c:pt>
+                <c:pt idx="22">
+                  <c:v>440</c:v>
+                </c:pt>
+                <c:pt idx="23">
+                  <c:v>460</c:v>
+                </c:pt>
+                <c:pt idx="24">
+                  <c:v>480</c:v>
+                </c:pt>
+                <c:pt idx="25">
+                  <c:v>500</c:v>
+                </c:pt>
+                <c:pt idx="26">
+                  <c:v>520</c:v>
+                </c:pt>
+                <c:pt idx="27">
+                  <c:v>540</c:v>
+                </c:pt>
+                <c:pt idx="28">
+                  <c:v>560</c:v>
+                </c:pt>
+                <c:pt idx="29">
+                  <c:v>580</c:v>
+                </c:pt>
+                <c:pt idx="30">
+                  <c:v>600</c:v>
+                </c:pt>
+                <c:pt idx="31">
+                  <c:v>620</c:v>
+                </c:pt>
+                <c:pt idx="32">
+                  <c:v>640</c:v>
+                </c:pt>
+                <c:pt idx="33">
+                  <c:v>660</c:v>
+                </c:pt>
+                <c:pt idx="34">
+                  <c:v>680</c:v>
+                </c:pt>
+                <c:pt idx="35">
+                  <c:v>700</c:v>
+                </c:pt>
+                <c:pt idx="36">
+                  <c:v>720</c:v>
+                </c:pt>
+                <c:pt idx="37">
+                  <c:v>740</c:v>
+                </c:pt>
+                <c:pt idx="38">
+                  <c:v>760</c:v>
+                </c:pt>
+                <c:pt idx="39">
+                  <c:v>780</c:v>
+                </c:pt>
+                <c:pt idx="40">
+                  <c:v>800</c:v>
+                </c:pt>
+                <c:pt idx="41">
+                  <c:v>820</c:v>
+                </c:pt>
+                <c:pt idx="42">
+                  <c:v>840</c:v>
+                </c:pt>
+                <c:pt idx="43">
+                  <c:v>860</c:v>
+                </c:pt>
+                <c:pt idx="44">
+                  <c:v>880</c:v>
+                </c:pt>
+                <c:pt idx="45">
+                  <c:v>900</c:v>
+                </c:pt>
+                <c:pt idx="46">
+                  <c:v>920</c:v>
+                </c:pt>
+                <c:pt idx="47">
+                  <c:v>940</c:v>
+                </c:pt>
+                <c:pt idx="48">
+                  <c:v>960</c:v>
+                </c:pt>
+                <c:pt idx="49">
+                  <c:v>980</c:v>
+                </c:pt>
+                <c:pt idx="50">
+                  <c:v>1000</c:v>
+                </c:pt>
+                <c:pt idx="51">
+                  <c:v>1020</c:v>
+                </c:pt>
+                <c:pt idx="52">
+                  <c:v>1040</c:v>
+                </c:pt>
+                <c:pt idx="53">
+                  <c:v>1060</c:v>
+                </c:pt>
+                <c:pt idx="54">
+                  <c:v>1080</c:v>
+                </c:pt>
+                <c:pt idx="55">
+                  <c:v>1100</c:v>
+                </c:pt>
+                <c:pt idx="56">
+                  <c:v>1120</c:v>
+                </c:pt>
+                <c:pt idx="57">
+                  <c:v>1140</c:v>
+                </c:pt>
+                <c:pt idx="58">
+                  <c:v>1160</c:v>
+                </c:pt>
+                <c:pt idx="59">
+                  <c:v>1180</c:v>
+                </c:pt>
+                <c:pt idx="60">
+                  <c:v>1200</c:v>
+                </c:pt>
+              </c:numCache>
+            </c:numRef>
+          </c:xVal>
+          <c:yVal>
+            <c:numRef>
+              <c:f>Sheet2!$B$15:$B$75</c:f>
+              <c:numCache>
+                <c:formatCode>General</c:formatCode>
+                <c:ptCount val="61"/>
+                <c:pt idx="0">
+                  <c:v>0.1</c:v>
+                </c:pt>
+                <c:pt idx="1">
+                  <c:v>0.2</c:v>
+                </c:pt>
+                <c:pt idx="2">
+                  <c:v>0.1</c:v>
+                </c:pt>
+                <c:pt idx="3">
+                  <c:v>0.15</c:v>
+                </c:pt>
+                <c:pt idx="4">
+                  <c:v>0.25</c:v>
+                </c:pt>
+                <c:pt idx="5">
+                  <c:v>0.3</c:v>
+                </c:pt>
+                <c:pt idx="6">
+                  <c:v>0.2</c:v>
+                </c:pt>
+                <c:pt idx="7">
+                  <c:v>0.25</c:v>
+                </c:pt>
+                <c:pt idx="8">
+                  <c:v>0.3</c:v>
+                </c:pt>
+                <c:pt idx="9">
+                  <c:v>0.2</c:v>
+                </c:pt>
+                <c:pt idx="10">
+                  <c:v>0.1</c:v>
+                </c:pt>
+                <c:pt idx="11">
+                  <c:v>0.3</c:v>
+                </c:pt>
+                <c:pt idx="12">
+                  <c:v>0.25</c:v>
+                </c:pt>
+                <c:pt idx="13">
+                  <c:v>0.3</c:v>
+                </c:pt>
+                <c:pt idx="14">
+                  <c:v>0.15</c:v>
+                </c:pt>
+                <c:pt idx="15">
+                  <c:v>0.45</c:v>
+                </c:pt>
+                <c:pt idx="16">
+                  <c:v>0.2</c:v>
+                </c:pt>
+                <c:pt idx="17">
+                  <c:v>0.4</c:v>
+                </c:pt>
+                <c:pt idx="18">
+                  <c:v>0.45</c:v>
+                </c:pt>
+                <c:pt idx="19">
+                  <c:v>0.3</c:v>
+                </c:pt>
+                <c:pt idx="20">
+                  <c:v>0.55000000000000004</c:v>
+                </c:pt>
+                <c:pt idx="21">
+                  <c:v>0.4</c:v>
+                </c:pt>
+                <c:pt idx="22">
+                  <c:v>0.25</c:v>
+                </c:pt>
+                <c:pt idx="23">
+                  <c:v>0.45</c:v>
+                </c:pt>
+                <c:pt idx="24">
+                  <c:v>0.5</c:v>
+                </c:pt>
+                <c:pt idx="25">
+                  <c:v>0.45</c:v>
+                </c:pt>
+                <c:pt idx="26">
+                  <c:v>0.35</c:v>
+                </c:pt>
+                <c:pt idx="27">
+                  <c:v>0.35</c:v>
+                </c:pt>
+                <c:pt idx="28">
+                  <c:v>0.25</c:v>
+                </c:pt>
+                <c:pt idx="29">
+                  <c:v>0.25</c:v>
+                </c:pt>
+                <c:pt idx="30">
+                  <c:v>0.4</c:v>
+                </c:pt>
+                <c:pt idx="31">
+                  <c:v>0.25</c:v>
+                </c:pt>
+                <c:pt idx="32">
+                  <c:v>0.35</c:v>
+                </c:pt>
+                <c:pt idx="33">
+                  <c:v>0.2</c:v>
+                </c:pt>
+                <c:pt idx="34">
+                  <c:v>0.4</c:v>
+                </c:pt>
+                <c:pt idx="35">
+                  <c:v>0.5</c:v>
+                </c:pt>
+                <c:pt idx="36">
+                  <c:v>0.45</c:v>
+                </c:pt>
+                <c:pt idx="37">
+                  <c:v>0.2</c:v>
+                </c:pt>
+                <c:pt idx="38">
+                  <c:v>0.3</c:v>
+                </c:pt>
+                <c:pt idx="39">
+                  <c:v>0.5</c:v>
+                </c:pt>
+                <c:pt idx="40">
+                  <c:v>0.5</c:v>
+                </c:pt>
+                <c:pt idx="41">
+                  <c:v>0.5</c:v>
+                </c:pt>
+                <c:pt idx="42">
+                  <c:v>0.35</c:v>
+                </c:pt>
+                <c:pt idx="43">
+                  <c:v>0.55000000000000004</c:v>
+                </c:pt>
+                <c:pt idx="44">
+                  <c:v>0.2</c:v>
+                </c:pt>
+                <c:pt idx="45">
+                  <c:v>0.45</c:v>
+                </c:pt>
+                <c:pt idx="46">
+                  <c:v>0.4</c:v>
+                </c:pt>
+                <c:pt idx="47">
+                  <c:v>0.55000000000000004</c:v>
+                </c:pt>
+                <c:pt idx="48">
+                  <c:v>0.35</c:v>
+                </c:pt>
+                <c:pt idx="49">
+                  <c:v>0.45</c:v>
+                </c:pt>
+                <c:pt idx="50">
+                  <c:v>0.55000000000000004</c:v>
+                </c:pt>
+                <c:pt idx="51">
+                  <c:v>0.1</c:v>
+                </c:pt>
+                <c:pt idx="52">
+                  <c:v>0.3</c:v>
+                </c:pt>
+                <c:pt idx="53">
+                  <c:v>0.5</c:v>
+                </c:pt>
+                <c:pt idx="54">
+                  <c:v>0.35</c:v>
+                </c:pt>
+                <c:pt idx="55">
+                  <c:v>0.45</c:v>
+                </c:pt>
+                <c:pt idx="56">
+                  <c:v>0.35</c:v>
+                </c:pt>
+                <c:pt idx="57">
+                  <c:v>0.25</c:v>
+                </c:pt>
+                <c:pt idx="58">
+                  <c:v>0.35</c:v>
+                </c:pt>
+                <c:pt idx="59">
+                  <c:v>0.4</c:v>
+                </c:pt>
+                <c:pt idx="60">
+                  <c:v>0.3</c:v>
+                </c:pt>
+              </c:numCache>
+            </c:numRef>
+          </c:yVal>
+          <c:smooth val="0"/>
+          <c:extLst>
+            <c:ext xmlns:c16="http://schemas.microsoft.com/office/drawing/2014/chart" uri="{C3380CC4-5D6E-409C-BE32-E72D297353CC}">
+              <c16:uniqueId val="{00000000-9759-4D5E-9828-982541433953}"/>
+            </c:ext>
+          </c:extLst>
+        </c:ser>
+        <c:ser>
+          <c:idx val="1"/>
+          <c:order val="1"/>
+          <c:tx>
+            <c:strRef>
+              <c:f>Sheet2!$C$14</c:f>
+              <c:strCache>
+                <c:ptCount val="1"/>
+                <c:pt idx="0">
+                  <c:v>3 Layers</c:v>
+                </c:pt>
+              </c:strCache>
+            </c:strRef>
+          </c:tx>
+          <c:spPr>
+            <a:ln w="19050" cap="rnd">
+              <a:solidFill>
+                <a:schemeClr val="accent2"/>
+              </a:solidFill>
+              <a:round/>
+            </a:ln>
+            <a:effectLst/>
+          </c:spPr>
+          <c:marker>
+            <c:symbol val="circle"/>
+            <c:size val="5"/>
+            <c:spPr>
+              <a:solidFill>
+                <a:schemeClr val="accent2"/>
+              </a:solidFill>
+              <a:ln w="9525">
+                <a:solidFill>
+                  <a:schemeClr val="accent2"/>
+                </a:solidFill>
+              </a:ln>
+              <a:effectLst/>
+            </c:spPr>
+          </c:marker>
+          <c:xVal>
+            <c:numRef>
+              <c:f>Sheet2!$A$15:$A$75</c:f>
+              <c:numCache>
+                <c:formatCode>General</c:formatCode>
+                <c:ptCount val="61"/>
+                <c:pt idx="0">
+                  <c:v>0</c:v>
+                </c:pt>
+                <c:pt idx="1">
+                  <c:v>20</c:v>
+                </c:pt>
+                <c:pt idx="2">
+                  <c:v>40</c:v>
+                </c:pt>
+                <c:pt idx="3">
+                  <c:v>60</c:v>
+                </c:pt>
+                <c:pt idx="4">
+                  <c:v>80</c:v>
+                </c:pt>
+                <c:pt idx="5">
+                  <c:v>100</c:v>
+                </c:pt>
+                <c:pt idx="6">
+                  <c:v>120</c:v>
+                </c:pt>
+                <c:pt idx="7">
+                  <c:v>140</c:v>
+                </c:pt>
+                <c:pt idx="8">
+                  <c:v>160</c:v>
+                </c:pt>
+                <c:pt idx="9">
+                  <c:v>180</c:v>
+                </c:pt>
+                <c:pt idx="10">
+                  <c:v>200</c:v>
+                </c:pt>
+                <c:pt idx="11">
+                  <c:v>220</c:v>
+                </c:pt>
+                <c:pt idx="12">
+                  <c:v>240</c:v>
+                </c:pt>
+                <c:pt idx="13">
+                  <c:v>260</c:v>
+                </c:pt>
+                <c:pt idx="14">
+                  <c:v>280</c:v>
+                </c:pt>
+                <c:pt idx="15">
+                  <c:v>300</c:v>
+                </c:pt>
+                <c:pt idx="16">
+                  <c:v>320</c:v>
+                </c:pt>
+                <c:pt idx="17">
+                  <c:v>340</c:v>
+                </c:pt>
+                <c:pt idx="18">
+                  <c:v>360</c:v>
+                </c:pt>
+                <c:pt idx="19">
+                  <c:v>380</c:v>
+                </c:pt>
+                <c:pt idx="20">
+                  <c:v>400</c:v>
+                </c:pt>
+                <c:pt idx="21">
+                  <c:v>420</c:v>
+                </c:pt>
+                <c:pt idx="22">
+                  <c:v>440</c:v>
+                </c:pt>
+                <c:pt idx="23">
+                  <c:v>460</c:v>
+                </c:pt>
+                <c:pt idx="24">
+                  <c:v>480</c:v>
+                </c:pt>
+                <c:pt idx="25">
+                  <c:v>500</c:v>
+                </c:pt>
+                <c:pt idx="26">
+                  <c:v>520</c:v>
+                </c:pt>
+                <c:pt idx="27">
+                  <c:v>540</c:v>
+                </c:pt>
+                <c:pt idx="28">
+                  <c:v>560</c:v>
+                </c:pt>
+                <c:pt idx="29">
+                  <c:v>580</c:v>
+                </c:pt>
+                <c:pt idx="30">
+                  <c:v>600</c:v>
+                </c:pt>
+                <c:pt idx="31">
+                  <c:v>620</c:v>
+                </c:pt>
+                <c:pt idx="32">
+                  <c:v>640</c:v>
+                </c:pt>
+                <c:pt idx="33">
+                  <c:v>660</c:v>
+                </c:pt>
+                <c:pt idx="34">
+                  <c:v>680</c:v>
+                </c:pt>
+                <c:pt idx="35">
+                  <c:v>700</c:v>
+                </c:pt>
+                <c:pt idx="36">
+                  <c:v>720</c:v>
+                </c:pt>
+                <c:pt idx="37">
+                  <c:v>740</c:v>
+                </c:pt>
+                <c:pt idx="38">
+                  <c:v>760</c:v>
+                </c:pt>
+                <c:pt idx="39">
+                  <c:v>780</c:v>
+                </c:pt>
+                <c:pt idx="40">
+                  <c:v>800</c:v>
+                </c:pt>
+                <c:pt idx="41">
+                  <c:v>820</c:v>
+                </c:pt>
+                <c:pt idx="42">
+                  <c:v>840</c:v>
+                </c:pt>
+                <c:pt idx="43">
+                  <c:v>860</c:v>
+                </c:pt>
+                <c:pt idx="44">
+                  <c:v>880</c:v>
+                </c:pt>
+                <c:pt idx="45">
+                  <c:v>900</c:v>
+                </c:pt>
+                <c:pt idx="46">
+                  <c:v>920</c:v>
+                </c:pt>
+                <c:pt idx="47">
+                  <c:v>940</c:v>
+                </c:pt>
+                <c:pt idx="48">
+                  <c:v>960</c:v>
+                </c:pt>
+                <c:pt idx="49">
+                  <c:v>980</c:v>
+                </c:pt>
+                <c:pt idx="50">
+                  <c:v>1000</c:v>
+                </c:pt>
+                <c:pt idx="51">
+                  <c:v>1020</c:v>
+                </c:pt>
+                <c:pt idx="52">
+                  <c:v>1040</c:v>
+                </c:pt>
+                <c:pt idx="53">
+                  <c:v>1060</c:v>
+                </c:pt>
+                <c:pt idx="54">
+                  <c:v>1080</c:v>
+                </c:pt>
+                <c:pt idx="55">
+                  <c:v>1100</c:v>
+                </c:pt>
+                <c:pt idx="56">
+                  <c:v>1120</c:v>
+                </c:pt>
+                <c:pt idx="57">
+                  <c:v>1140</c:v>
+                </c:pt>
+                <c:pt idx="58">
+                  <c:v>1160</c:v>
+                </c:pt>
+                <c:pt idx="59">
+                  <c:v>1180</c:v>
+                </c:pt>
+                <c:pt idx="60">
+                  <c:v>1200</c:v>
+                </c:pt>
+              </c:numCache>
+            </c:numRef>
+          </c:xVal>
+          <c:yVal>
+            <c:numRef>
+              <c:f>Sheet2!$C$15:$C$75</c:f>
+              <c:numCache>
+                <c:formatCode>General</c:formatCode>
+                <c:ptCount val="61"/>
+                <c:pt idx="0">
+                  <c:v>0.25</c:v>
+                </c:pt>
+                <c:pt idx="1">
+                  <c:v>0.2</c:v>
+                </c:pt>
+                <c:pt idx="2">
+                  <c:v>0.15</c:v>
+                </c:pt>
+                <c:pt idx="3">
+                  <c:v>0.1</c:v>
+                </c:pt>
+                <c:pt idx="4">
+                  <c:v>0.25</c:v>
+                </c:pt>
+                <c:pt idx="5">
+                  <c:v>0.05</c:v>
+                </c:pt>
+                <c:pt idx="6">
+                  <c:v>0.3</c:v>
+                </c:pt>
+                <c:pt idx="7">
+                  <c:v>0.2</c:v>
+                </c:pt>
+                <c:pt idx="8">
+                  <c:v>0.3</c:v>
+                </c:pt>
+                <c:pt idx="9">
+                  <c:v>0.35</c:v>
+                </c:pt>
+                <c:pt idx="10">
+                  <c:v>0.35</c:v>
+                </c:pt>
+                <c:pt idx="11">
+                  <c:v>0.25</c:v>
+                </c:pt>
+                <c:pt idx="12">
+                  <c:v>0.25</c:v>
+                </c:pt>
+                <c:pt idx="13">
+                  <c:v>0.3</c:v>
+                </c:pt>
+                <c:pt idx="14">
+                  <c:v>0.35</c:v>
+                </c:pt>
+                <c:pt idx="15">
+                  <c:v>0.25</c:v>
+                </c:pt>
+                <c:pt idx="16">
+                  <c:v>0.15</c:v>
+                </c:pt>
+                <c:pt idx="17">
+                  <c:v>0.35</c:v>
+                </c:pt>
+                <c:pt idx="18">
+                  <c:v>0.15</c:v>
+                </c:pt>
+                <c:pt idx="19">
+                  <c:v>0.6</c:v>
+                </c:pt>
+                <c:pt idx="20">
+                  <c:v>0.4</c:v>
+                </c:pt>
+                <c:pt idx="21">
+                  <c:v>0.35</c:v>
+                </c:pt>
+                <c:pt idx="22">
+                  <c:v>0.45</c:v>
+                </c:pt>
+                <c:pt idx="23">
+                  <c:v>0.4</c:v>
+                </c:pt>
+                <c:pt idx="24">
+                  <c:v>0.25</c:v>
+                </c:pt>
+                <c:pt idx="25">
+                  <c:v>0.4</c:v>
+                </c:pt>
+                <c:pt idx="26">
+                  <c:v>0.4</c:v>
+                </c:pt>
+                <c:pt idx="27">
+                  <c:v>0.4</c:v>
+                </c:pt>
+                <c:pt idx="28">
+                  <c:v>0.35</c:v>
+                </c:pt>
+                <c:pt idx="29">
+                  <c:v>0.15</c:v>
+                </c:pt>
+                <c:pt idx="30">
+                  <c:v>0.4</c:v>
+                </c:pt>
+                <c:pt idx="31">
+                  <c:v>0.25</c:v>
+                </c:pt>
+                <c:pt idx="32">
+                  <c:v>0.55000000000000004</c:v>
+                </c:pt>
+                <c:pt idx="33">
+                  <c:v>0.4</c:v>
+                </c:pt>
+                <c:pt idx="34">
+                  <c:v>0.45</c:v>
+                </c:pt>
+                <c:pt idx="35">
+                  <c:v>0.35</c:v>
+                </c:pt>
+                <c:pt idx="36">
+                  <c:v>0.3</c:v>
+                </c:pt>
+                <c:pt idx="37">
+                  <c:v>0.4</c:v>
+                </c:pt>
+                <c:pt idx="38">
+                  <c:v>0.3</c:v>
+                </c:pt>
+                <c:pt idx="39">
+                  <c:v>0.25</c:v>
+                </c:pt>
+                <c:pt idx="40">
+                  <c:v>0.25</c:v>
+                </c:pt>
+                <c:pt idx="41">
+                  <c:v>0.35</c:v>
+                </c:pt>
+                <c:pt idx="42">
+                  <c:v>0.35</c:v>
+                </c:pt>
+                <c:pt idx="43">
+                  <c:v>0.45</c:v>
+                </c:pt>
+                <c:pt idx="44">
+                  <c:v>0.3</c:v>
+                </c:pt>
+                <c:pt idx="45">
+                  <c:v>0.45</c:v>
+                </c:pt>
+                <c:pt idx="46">
+                  <c:v>0.4</c:v>
+                </c:pt>
+                <c:pt idx="47">
+                  <c:v>0.25</c:v>
+                </c:pt>
+                <c:pt idx="48">
+                  <c:v>0.35</c:v>
+                </c:pt>
+                <c:pt idx="49">
+                  <c:v>0.4</c:v>
+                </c:pt>
+                <c:pt idx="50">
+                  <c:v>0.4</c:v>
+                </c:pt>
+                <c:pt idx="51">
+                  <c:v>0.2</c:v>
+                </c:pt>
+                <c:pt idx="52">
+                  <c:v>0.3</c:v>
+                </c:pt>
+                <c:pt idx="53">
+                  <c:v>0.45</c:v>
+                </c:pt>
+                <c:pt idx="54">
+                  <c:v>0.35</c:v>
+                </c:pt>
+                <c:pt idx="55">
+                  <c:v>0.3</c:v>
+                </c:pt>
+                <c:pt idx="56">
+                  <c:v>0.3</c:v>
+                </c:pt>
+                <c:pt idx="57">
+                  <c:v>0.4</c:v>
+                </c:pt>
+                <c:pt idx="58">
+                  <c:v>0.35</c:v>
+                </c:pt>
+                <c:pt idx="59">
+                  <c:v>0.35</c:v>
+                </c:pt>
+                <c:pt idx="60">
+                  <c:v>0.45</c:v>
+                </c:pt>
+              </c:numCache>
+            </c:numRef>
+          </c:yVal>
+          <c:smooth val="0"/>
+          <c:extLst>
+            <c:ext xmlns:c16="http://schemas.microsoft.com/office/drawing/2014/chart" uri="{C3380CC4-5D6E-409C-BE32-E72D297353CC}">
+              <c16:uniqueId val="{00000001-9759-4D5E-9828-982541433953}"/>
+            </c:ext>
+          </c:extLst>
+        </c:ser>
+        <c:dLbls>
+          <c:showLegendKey val="0"/>
+          <c:showVal val="0"/>
+          <c:showCatName val="0"/>
+          <c:showSerName val="0"/>
+          <c:showPercent val="0"/>
+          <c:showBubbleSize val="0"/>
+        </c:dLbls>
+        <c:axId val="53338024"/>
+        <c:axId val="53336384"/>
+        <c:extLst>
+          <c:ext xmlns:c15="http://schemas.microsoft.com/office/drawing/2012/chart" uri="{02D57815-91ED-43cb-92C2-25804820EDAC}">
+            <c15:filteredScatterSeries>
+              <c15:ser>
+                <c:idx val="2"/>
+                <c:order val="2"/>
+                <c:tx>
+                  <c:strRef>
+                    <c:extLst>
+                      <c:ext uri="{02D57815-91ED-43cb-92C2-25804820EDAC}">
+                        <c15:formulaRef>
+                          <c15:sqref>Sheet2!$D$14</c15:sqref>
+                        </c15:formulaRef>
+                      </c:ext>
+                    </c:extLst>
+                    <c:strCache>
+                      <c:ptCount val="1"/>
+                      <c:pt idx="0">
+                        <c:v>3 Layers w/ Semi</c:v>
+                      </c:pt>
+                    </c:strCache>
+                  </c:strRef>
+                </c:tx>
+                <c:spPr>
+                  <a:ln w="19050" cap="rnd">
+                    <a:solidFill>
+                      <a:schemeClr val="accent3"/>
+                    </a:solidFill>
+                    <a:round/>
+                  </a:ln>
+                  <a:effectLst/>
+                </c:spPr>
+                <c:marker>
+                  <c:symbol val="circle"/>
+                  <c:size val="5"/>
+                  <c:spPr>
+                    <a:solidFill>
+                      <a:schemeClr val="accent3"/>
+                    </a:solidFill>
+                    <a:ln w="9525">
+                      <a:solidFill>
+                        <a:schemeClr val="accent3"/>
+                      </a:solidFill>
+                    </a:ln>
+                    <a:effectLst/>
+                  </c:spPr>
+                </c:marker>
+                <c:xVal>
+                  <c:numRef>
+                    <c:extLst>
+                      <c:ext uri="{02D57815-91ED-43cb-92C2-25804820EDAC}">
+                        <c15:formulaRef>
+                          <c15:sqref>Sheet2!$A$15:$A$75</c15:sqref>
+                        </c15:formulaRef>
+                      </c:ext>
+                    </c:extLst>
+                    <c:numCache>
+                      <c:formatCode>General</c:formatCode>
+                      <c:ptCount val="61"/>
+                      <c:pt idx="0">
+                        <c:v>0</c:v>
+                      </c:pt>
+                      <c:pt idx="1">
+                        <c:v>20</c:v>
+                      </c:pt>
+                      <c:pt idx="2">
+                        <c:v>40</c:v>
+                      </c:pt>
+                      <c:pt idx="3">
+                        <c:v>60</c:v>
+                      </c:pt>
+                      <c:pt idx="4">
+                        <c:v>80</c:v>
+                      </c:pt>
+                      <c:pt idx="5">
+                        <c:v>100</c:v>
+                      </c:pt>
+                      <c:pt idx="6">
+                        <c:v>120</c:v>
+                      </c:pt>
+                      <c:pt idx="7">
+                        <c:v>140</c:v>
+                      </c:pt>
+                      <c:pt idx="8">
+                        <c:v>160</c:v>
+                      </c:pt>
+                      <c:pt idx="9">
+                        <c:v>180</c:v>
+                      </c:pt>
+                      <c:pt idx="10">
+                        <c:v>200</c:v>
+                      </c:pt>
+                      <c:pt idx="11">
+                        <c:v>220</c:v>
+                      </c:pt>
+                      <c:pt idx="12">
+                        <c:v>240</c:v>
+                      </c:pt>
+                      <c:pt idx="13">
+                        <c:v>260</c:v>
+                      </c:pt>
+                      <c:pt idx="14">
+                        <c:v>280</c:v>
+                      </c:pt>
+                      <c:pt idx="15">
+                        <c:v>300</c:v>
+                      </c:pt>
+                      <c:pt idx="16">
+                        <c:v>320</c:v>
+                      </c:pt>
+                      <c:pt idx="17">
+                        <c:v>340</c:v>
+                      </c:pt>
+                      <c:pt idx="18">
+                        <c:v>360</c:v>
+                      </c:pt>
+                      <c:pt idx="19">
+                        <c:v>380</c:v>
+                      </c:pt>
+                      <c:pt idx="20">
+                        <c:v>400</c:v>
+                      </c:pt>
+                      <c:pt idx="21">
+                        <c:v>420</c:v>
+                      </c:pt>
+                      <c:pt idx="22">
+                        <c:v>440</c:v>
+                      </c:pt>
+                      <c:pt idx="23">
+                        <c:v>460</c:v>
+                      </c:pt>
+                      <c:pt idx="24">
+                        <c:v>480</c:v>
+                      </c:pt>
+                      <c:pt idx="25">
+                        <c:v>500</c:v>
+                      </c:pt>
+                      <c:pt idx="26">
+                        <c:v>520</c:v>
+                      </c:pt>
+                      <c:pt idx="27">
+                        <c:v>540</c:v>
+                      </c:pt>
+                      <c:pt idx="28">
+                        <c:v>560</c:v>
+                      </c:pt>
+                      <c:pt idx="29">
+                        <c:v>580</c:v>
+                      </c:pt>
+                      <c:pt idx="30">
+                        <c:v>600</c:v>
+                      </c:pt>
+                      <c:pt idx="31">
+                        <c:v>620</c:v>
+                      </c:pt>
+                      <c:pt idx="32">
+                        <c:v>640</c:v>
+                      </c:pt>
+                      <c:pt idx="33">
+                        <c:v>660</c:v>
+                      </c:pt>
+                      <c:pt idx="34">
+                        <c:v>680</c:v>
+                      </c:pt>
+                      <c:pt idx="35">
+                        <c:v>700</c:v>
+                      </c:pt>
+                      <c:pt idx="36">
+                        <c:v>720</c:v>
+                      </c:pt>
+                      <c:pt idx="37">
+                        <c:v>740</c:v>
+                      </c:pt>
+                      <c:pt idx="38">
+                        <c:v>760</c:v>
+                      </c:pt>
+                      <c:pt idx="39">
+                        <c:v>780</c:v>
+                      </c:pt>
+                      <c:pt idx="40">
+                        <c:v>800</c:v>
+                      </c:pt>
+                      <c:pt idx="41">
+                        <c:v>820</c:v>
+                      </c:pt>
+                      <c:pt idx="42">
+                        <c:v>840</c:v>
+                      </c:pt>
+                      <c:pt idx="43">
+                        <c:v>860</c:v>
+                      </c:pt>
+                      <c:pt idx="44">
+                        <c:v>880</c:v>
+                      </c:pt>
+                      <c:pt idx="45">
+                        <c:v>900</c:v>
+                      </c:pt>
+                      <c:pt idx="46">
+                        <c:v>920</c:v>
+                      </c:pt>
+                      <c:pt idx="47">
+                        <c:v>940</c:v>
+                      </c:pt>
+                      <c:pt idx="48">
+                        <c:v>960</c:v>
+                      </c:pt>
+                      <c:pt idx="49">
+                        <c:v>980</c:v>
+                      </c:pt>
+                      <c:pt idx="50">
+                        <c:v>1000</c:v>
+                      </c:pt>
+                      <c:pt idx="51">
+                        <c:v>1020</c:v>
+                      </c:pt>
+                      <c:pt idx="52">
+                        <c:v>1040</c:v>
+                      </c:pt>
+                      <c:pt idx="53">
+                        <c:v>1060</c:v>
+                      </c:pt>
+                      <c:pt idx="54">
+                        <c:v>1080</c:v>
+                      </c:pt>
+                      <c:pt idx="55">
+                        <c:v>1100</c:v>
+                      </c:pt>
+                      <c:pt idx="56">
+                        <c:v>1120</c:v>
+                      </c:pt>
+                      <c:pt idx="57">
+                        <c:v>1140</c:v>
+                      </c:pt>
+                      <c:pt idx="58">
+                        <c:v>1160</c:v>
+                      </c:pt>
+                      <c:pt idx="59">
+                        <c:v>1180</c:v>
+                      </c:pt>
+                      <c:pt idx="60">
+                        <c:v>1200</c:v>
+                      </c:pt>
+                    </c:numCache>
+                  </c:numRef>
+                </c:xVal>
+                <c:yVal>
+                  <c:numRef>
+                    <c:extLst>
+                      <c:ext uri="{02D57815-91ED-43cb-92C2-25804820EDAC}">
+                        <c15:formulaRef>
+                          <c15:sqref>Sheet2!$D$15:$D$75</c15:sqref>
+                        </c15:formulaRef>
+                      </c:ext>
+                    </c:extLst>
+                    <c:numCache>
+                      <c:formatCode>General</c:formatCode>
+                      <c:ptCount val="61"/>
+                      <c:pt idx="0">
+                        <c:v>0.25</c:v>
+                      </c:pt>
+                      <c:pt idx="1">
+                        <c:v>0.25</c:v>
+                      </c:pt>
+                      <c:pt idx="2">
+                        <c:v>0.3</c:v>
+                      </c:pt>
+                      <c:pt idx="3">
+                        <c:v>0.1</c:v>
+                      </c:pt>
+                      <c:pt idx="4">
+                        <c:v>0.3</c:v>
+                      </c:pt>
+                      <c:pt idx="5">
+                        <c:v>0.25</c:v>
+                      </c:pt>
+                      <c:pt idx="6">
+                        <c:v>0.25</c:v>
+                      </c:pt>
+                      <c:pt idx="7">
+                        <c:v>0.3</c:v>
+                      </c:pt>
+                      <c:pt idx="8">
+                        <c:v>0.2</c:v>
+                      </c:pt>
+                      <c:pt idx="9">
+                        <c:v>0.3</c:v>
+                      </c:pt>
+                      <c:pt idx="10">
+                        <c:v>0.3</c:v>
+                      </c:pt>
+                      <c:pt idx="11">
+                        <c:v>0.15</c:v>
+                      </c:pt>
+                      <c:pt idx="12">
+                        <c:v>0.25</c:v>
+                      </c:pt>
+                      <c:pt idx="13">
+                        <c:v>0.2</c:v>
+                      </c:pt>
+                      <c:pt idx="14">
+                        <c:v>0.35</c:v>
+                      </c:pt>
+                      <c:pt idx="15">
+                        <c:v>0.2</c:v>
+                      </c:pt>
+                      <c:pt idx="16">
+                        <c:v>0.15</c:v>
+                      </c:pt>
+                      <c:pt idx="17">
+                        <c:v>0.4</c:v>
+                      </c:pt>
+                      <c:pt idx="18">
+                        <c:v>0.4</c:v>
+                      </c:pt>
+                      <c:pt idx="19">
+                        <c:v>0.3</c:v>
+                      </c:pt>
+                      <c:pt idx="20">
+                        <c:v>0.35</c:v>
+                      </c:pt>
+                      <c:pt idx="21">
+                        <c:v>0.1</c:v>
+                      </c:pt>
+                      <c:pt idx="22">
+                        <c:v>0.45</c:v>
+                      </c:pt>
+                      <c:pt idx="23">
+                        <c:v>0.45</c:v>
+                      </c:pt>
+                      <c:pt idx="24">
+                        <c:v>0.45</c:v>
+                      </c:pt>
+                      <c:pt idx="25">
+                        <c:v>0.5</c:v>
+                      </c:pt>
+                      <c:pt idx="26">
+                        <c:v>0.3</c:v>
+                      </c:pt>
+                      <c:pt idx="27">
+                        <c:v>0.4</c:v>
+                      </c:pt>
+                      <c:pt idx="28">
+                        <c:v>0.55000000000000004</c:v>
+                      </c:pt>
+                      <c:pt idx="29">
+                        <c:v>0.25</c:v>
+                      </c:pt>
+                      <c:pt idx="30">
+                        <c:v>0.3</c:v>
+                      </c:pt>
+                      <c:pt idx="31">
+                        <c:v>0.35</c:v>
+                      </c:pt>
+                      <c:pt idx="32">
+                        <c:v>0.35</c:v>
+                      </c:pt>
+                      <c:pt idx="33">
+                        <c:v>0.4</c:v>
+                      </c:pt>
+                      <c:pt idx="34">
+                        <c:v>0.4</c:v>
+                      </c:pt>
+                      <c:pt idx="35">
+                        <c:v>0.4</c:v>
+                      </c:pt>
+                      <c:pt idx="36">
+                        <c:v>0.25</c:v>
+                      </c:pt>
+                      <c:pt idx="37">
+                        <c:v>0.4</c:v>
+                      </c:pt>
+                      <c:pt idx="38">
+                        <c:v>0.45</c:v>
+                      </c:pt>
+                      <c:pt idx="39">
+                        <c:v>0.2</c:v>
+                      </c:pt>
+                      <c:pt idx="40">
+                        <c:v>0.25</c:v>
+                      </c:pt>
+                      <c:pt idx="41">
+                        <c:v>0.45</c:v>
+                      </c:pt>
+                      <c:pt idx="42">
+                        <c:v>0.35</c:v>
+                      </c:pt>
+                      <c:pt idx="43">
+                        <c:v>0.45</c:v>
+                      </c:pt>
+                      <c:pt idx="44">
+                        <c:v>0.25</c:v>
+                      </c:pt>
+                      <c:pt idx="45">
+                        <c:v>0.5</c:v>
+                      </c:pt>
+                      <c:pt idx="46">
+                        <c:v>0.25</c:v>
+                      </c:pt>
+                      <c:pt idx="47">
+                        <c:v>0.35</c:v>
+                      </c:pt>
+                      <c:pt idx="48">
+                        <c:v>0.45</c:v>
+                      </c:pt>
+                      <c:pt idx="49">
+                        <c:v>0.4</c:v>
+                      </c:pt>
+                      <c:pt idx="50">
+                        <c:v>0.4</c:v>
+                      </c:pt>
+                      <c:pt idx="51">
+                        <c:v>0.3</c:v>
+                      </c:pt>
+                      <c:pt idx="52">
+                        <c:v>0.35</c:v>
+                      </c:pt>
+                      <c:pt idx="53">
+                        <c:v>0.25</c:v>
+                      </c:pt>
+                      <c:pt idx="54">
+                        <c:v>0.45</c:v>
+                      </c:pt>
+                      <c:pt idx="55">
+                        <c:v>0.4</c:v>
+                      </c:pt>
+                      <c:pt idx="56">
+                        <c:v>0.5</c:v>
+                      </c:pt>
+                      <c:pt idx="57">
+                        <c:v>0.2</c:v>
+                      </c:pt>
+                      <c:pt idx="58">
+                        <c:v>0.4</c:v>
+                      </c:pt>
+                      <c:pt idx="59">
+                        <c:v>0.4</c:v>
+                      </c:pt>
+                      <c:pt idx="60">
+                        <c:v>0.5</c:v>
+                      </c:pt>
+                    </c:numCache>
+                  </c:numRef>
+                </c:yVal>
+                <c:smooth val="0"/>
+                <c:extLst>
+                  <c:ext xmlns:c16="http://schemas.microsoft.com/office/drawing/2014/chart" uri="{C3380CC4-5D6E-409C-BE32-E72D297353CC}">
+                    <c16:uniqueId val="{00000002-9759-4D5E-9828-982541433953}"/>
+                  </c:ext>
+                </c:extLst>
+              </c15:ser>
+            </c15:filteredScatterSeries>
+          </c:ext>
+        </c:extLst>
+      </c:scatterChart>
+      <c:valAx>
+        <c:axId val="53338024"/>
+        <c:scaling>
+          <c:orientation val="minMax"/>
+        </c:scaling>
+        <c:delete val="0"/>
+        <c:axPos val="b"/>
+        <c:majorGridlines>
+          <c:spPr>
+            <a:ln w="9525" cap="flat" cmpd="sng" algn="ctr">
+              <a:solidFill>
+                <a:schemeClr val="tx1">
+                  <a:lumMod val="15000"/>
+                  <a:lumOff val="85000"/>
+                </a:schemeClr>
+              </a:solidFill>
+              <a:round/>
+            </a:ln>
+            <a:effectLst/>
+          </c:spPr>
+        </c:majorGridlines>
+        <c:numFmt formatCode="General" sourceLinked="1"/>
+        <c:majorTickMark val="none"/>
+        <c:minorTickMark val="none"/>
+        <c:tickLblPos val="nextTo"/>
+        <c:spPr>
+          <a:noFill/>
+          <a:ln w="9525" cap="flat" cmpd="sng" algn="ctr">
+            <a:solidFill>
+              <a:schemeClr val="tx1">
+                <a:lumMod val="25000"/>
+                <a:lumOff val="75000"/>
+              </a:schemeClr>
+            </a:solidFill>
+            <a:round/>
+          </a:ln>
+          <a:effectLst/>
+        </c:spPr>
+        <c:txPr>
+          <a:bodyPr rot="-60000000" spcFirstLastPara="1" vertOverflow="ellipsis" vert="horz" wrap="square" anchor="ctr" anchorCtr="1"/>
+          <a:lstStyle/>
+          <a:p>
+            <a:pPr>
+              <a:defRPr sz="900" b="0" i="0" u="none" strike="noStrike" kern="1200" baseline="0">
+                <a:solidFill>
+                  <a:schemeClr val="tx1">
+                    <a:lumMod val="65000"/>
+                    <a:lumOff val="35000"/>
+                  </a:schemeClr>
+                </a:solidFill>
+                <a:latin typeface="+mn-lt"/>
+                <a:ea typeface="+mn-ea"/>
+                <a:cs typeface="+mn-cs"/>
+              </a:defRPr>
+            </a:pPr>
+            <a:endParaRPr lang="en-US"/>
+          </a:p>
+        </c:txPr>
+        <c:crossAx val="53336384"/>
+        <c:crosses val="autoZero"/>
+        <c:crossBetween val="midCat"/>
+      </c:valAx>
+      <c:valAx>
+        <c:axId val="53336384"/>
+        <c:scaling>
+          <c:orientation val="minMax"/>
+        </c:scaling>
+        <c:delete val="0"/>
+        <c:axPos val="l"/>
+        <c:majorGridlines>
+          <c:spPr>
+            <a:ln w="9525" cap="flat" cmpd="sng" algn="ctr">
+              <a:solidFill>
+                <a:schemeClr val="tx1">
+                  <a:lumMod val="15000"/>
+                  <a:lumOff val="85000"/>
+                </a:schemeClr>
+              </a:solidFill>
+              <a:round/>
+            </a:ln>
+            <a:effectLst/>
+          </c:spPr>
+        </c:majorGridlines>
+        <c:numFmt formatCode="General" sourceLinked="1"/>
+        <c:majorTickMark val="none"/>
+        <c:minorTickMark val="none"/>
+        <c:tickLblPos val="nextTo"/>
+        <c:spPr>
+          <a:noFill/>
+          <a:ln w="9525" cap="flat" cmpd="sng" algn="ctr">
+            <a:solidFill>
+              <a:schemeClr val="tx1">
+                <a:lumMod val="25000"/>
+                <a:lumOff val="75000"/>
+              </a:schemeClr>
+            </a:solidFill>
+            <a:round/>
+          </a:ln>
+          <a:effectLst/>
+        </c:spPr>
+        <c:txPr>
+          <a:bodyPr rot="-60000000" spcFirstLastPara="1" vertOverflow="ellipsis" vert="horz" wrap="square" anchor="ctr" anchorCtr="1"/>
+          <a:lstStyle/>
+          <a:p>
+            <a:pPr>
+              <a:defRPr sz="900" b="0" i="0" u="none" strike="noStrike" kern="1200" baseline="0">
+                <a:solidFill>
+                  <a:schemeClr val="tx1">
+                    <a:lumMod val="65000"/>
+                    <a:lumOff val="35000"/>
+                  </a:schemeClr>
+                </a:solidFill>
+                <a:latin typeface="+mn-lt"/>
+                <a:ea typeface="+mn-ea"/>
+                <a:cs typeface="+mn-cs"/>
+              </a:defRPr>
+            </a:pPr>
+            <a:endParaRPr lang="en-US"/>
+          </a:p>
+        </c:txPr>
+        <c:crossAx val="53338024"/>
+        <c:crosses val="autoZero"/>
+        <c:crossBetween val="midCat"/>
+      </c:valAx>
+      <c:spPr>
+        <a:noFill/>
+        <a:ln>
+          <a:noFill/>
+        </a:ln>
+        <a:effectLst/>
+      </c:spPr>
+    </c:plotArea>
+    <c:legend>
+      <c:legendPos val="b"/>
+      <c:overlay val="0"/>
+      <c:spPr>
+        <a:noFill/>
+        <a:ln>
+          <a:noFill/>
+        </a:ln>
+        <a:effectLst/>
+      </c:spPr>
+      <c:txPr>
+        <a:bodyPr rot="0" spcFirstLastPara="1" vertOverflow="ellipsis" vert="horz" wrap="square" anchor="ctr" anchorCtr="1"/>
+        <a:lstStyle/>
+        <a:p>
+          <a:pPr>
+            <a:defRPr sz="900" b="0" i="0" u="none" strike="noStrike" kern="1200" baseline="0">
+              <a:solidFill>
+                <a:schemeClr val="tx1">
+                  <a:lumMod val="65000"/>
+                  <a:lumOff val="35000"/>
+                </a:schemeClr>
+              </a:solidFill>
+              <a:latin typeface="+mn-lt"/>
+              <a:ea typeface="+mn-ea"/>
+              <a:cs typeface="+mn-cs"/>
+            </a:defRPr>
+          </a:pPr>
+          <a:endParaRPr lang="en-US"/>
+        </a:p>
+      </c:txPr>
+    </c:legend>
+    <c:plotVisOnly val="1"/>
+    <c:dispBlanksAs val="gap"/>
+    <c:showDLblsOverMax val="0"/>
+  </c:chart>
+  <c:spPr>
+    <a:solidFill>
+      <a:schemeClr val="tx1">
+        <a:lumMod val="50000"/>
+      </a:schemeClr>
+    </a:solidFill>
+    <a:ln>
+      <a:noFill/>
+    </a:ln>
+    <a:effectLst/>
+  </c:spPr>
+  <c:txPr>
+    <a:bodyPr/>
+    <a:lstStyle/>
+    <a:p>
+      <a:pPr>
+        <a:defRPr/>
+      </a:pPr>
+      <a:endParaRPr lang="en-US"/>
+    </a:p>
+  </c:txPr>
+  <c:externalData r:id="rId3">
+    <c:autoUpdate val="0"/>
+  </c:externalData>
+</c:chartSpace>
+</file>
+
+<file path=ppt/charts/chart2.xml><?xml version="1.0" encoding="utf-8"?>
+<c:chartSpace xmlns:c="http://schemas.openxmlformats.org/drawingml/2006/chart" xmlns:a="http://schemas.openxmlformats.org/drawingml/2006/main" xmlns:r="http://schemas.openxmlformats.org/officeDocument/2006/relationships" xmlns:c16r2="http://schemas.microsoft.com/office/drawing/2015/06/chart">
+  <c:date1904 val="0"/>
+  <c:lang val="en-US"/>
+  <c:roundedCorners val="0"/>
+  <mc:AlternateContent xmlns:mc="http://schemas.openxmlformats.org/markup-compatibility/2006">
+    <mc:Choice xmlns:c14="http://schemas.microsoft.com/office/drawing/2007/8/2/chart" Requires="c14">
+      <c14:style val="102"/>
+    </mc:Choice>
+    <mc:Fallback>
+      <c:style val="2"/>
+    </mc:Fallback>
+  </mc:AlternateContent>
+  <c:chart>
+    <c:title>
+      <c:tx>
+        <c:rich>
+          <a:bodyPr rot="0" spcFirstLastPara="1" vertOverflow="ellipsis" vert="horz" wrap="square" anchor="ctr" anchorCtr="1"/>
+          <a:lstStyle/>
+          <a:p>
+            <a:pPr>
+              <a:defRPr sz="1862" b="0" i="0" u="none" strike="noStrike" kern="1200" cap="none" spc="20" baseline="0">
+                <a:solidFill>
+                  <a:schemeClr val="dk1">
+                    <a:lumMod val="50000"/>
+                    <a:lumOff val="50000"/>
+                  </a:schemeClr>
+                </a:solidFill>
+                <a:latin typeface="+mn-lt"/>
+                <a:ea typeface="+mn-ea"/>
+                <a:cs typeface="+mn-cs"/>
+              </a:defRPr>
+            </a:pPr>
+            <a:r>
+              <a:rPr lang="en-US"/>
+              <a:t>Accuracy over # Training Images (equal halves)</a:t>
+            </a:r>
+          </a:p>
+        </c:rich>
+      </c:tx>
+      <c:overlay val="0"/>
+      <c:spPr>
+        <a:noFill/>
+        <a:ln>
+          <a:noFill/>
+        </a:ln>
+        <a:effectLst/>
+      </c:spPr>
+      <c:txPr>
+        <a:bodyPr rot="0" spcFirstLastPara="1" vertOverflow="ellipsis" vert="horz" wrap="square" anchor="ctr" anchorCtr="1"/>
+        <a:lstStyle/>
+        <a:p>
+          <a:pPr>
+            <a:defRPr sz="1862" b="0" i="0" u="none" strike="noStrike" kern="1200" cap="none" spc="20" baseline="0">
+              <a:solidFill>
+                <a:schemeClr val="dk1">
+                  <a:lumMod val="50000"/>
+                  <a:lumOff val="50000"/>
+                </a:schemeClr>
+              </a:solidFill>
+              <a:latin typeface="+mn-lt"/>
+              <a:ea typeface="+mn-ea"/>
+              <a:cs typeface="+mn-cs"/>
+            </a:defRPr>
+          </a:pPr>
+          <a:endParaRPr lang="en-US"/>
+        </a:p>
+      </c:txPr>
+    </c:title>
+    <c:autoTitleDeleted val="0"/>
+    <c:plotArea>
+      <c:layout/>
+      <c:scatterChart>
+        <c:scatterStyle val="lineMarker"/>
+        <c:varyColors val="0"/>
+        <c:ser>
+          <c:idx val="0"/>
+          <c:order val="0"/>
+          <c:spPr>
+            <a:ln w="9525" cap="flat" cmpd="sng" algn="ctr">
+              <a:solidFill>
+                <a:schemeClr val="accent1">
+                  <a:alpha val="70000"/>
+                </a:schemeClr>
+              </a:solidFill>
+              <a:prstDash val="sysDot"/>
+              <a:round/>
+            </a:ln>
+            <a:effectLst/>
+          </c:spPr>
+          <c:marker>
+            <c:symbol val="circle"/>
+            <c:size val="5"/>
+            <c:spPr>
+              <a:gradFill rotWithShape="1">
+                <a:gsLst>
+                  <a:gs pos="0">
+                    <a:schemeClr val="accent1">
+                      <a:tint val="58000"/>
+                      <a:satMod val="108000"/>
+                      <a:lumMod val="110000"/>
+                    </a:schemeClr>
+                  </a:gs>
+                  <a:gs pos="100000">
+                    <a:schemeClr val="accent1">
+                      <a:tint val="81000"/>
+                      <a:satMod val="109000"/>
+                      <a:lumMod val="105000"/>
+                    </a:schemeClr>
+                  </a:gs>
+                </a:gsLst>
+                <a:lin ang="5040000" scaled="0"/>
+              </a:gradFill>
+              <a:ln w="9525" cap="flat" cmpd="sng" algn="ctr">
+                <a:solidFill>
+                  <a:schemeClr val="accent1">
+                    <a:shade val="95000"/>
+                  </a:schemeClr>
+                </a:solidFill>
+                <a:round/>
+              </a:ln>
+              <a:effectLst/>
+            </c:spPr>
+          </c:marker>
+          <c:xVal>
+            <c:numRef>
+              <c:f>Sheet3!$A$1:$A$433</c:f>
+              <c:numCache>
+                <c:formatCode>General</c:formatCode>
+                <c:ptCount val="433"/>
+                <c:pt idx="0">
+                  <c:v>40</c:v>
+                </c:pt>
+                <c:pt idx="1">
+                  <c:v>80</c:v>
+                </c:pt>
+                <c:pt idx="2">
+                  <c:v>120</c:v>
+                </c:pt>
+                <c:pt idx="3">
+                  <c:v>160</c:v>
+                </c:pt>
+                <c:pt idx="4">
+                  <c:v>200</c:v>
+                </c:pt>
+                <c:pt idx="5">
+                  <c:v>240</c:v>
+                </c:pt>
+                <c:pt idx="6">
+                  <c:v>280</c:v>
+                </c:pt>
+                <c:pt idx="7">
+                  <c:v>320</c:v>
+                </c:pt>
+                <c:pt idx="8">
+                  <c:v>360</c:v>
+                </c:pt>
+                <c:pt idx="9">
+                  <c:v>400</c:v>
+                </c:pt>
+                <c:pt idx="10">
+                  <c:v>440</c:v>
+                </c:pt>
+                <c:pt idx="11">
+                  <c:v>480</c:v>
+                </c:pt>
+                <c:pt idx="12">
+                  <c:v>520</c:v>
+                </c:pt>
+                <c:pt idx="13">
+                  <c:v>560</c:v>
+                </c:pt>
+                <c:pt idx="14">
+                  <c:v>600</c:v>
+                </c:pt>
+                <c:pt idx="15">
+                  <c:v>640</c:v>
+                </c:pt>
+                <c:pt idx="16">
+                  <c:v>680</c:v>
+                </c:pt>
+                <c:pt idx="17">
+                  <c:v>720</c:v>
+                </c:pt>
+                <c:pt idx="18">
+                  <c:v>760</c:v>
+                </c:pt>
+                <c:pt idx="19">
+                  <c:v>800</c:v>
+                </c:pt>
+                <c:pt idx="20">
+                  <c:v>840</c:v>
+                </c:pt>
+                <c:pt idx="21">
+                  <c:v>880</c:v>
+                </c:pt>
+                <c:pt idx="22">
+                  <c:v>920</c:v>
+                </c:pt>
+                <c:pt idx="23">
+                  <c:v>960</c:v>
+                </c:pt>
+                <c:pt idx="24">
+                  <c:v>1000</c:v>
+                </c:pt>
+                <c:pt idx="25">
+                  <c:v>1040</c:v>
+                </c:pt>
+                <c:pt idx="26">
+                  <c:v>1080</c:v>
+                </c:pt>
+                <c:pt idx="27">
+                  <c:v>1120</c:v>
+                </c:pt>
+                <c:pt idx="28">
+                  <c:v>1160</c:v>
+                </c:pt>
+                <c:pt idx="29">
+                  <c:v>1200</c:v>
+                </c:pt>
+                <c:pt idx="30">
+                  <c:v>1240</c:v>
+                </c:pt>
+                <c:pt idx="31">
+                  <c:v>1280</c:v>
+                </c:pt>
+                <c:pt idx="32">
+                  <c:v>1320</c:v>
+                </c:pt>
+                <c:pt idx="33">
+                  <c:v>1360</c:v>
+                </c:pt>
+                <c:pt idx="34">
+                  <c:v>1400</c:v>
+                </c:pt>
+                <c:pt idx="35">
+                  <c:v>1440</c:v>
+                </c:pt>
+                <c:pt idx="36">
+                  <c:v>1480</c:v>
+                </c:pt>
+                <c:pt idx="37">
+                  <c:v>1520</c:v>
+                </c:pt>
+                <c:pt idx="38">
+                  <c:v>1560</c:v>
+                </c:pt>
+                <c:pt idx="39">
+                  <c:v>1600</c:v>
+                </c:pt>
+                <c:pt idx="40">
+                  <c:v>1640</c:v>
+                </c:pt>
+                <c:pt idx="41">
+                  <c:v>1680</c:v>
+                </c:pt>
+                <c:pt idx="42">
+                  <c:v>1720</c:v>
+                </c:pt>
+                <c:pt idx="43">
+                  <c:v>1760</c:v>
+                </c:pt>
+                <c:pt idx="44">
+                  <c:v>1800</c:v>
+                </c:pt>
+                <c:pt idx="45">
+                  <c:v>1840</c:v>
+                </c:pt>
+                <c:pt idx="46">
+                  <c:v>1880</c:v>
+                </c:pt>
+                <c:pt idx="47">
+                  <c:v>1920</c:v>
+                </c:pt>
+                <c:pt idx="48">
+                  <c:v>1960</c:v>
+                </c:pt>
+                <c:pt idx="49">
+                  <c:v>2000</c:v>
+                </c:pt>
+                <c:pt idx="50">
+                  <c:v>2040</c:v>
+                </c:pt>
+                <c:pt idx="51">
+                  <c:v>2080</c:v>
+                </c:pt>
+                <c:pt idx="52">
+                  <c:v>2120</c:v>
+                </c:pt>
+                <c:pt idx="53">
+                  <c:v>2160</c:v>
+                </c:pt>
+                <c:pt idx="54">
+                  <c:v>2200</c:v>
+                </c:pt>
+                <c:pt idx="55">
+                  <c:v>2240</c:v>
+                </c:pt>
+                <c:pt idx="56">
+                  <c:v>2280</c:v>
+                </c:pt>
+                <c:pt idx="57">
+                  <c:v>2320</c:v>
+                </c:pt>
+                <c:pt idx="58">
+                  <c:v>2360</c:v>
+                </c:pt>
+                <c:pt idx="59">
+                  <c:v>2400</c:v>
+                </c:pt>
+                <c:pt idx="60">
+                  <c:v>2440</c:v>
+                </c:pt>
+                <c:pt idx="61">
+                  <c:v>2480</c:v>
+                </c:pt>
+                <c:pt idx="62">
+                  <c:v>2520</c:v>
+                </c:pt>
+                <c:pt idx="63">
+                  <c:v>2560</c:v>
+                </c:pt>
+                <c:pt idx="64">
+                  <c:v>2600</c:v>
+                </c:pt>
+                <c:pt idx="65">
+                  <c:v>2640</c:v>
+                </c:pt>
+                <c:pt idx="66">
+                  <c:v>2680</c:v>
+                </c:pt>
+                <c:pt idx="67">
+                  <c:v>2720</c:v>
+                </c:pt>
+                <c:pt idx="68">
+                  <c:v>2760</c:v>
+                </c:pt>
+                <c:pt idx="69">
+                  <c:v>2800</c:v>
+                </c:pt>
+                <c:pt idx="70">
+                  <c:v>2840</c:v>
+                </c:pt>
+                <c:pt idx="71">
+                  <c:v>2880</c:v>
+                </c:pt>
+                <c:pt idx="72">
+                  <c:v>2920</c:v>
+                </c:pt>
+                <c:pt idx="73">
+                  <c:v>2960</c:v>
+                </c:pt>
+                <c:pt idx="74">
+                  <c:v>3000</c:v>
+                </c:pt>
+                <c:pt idx="75">
+                  <c:v>3040</c:v>
+                </c:pt>
+                <c:pt idx="76">
+                  <c:v>3080</c:v>
+                </c:pt>
+                <c:pt idx="77">
+                  <c:v>3120</c:v>
+                </c:pt>
+                <c:pt idx="78">
+                  <c:v>3160</c:v>
+                </c:pt>
+                <c:pt idx="79">
+                  <c:v>3200</c:v>
+                </c:pt>
+                <c:pt idx="80">
+                  <c:v>3240</c:v>
+                </c:pt>
+                <c:pt idx="81">
+                  <c:v>3280</c:v>
+                </c:pt>
+                <c:pt idx="82">
+                  <c:v>3320</c:v>
+                </c:pt>
+                <c:pt idx="83">
+                  <c:v>3360</c:v>
+                </c:pt>
+                <c:pt idx="84">
+                  <c:v>3400</c:v>
+                </c:pt>
+                <c:pt idx="85">
+                  <c:v>3440</c:v>
+                </c:pt>
+                <c:pt idx="86">
+                  <c:v>3480</c:v>
+                </c:pt>
+                <c:pt idx="87">
+                  <c:v>3520</c:v>
+                </c:pt>
+                <c:pt idx="88">
+                  <c:v>3560</c:v>
+                </c:pt>
+                <c:pt idx="89">
+                  <c:v>3600</c:v>
+                </c:pt>
+                <c:pt idx="90">
+                  <c:v>3640</c:v>
+                </c:pt>
+                <c:pt idx="91">
+                  <c:v>3680</c:v>
+                </c:pt>
+                <c:pt idx="92">
+                  <c:v>3720</c:v>
+                </c:pt>
+                <c:pt idx="93">
+                  <c:v>3760</c:v>
+                </c:pt>
+                <c:pt idx="94">
+                  <c:v>3800</c:v>
+                </c:pt>
+                <c:pt idx="95">
+                  <c:v>3840</c:v>
+                </c:pt>
+                <c:pt idx="96">
+                  <c:v>3880</c:v>
+                </c:pt>
+                <c:pt idx="97">
+                  <c:v>3920</c:v>
+                </c:pt>
+                <c:pt idx="98">
+                  <c:v>3960</c:v>
+                </c:pt>
+                <c:pt idx="99">
+                  <c:v>4000</c:v>
+                </c:pt>
+                <c:pt idx="100">
+                  <c:v>4040</c:v>
+                </c:pt>
+                <c:pt idx="101">
+                  <c:v>4080</c:v>
+                </c:pt>
+                <c:pt idx="102">
+                  <c:v>4120</c:v>
+                </c:pt>
+                <c:pt idx="103">
+                  <c:v>4160</c:v>
+                </c:pt>
+                <c:pt idx="104">
+                  <c:v>4200</c:v>
+                </c:pt>
+                <c:pt idx="105">
+                  <c:v>4240</c:v>
+                </c:pt>
+                <c:pt idx="106">
+                  <c:v>4280</c:v>
+                </c:pt>
+                <c:pt idx="107">
+                  <c:v>4320</c:v>
+                </c:pt>
+                <c:pt idx="108">
+                  <c:v>4360</c:v>
+                </c:pt>
+                <c:pt idx="109">
+                  <c:v>4400</c:v>
+                </c:pt>
+                <c:pt idx="110">
+                  <c:v>4440</c:v>
+                </c:pt>
+                <c:pt idx="111">
+                  <c:v>4480</c:v>
+                </c:pt>
+                <c:pt idx="112">
+                  <c:v>4520</c:v>
+                </c:pt>
+                <c:pt idx="113">
+                  <c:v>4560</c:v>
+                </c:pt>
+                <c:pt idx="114">
+                  <c:v>4600</c:v>
+                </c:pt>
+                <c:pt idx="115">
+                  <c:v>4640</c:v>
+                </c:pt>
+                <c:pt idx="116">
+                  <c:v>4680</c:v>
+                </c:pt>
+                <c:pt idx="117">
+                  <c:v>4720</c:v>
+                </c:pt>
+                <c:pt idx="118">
+                  <c:v>4760</c:v>
+                </c:pt>
+                <c:pt idx="119">
+                  <c:v>4800</c:v>
+                </c:pt>
+                <c:pt idx="120">
+                  <c:v>4840</c:v>
+                </c:pt>
+                <c:pt idx="121">
+                  <c:v>4880</c:v>
+                </c:pt>
+                <c:pt idx="122">
+                  <c:v>4920</c:v>
+                </c:pt>
+                <c:pt idx="123">
+                  <c:v>4960</c:v>
+                </c:pt>
+                <c:pt idx="124">
+                  <c:v>5000</c:v>
+                </c:pt>
+                <c:pt idx="125">
+                  <c:v>5040</c:v>
+                </c:pt>
+                <c:pt idx="126">
+                  <c:v>5080</c:v>
+                </c:pt>
+                <c:pt idx="127">
+                  <c:v>5120</c:v>
+                </c:pt>
+                <c:pt idx="128">
+                  <c:v>5160</c:v>
+                </c:pt>
+                <c:pt idx="129">
+                  <c:v>5200</c:v>
+                </c:pt>
+                <c:pt idx="130">
+                  <c:v>5240</c:v>
+                </c:pt>
+                <c:pt idx="131">
+                  <c:v>5280</c:v>
+                </c:pt>
+                <c:pt idx="132">
+                  <c:v>5320</c:v>
+                </c:pt>
+                <c:pt idx="133">
+                  <c:v>5360</c:v>
+                </c:pt>
+                <c:pt idx="134">
+                  <c:v>5400</c:v>
+                </c:pt>
+                <c:pt idx="135">
+                  <c:v>5440</c:v>
+                </c:pt>
+                <c:pt idx="136">
+                  <c:v>5480</c:v>
+                </c:pt>
+                <c:pt idx="137">
+                  <c:v>5520</c:v>
+                </c:pt>
+                <c:pt idx="138">
+                  <c:v>5560</c:v>
+                </c:pt>
+                <c:pt idx="139">
+                  <c:v>5600</c:v>
+                </c:pt>
+                <c:pt idx="140">
+                  <c:v>5640</c:v>
+                </c:pt>
+                <c:pt idx="141">
+                  <c:v>5680</c:v>
+                </c:pt>
+                <c:pt idx="142">
+                  <c:v>5720</c:v>
+                </c:pt>
+                <c:pt idx="143">
+                  <c:v>5760</c:v>
+                </c:pt>
+                <c:pt idx="144">
+                  <c:v>5800</c:v>
+                </c:pt>
+                <c:pt idx="145">
+                  <c:v>5840</c:v>
+                </c:pt>
+                <c:pt idx="146">
+                  <c:v>5880</c:v>
+                </c:pt>
+                <c:pt idx="147">
+                  <c:v>5920</c:v>
+                </c:pt>
+                <c:pt idx="148">
+                  <c:v>5960</c:v>
+                </c:pt>
+                <c:pt idx="149">
+                  <c:v>6000</c:v>
+                </c:pt>
+                <c:pt idx="150">
+                  <c:v>6040</c:v>
+                </c:pt>
+                <c:pt idx="151">
+                  <c:v>6080</c:v>
+                </c:pt>
+                <c:pt idx="152">
+                  <c:v>6120</c:v>
+                </c:pt>
+                <c:pt idx="153">
+                  <c:v>6160</c:v>
+                </c:pt>
+                <c:pt idx="154">
+                  <c:v>6200</c:v>
+                </c:pt>
+                <c:pt idx="155">
+                  <c:v>6240</c:v>
+                </c:pt>
+                <c:pt idx="156">
+                  <c:v>6280</c:v>
+                </c:pt>
+                <c:pt idx="157">
+                  <c:v>6320</c:v>
+                </c:pt>
+                <c:pt idx="158">
+                  <c:v>6360</c:v>
+                </c:pt>
+                <c:pt idx="159">
+                  <c:v>6400</c:v>
+                </c:pt>
+                <c:pt idx="160">
+                  <c:v>6440</c:v>
+                </c:pt>
+                <c:pt idx="161">
+                  <c:v>6480</c:v>
+                </c:pt>
+                <c:pt idx="162">
+                  <c:v>6520</c:v>
+                </c:pt>
+                <c:pt idx="163">
+                  <c:v>6560</c:v>
+                </c:pt>
+                <c:pt idx="164">
+                  <c:v>6600</c:v>
+                </c:pt>
+                <c:pt idx="165">
+                  <c:v>6640</c:v>
+                </c:pt>
+                <c:pt idx="166">
+                  <c:v>6680</c:v>
+                </c:pt>
+                <c:pt idx="167">
+                  <c:v>6720</c:v>
+                </c:pt>
+                <c:pt idx="168">
+                  <c:v>6760</c:v>
+                </c:pt>
+                <c:pt idx="169">
+                  <c:v>6800</c:v>
+                </c:pt>
+                <c:pt idx="170">
+                  <c:v>6840</c:v>
+                </c:pt>
+                <c:pt idx="171">
+                  <c:v>6880</c:v>
+                </c:pt>
+                <c:pt idx="172">
+                  <c:v>6920</c:v>
+                </c:pt>
+                <c:pt idx="173">
+                  <c:v>6960</c:v>
+                </c:pt>
+                <c:pt idx="174">
+                  <c:v>7000</c:v>
+                </c:pt>
+                <c:pt idx="175">
+                  <c:v>7040</c:v>
+                </c:pt>
+                <c:pt idx="176">
+                  <c:v>7080</c:v>
+                </c:pt>
+                <c:pt idx="177">
+                  <c:v>7120</c:v>
+                </c:pt>
+                <c:pt idx="178">
+                  <c:v>7160</c:v>
+                </c:pt>
+                <c:pt idx="179">
+                  <c:v>7200</c:v>
+                </c:pt>
+                <c:pt idx="180">
+                  <c:v>7240</c:v>
+                </c:pt>
+                <c:pt idx="181">
+                  <c:v>7280</c:v>
+                </c:pt>
+                <c:pt idx="182">
+                  <c:v>7320</c:v>
+                </c:pt>
+                <c:pt idx="183">
+                  <c:v>7360</c:v>
+                </c:pt>
+                <c:pt idx="184">
+                  <c:v>7400</c:v>
+                </c:pt>
+                <c:pt idx="185">
+                  <c:v>7440</c:v>
+                </c:pt>
+                <c:pt idx="186">
+                  <c:v>7480</c:v>
+                </c:pt>
+                <c:pt idx="187">
+                  <c:v>7520</c:v>
+                </c:pt>
+                <c:pt idx="188">
+                  <c:v>7560</c:v>
+                </c:pt>
+                <c:pt idx="189">
+                  <c:v>7600</c:v>
+                </c:pt>
+                <c:pt idx="190">
+                  <c:v>7640</c:v>
+                </c:pt>
+                <c:pt idx="191">
+                  <c:v>7680</c:v>
+                </c:pt>
+                <c:pt idx="192">
+                  <c:v>7720</c:v>
+                </c:pt>
+                <c:pt idx="193">
+                  <c:v>7760</c:v>
+                </c:pt>
+                <c:pt idx="194">
+                  <c:v>7800</c:v>
+                </c:pt>
+                <c:pt idx="195">
+                  <c:v>7840</c:v>
+                </c:pt>
+                <c:pt idx="196">
+                  <c:v>7880</c:v>
+                </c:pt>
+                <c:pt idx="197">
+                  <c:v>7920</c:v>
+                </c:pt>
+                <c:pt idx="198">
+                  <c:v>7960</c:v>
+                </c:pt>
+                <c:pt idx="199">
+                  <c:v>8000</c:v>
+                </c:pt>
+                <c:pt idx="200">
+                  <c:v>8040</c:v>
+                </c:pt>
+                <c:pt idx="201">
+                  <c:v>8080</c:v>
+                </c:pt>
+                <c:pt idx="202">
+                  <c:v>8120</c:v>
+                </c:pt>
+                <c:pt idx="203">
+                  <c:v>8160</c:v>
+                </c:pt>
+                <c:pt idx="204">
+                  <c:v>8200</c:v>
+                </c:pt>
+                <c:pt idx="205">
+                  <c:v>8240</c:v>
+                </c:pt>
+                <c:pt idx="206">
+                  <c:v>8280</c:v>
+                </c:pt>
+                <c:pt idx="207">
+                  <c:v>8320</c:v>
+                </c:pt>
+                <c:pt idx="208">
+                  <c:v>8360</c:v>
+                </c:pt>
+                <c:pt idx="209">
+                  <c:v>8400</c:v>
+                </c:pt>
+                <c:pt idx="210">
+                  <c:v>8440</c:v>
+                </c:pt>
+                <c:pt idx="211">
+                  <c:v>8480</c:v>
+                </c:pt>
+                <c:pt idx="212">
+                  <c:v>8520</c:v>
+                </c:pt>
+                <c:pt idx="213">
+                  <c:v>8560</c:v>
+                </c:pt>
+                <c:pt idx="214">
+                  <c:v>8600</c:v>
+                </c:pt>
+                <c:pt idx="215">
+                  <c:v>8640</c:v>
+                </c:pt>
+                <c:pt idx="216">
+                  <c:v>8680</c:v>
+                </c:pt>
+                <c:pt idx="217">
+                  <c:v>8720</c:v>
+                </c:pt>
+                <c:pt idx="218">
+                  <c:v>8760</c:v>
+                </c:pt>
+                <c:pt idx="219">
+                  <c:v>8800</c:v>
+                </c:pt>
+                <c:pt idx="220">
+                  <c:v>8840</c:v>
+                </c:pt>
+                <c:pt idx="221">
+                  <c:v>8880</c:v>
+                </c:pt>
+                <c:pt idx="222">
+                  <c:v>8920</c:v>
+                </c:pt>
+                <c:pt idx="223">
+                  <c:v>8960</c:v>
+                </c:pt>
+                <c:pt idx="224">
+                  <c:v>9000</c:v>
+                </c:pt>
+                <c:pt idx="225">
+                  <c:v>9040</c:v>
+                </c:pt>
+                <c:pt idx="226">
+                  <c:v>9080</c:v>
+                </c:pt>
+                <c:pt idx="227">
+                  <c:v>9120</c:v>
+                </c:pt>
+                <c:pt idx="228">
+                  <c:v>9160</c:v>
+                </c:pt>
+                <c:pt idx="229">
+                  <c:v>9200</c:v>
+                </c:pt>
+                <c:pt idx="230">
+                  <c:v>9240</c:v>
+                </c:pt>
+                <c:pt idx="231">
+                  <c:v>9280</c:v>
+                </c:pt>
+                <c:pt idx="232">
+                  <c:v>9320</c:v>
+                </c:pt>
+                <c:pt idx="233">
+                  <c:v>9360</c:v>
+                </c:pt>
+                <c:pt idx="234">
+                  <c:v>9400</c:v>
+                </c:pt>
+                <c:pt idx="235">
+                  <c:v>9440</c:v>
+                </c:pt>
+                <c:pt idx="236">
+                  <c:v>9480</c:v>
+                </c:pt>
+                <c:pt idx="237">
+                  <c:v>9520</c:v>
+                </c:pt>
+                <c:pt idx="238">
+                  <c:v>9560</c:v>
+                </c:pt>
+                <c:pt idx="239">
+                  <c:v>9600</c:v>
+                </c:pt>
+                <c:pt idx="240">
+                  <c:v>9640</c:v>
+                </c:pt>
+                <c:pt idx="241">
+                  <c:v>9680</c:v>
+                </c:pt>
+                <c:pt idx="242">
+                  <c:v>9720</c:v>
+                </c:pt>
+                <c:pt idx="243">
+                  <c:v>9760</c:v>
+                </c:pt>
+                <c:pt idx="244">
+                  <c:v>9800</c:v>
+                </c:pt>
+                <c:pt idx="245">
+                  <c:v>9840</c:v>
+                </c:pt>
+                <c:pt idx="246">
+                  <c:v>9880</c:v>
+                </c:pt>
+                <c:pt idx="247">
+                  <c:v>9920</c:v>
+                </c:pt>
+                <c:pt idx="248">
+                  <c:v>9960</c:v>
+                </c:pt>
+                <c:pt idx="249">
+                  <c:v>10000</c:v>
+                </c:pt>
+                <c:pt idx="250">
+                  <c:v>10040</c:v>
+                </c:pt>
+                <c:pt idx="251">
+                  <c:v>10080</c:v>
+                </c:pt>
+                <c:pt idx="252">
+                  <c:v>10120</c:v>
+                </c:pt>
+                <c:pt idx="253">
+                  <c:v>10160</c:v>
+                </c:pt>
+                <c:pt idx="254">
+                  <c:v>10200</c:v>
+                </c:pt>
+                <c:pt idx="255">
+                  <c:v>10240</c:v>
+                </c:pt>
+                <c:pt idx="256">
+                  <c:v>10280</c:v>
+                </c:pt>
+                <c:pt idx="257">
+                  <c:v>10320</c:v>
+                </c:pt>
+                <c:pt idx="258">
+                  <c:v>10360</c:v>
+                </c:pt>
+                <c:pt idx="259">
+                  <c:v>10400</c:v>
+                </c:pt>
+                <c:pt idx="260">
+                  <c:v>10440</c:v>
+                </c:pt>
+                <c:pt idx="261">
+                  <c:v>10480</c:v>
+                </c:pt>
+                <c:pt idx="262">
+                  <c:v>10520</c:v>
+                </c:pt>
+                <c:pt idx="263">
+                  <c:v>10560</c:v>
+                </c:pt>
+                <c:pt idx="264">
+                  <c:v>10600</c:v>
+                </c:pt>
+                <c:pt idx="265">
+                  <c:v>10640</c:v>
+                </c:pt>
+                <c:pt idx="266">
+                  <c:v>10680</c:v>
+                </c:pt>
+                <c:pt idx="267">
+                  <c:v>10720</c:v>
+                </c:pt>
+                <c:pt idx="268">
+                  <c:v>10760</c:v>
+                </c:pt>
+                <c:pt idx="269">
+                  <c:v>10800</c:v>
+                </c:pt>
+                <c:pt idx="270">
+                  <c:v>10840</c:v>
+                </c:pt>
+                <c:pt idx="271">
+                  <c:v>10880</c:v>
+                </c:pt>
+                <c:pt idx="272">
+                  <c:v>10920</c:v>
+                </c:pt>
+                <c:pt idx="273">
+                  <c:v>10960</c:v>
+                </c:pt>
+                <c:pt idx="274">
+                  <c:v>11000</c:v>
+                </c:pt>
+                <c:pt idx="275">
+                  <c:v>11040</c:v>
+                </c:pt>
+                <c:pt idx="276">
+                  <c:v>11080</c:v>
+                </c:pt>
+                <c:pt idx="277">
+                  <c:v>11120</c:v>
+                </c:pt>
+                <c:pt idx="278">
+                  <c:v>11160</c:v>
+                </c:pt>
+                <c:pt idx="279">
+                  <c:v>11200</c:v>
+                </c:pt>
+                <c:pt idx="280">
+                  <c:v>11240</c:v>
+                </c:pt>
+                <c:pt idx="281">
+                  <c:v>11280</c:v>
+                </c:pt>
+                <c:pt idx="282">
+                  <c:v>11320</c:v>
+                </c:pt>
+                <c:pt idx="283">
+                  <c:v>11360</c:v>
+                </c:pt>
+                <c:pt idx="284">
+                  <c:v>11400</c:v>
+                </c:pt>
+                <c:pt idx="285">
+                  <c:v>11440</c:v>
+                </c:pt>
+                <c:pt idx="286">
+                  <c:v>11480</c:v>
+                </c:pt>
+                <c:pt idx="287">
+                  <c:v>11520</c:v>
+                </c:pt>
+                <c:pt idx="288">
+                  <c:v>11560</c:v>
+                </c:pt>
+                <c:pt idx="289">
+                  <c:v>11600</c:v>
+                </c:pt>
+                <c:pt idx="290">
+                  <c:v>11640</c:v>
+                </c:pt>
+                <c:pt idx="291">
+                  <c:v>11680</c:v>
+                </c:pt>
+                <c:pt idx="292">
+                  <c:v>11720</c:v>
+                </c:pt>
+                <c:pt idx="293">
+                  <c:v>11760</c:v>
+                </c:pt>
+                <c:pt idx="294">
+                  <c:v>11800</c:v>
+                </c:pt>
+                <c:pt idx="295">
+                  <c:v>11840</c:v>
+                </c:pt>
+                <c:pt idx="296">
+                  <c:v>11880</c:v>
+                </c:pt>
+                <c:pt idx="297">
+                  <c:v>11920</c:v>
+                </c:pt>
+                <c:pt idx="298">
+                  <c:v>11960</c:v>
+                </c:pt>
+                <c:pt idx="299">
+                  <c:v>12000</c:v>
+                </c:pt>
+                <c:pt idx="300">
+                  <c:v>12040</c:v>
+                </c:pt>
+                <c:pt idx="301">
+                  <c:v>12080</c:v>
+                </c:pt>
+                <c:pt idx="302">
+                  <c:v>12120</c:v>
+                </c:pt>
+                <c:pt idx="303">
+                  <c:v>12160</c:v>
+                </c:pt>
+                <c:pt idx="304">
+                  <c:v>12200</c:v>
+                </c:pt>
+                <c:pt idx="305">
+                  <c:v>12240</c:v>
+                </c:pt>
+                <c:pt idx="306">
+                  <c:v>12280</c:v>
+                </c:pt>
+                <c:pt idx="307">
+                  <c:v>12320</c:v>
+                </c:pt>
+                <c:pt idx="308">
+                  <c:v>12360</c:v>
+                </c:pt>
+                <c:pt idx="309">
+                  <c:v>12400</c:v>
+                </c:pt>
+                <c:pt idx="310">
+                  <c:v>12440</c:v>
+                </c:pt>
+                <c:pt idx="311">
+                  <c:v>12480</c:v>
+                </c:pt>
+                <c:pt idx="312">
+                  <c:v>12520</c:v>
+                </c:pt>
+                <c:pt idx="313">
+                  <c:v>12560</c:v>
+                </c:pt>
+                <c:pt idx="314">
+                  <c:v>12600</c:v>
+                </c:pt>
+                <c:pt idx="315">
+                  <c:v>12640</c:v>
+                </c:pt>
+                <c:pt idx="316">
+                  <c:v>12680</c:v>
+                </c:pt>
+                <c:pt idx="317">
+                  <c:v>12720</c:v>
+                </c:pt>
+                <c:pt idx="318">
+                  <c:v>12760</c:v>
+                </c:pt>
+                <c:pt idx="319">
+                  <c:v>12800</c:v>
+                </c:pt>
+                <c:pt idx="320">
+                  <c:v>12840</c:v>
+                </c:pt>
+                <c:pt idx="321">
+                  <c:v>12880</c:v>
+                </c:pt>
+                <c:pt idx="322">
+                  <c:v>12920</c:v>
+                </c:pt>
+                <c:pt idx="323">
+                  <c:v>12960</c:v>
+                </c:pt>
+                <c:pt idx="324">
+                  <c:v>13000</c:v>
+                </c:pt>
+                <c:pt idx="325">
+                  <c:v>13040</c:v>
+                </c:pt>
+                <c:pt idx="326">
+                  <c:v>13080</c:v>
+                </c:pt>
+                <c:pt idx="327">
+                  <c:v>13120</c:v>
+                </c:pt>
+                <c:pt idx="328">
+                  <c:v>13160</c:v>
+                </c:pt>
+                <c:pt idx="329">
+                  <c:v>13200</c:v>
+                </c:pt>
+                <c:pt idx="330">
+                  <c:v>13240</c:v>
+                </c:pt>
+                <c:pt idx="331">
+                  <c:v>13280</c:v>
+                </c:pt>
+                <c:pt idx="332">
+                  <c:v>13320</c:v>
+                </c:pt>
+                <c:pt idx="333">
+                  <c:v>13360</c:v>
+                </c:pt>
+                <c:pt idx="334">
+                  <c:v>13400</c:v>
+                </c:pt>
+                <c:pt idx="335">
+                  <c:v>13440</c:v>
+                </c:pt>
+                <c:pt idx="336">
+                  <c:v>13480</c:v>
+                </c:pt>
+                <c:pt idx="337">
+                  <c:v>13520</c:v>
+                </c:pt>
+                <c:pt idx="338">
+                  <c:v>13560</c:v>
+                </c:pt>
+                <c:pt idx="339">
+                  <c:v>13600</c:v>
+                </c:pt>
+                <c:pt idx="340">
+                  <c:v>13640</c:v>
+                </c:pt>
+                <c:pt idx="341">
+                  <c:v>13680</c:v>
+                </c:pt>
+                <c:pt idx="342">
+                  <c:v>13720</c:v>
+                </c:pt>
+                <c:pt idx="343">
+                  <c:v>13760</c:v>
+                </c:pt>
+                <c:pt idx="344">
+                  <c:v>13800</c:v>
+                </c:pt>
+                <c:pt idx="345">
+                  <c:v>13840</c:v>
+                </c:pt>
+                <c:pt idx="346">
+                  <c:v>13880</c:v>
+                </c:pt>
+                <c:pt idx="347">
+                  <c:v>13920</c:v>
+                </c:pt>
+                <c:pt idx="348">
+                  <c:v>13960</c:v>
+                </c:pt>
+                <c:pt idx="349">
+                  <c:v>14000</c:v>
+                </c:pt>
+                <c:pt idx="350">
+                  <c:v>14040</c:v>
+                </c:pt>
+                <c:pt idx="351">
+                  <c:v>14080</c:v>
+                </c:pt>
+                <c:pt idx="352">
+                  <c:v>14120</c:v>
+                </c:pt>
+                <c:pt idx="353">
+                  <c:v>14160</c:v>
+                </c:pt>
+                <c:pt idx="354">
+                  <c:v>14200</c:v>
+                </c:pt>
+                <c:pt idx="355">
+                  <c:v>14240</c:v>
+                </c:pt>
+                <c:pt idx="356">
+                  <c:v>14280</c:v>
+                </c:pt>
+                <c:pt idx="357">
+                  <c:v>14320</c:v>
+                </c:pt>
+                <c:pt idx="358">
+                  <c:v>14360</c:v>
+                </c:pt>
+                <c:pt idx="359">
+                  <c:v>14400</c:v>
+                </c:pt>
+                <c:pt idx="360">
+                  <c:v>14440</c:v>
+                </c:pt>
+                <c:pt idx="361">
+                  <c:v>14480</c:v>
+                </c:pt>
+                <c:pt idx="362">
+                  <c:v>14520</c:v>
+                </c:pt>
+                <c:pt idx="363">
+                  <c:v>14560</c:v>
+                </c:pt>
+                <c:pt idx="364">
+                  <c:v>14600</c:v>
+                </c:pt>
+                <c:pt idx="365">
+                  <c:v>14640</c:v>
+                </c:pt>
+                <c:pt idx="366">
+                  <c:v>14680</c:v>
+                </c:pt>
+                <c:pt idx="367">
+                  <c:v>14720</c:v>
+                </c:pt>
+                <c:pt idx="368">
+                  <c:v>14760</c:v>
+                </c:pt>
+                <c:pt idx="369">
+                  <c:v>14800</c:v>
+                </c:pt>
+                <c:pt idx="370">
+                  <c:v>14840</c:v>
+                </c:pt>
+                <c:pt idx="371">
+                  <c:v>14880</c:v>
+                </c:pt>
+                <c:pt idx="372">
+                  <c:v>14920</c:v>
+                </c:pt>
+                <c:pt idx="373">
+                  <c:v>14960</c:v>
+                </c:pt>
+                <c:pt idx="374">
+                  <c:v>15000</c:v>
+                </c:pt>
+                <c:pt idx="375">
+                  <c:v>15040</c:v>
+                </c:pt>
+                <c:pt idx="376">
+                  <c:v>15080</c:v>
+                </c:pt>
+                <c:pt idx="377">
+                  <c:v>15120</c:v>
+                </c:pt>
+                <c:pt idx="378">
+                  <c:v>15160</c:v>
+                </c:pt>
+                <c:pt idx="379">
+                  <c:v>15200</c:v>
+                </c:pt>
+                <c:pt idx="380">
+                  <c:v>15240</c:v>
+                </c:pt>
+                <c:pt idx="381">
+                  <c:v>15280</c:v>
+                </c:pt>
+                <c:pt idx="382">
+                  <c:v>15320</c:v>
+                </c:pt>
+                <c:pt idx="383">
+                  <c:v>15360</c:v>
+                </c:pt>
+                <c:pt idx="384">
+                  <c:v>15400</c:v>
+                </c:pt>
+                <c:pt idx="385">
+                  <c:v>15440</c:v>
+                </c:pt>
+                <c:pt idx="386">
+                  <c:v>15480</c:v>
+                </c:pt>
+                <c:pt idx="387">
+                  <c:v>15520</c:v>
+                </c:pt>
+                <c:pt idx="388">
+                  <c:v>15560</c:v>
+                </c:pt>
+                <c:pt idx="389">
+                  <c:v>15600</c:v>
+                </c:pt>
+                <c:pt idx="390">
+                  <c:v>15640</c:v>
+                </c:pt>
+                <c:pt idx="391">
+                  <c:v>15680</c:v>
+                </c:pt>
+                <c:pt idx="392">
+                  <c:v>15720</c:v>
+                </c:pt>
+                <c:pt idx="393">
+                  <c:v>15760</c:v>
+                </c:pt>
+                <c:pt idx="394">
+                  <c:v>15800</c:v>
+                </c:pt>
+                <c:pt idx="395">
+                  <c:v>15840</c:v>
+                </c:pt>
+                <c:pt idx="396">
+                  <c:v>15880</c:v>
+                </c:pt>
+                <c:pt idx="397">
+                  <c:v>15920</c:v>
+                </c:pt>
+                <c:pt idx="398">
+                  <c:v>15960</c:v>
+                </c:pt>
+                <c:pt idx="399">
+                  <c:v>16000</c:v>
+                </c:pt>
+                <c:pt idx="400">
+                  <c:v>16040</c:v>
+                </c:pt>
+                <c:pt idx="401">
+                  <c:v>16080</c:v>
+                </c:pt>
+                <c:pt idx="402">
+                  <c:v>16120</c:v>
+                </c:pt>
+                <c:pt idx="403">
+                  <c:v>16160</c:v>
+                </c:pt>
+                <c:pt idx="404">
+                  <c:v>16200</c:v>
+                </c:pt>
+                <c:pt idx="405">
+                  <c:v>16240</c:v>
+                </c:pt>
+                <c:pt idx="406">
+                  <c:v>16280</c:v>
+                </c:pt>
+                <c:pt idx="407">
+                  <c:v>16320</c:v>
+                </c:pt>
+                <c:pt idx="408">
+                  <c:v>16360</c:v>
+                </c:pt>
+                <c:pt idx="409">
+                  <c:v>16400</c:v>
+                </c:pt>
+                <c:pt idx="410">
+                  <c:v>16440</c:v>
+                </c:pt>
+                <c:pt idx="411">
+                  <c:v>16480</c:v>
+                </c:pt>
+                <c:pt idx="412">
+                  <c:v>16520</c:v>
+                </c:pt>
+                <c:pt idx="413">
+                  <c:v>16560</c:v>
+                </c:pt>
+                <c:pt idx="414">
+                  <c:v>16600</c:v>
+                </c:pt>
+                <c:pt idx="415">
+                  <c:v>16640</c:v>
+                </c:pt>
+                <c:pt idx="416">
+                  <c:v>16680</c:v>
+                </c:pt>
+                <c:pt idx="417">
+                  <c:v>16720</c:v>
+                </c:pt>
+                <c:pt idx="418">
+                  <c:v>16760</c:v>
+                </c:pt>
+                <c:pt idx="419">
+                  <c:v>16800</c:v>
+                </c:pt>
+                <c:pt idx="420">
+                  <c:v>16840</c:v>
+                </c:pt>
+                <c:pt idx="421">
+                  <c:v>16880</c:v>
+                </c:pt>
+                <c:pt idx="422">
+                  <c:v>16920</c:v>
+                </c:pt>
+                <c:pt idx="423">
+                  <c:v>16960</c:v>
+                </c:pt>
+                <c:pt idx="424">
+                  <c:v>17000</c:v>
+                </c:pt>
+                <c:pt idx="425">
+                  <c:v>17040</c:v>
+                </c:pt>
+                <c:pt idx="426">
+                  <c:v>17080</c:v>
+                </c:pt>
+                <c:pt idx="427">
+                  <c:v>17120</c:v>
+                </c:pt>
+                <c:pt idx="428">
+                  <c:v>17160</c:v>
+                </c:pt>
+                <c:pt idx="429">
+                  <c:v>17200</c:v>
+                </c:pt>
+                <c:pt idx="430">
+                  <c:v>17240</c:v>
+                </c:pt>
+                <c:pt idx="431">
+                  <c:v>17280</c:v>
+                </c:pt>
+                <c:pt idx="432">
+                  <c:v>17320</c:v>
+                </c:pt>
+              </c:numCache>
+            </c:numRef>
+          </c:xVal>
+          <c:yVal>
+            <c:numRef>
+              <c:f>Sheet3!$B$1:$B$433</c:f>
+              <c:numCache>
+                <c:formatCode>General</c:formatCode>
+                <c:ptCount val="433"/>
+                <c:pt idx="0">
+                  <c:v>0.55000000000000004</c:v>
+                </c:pt>
+                <c:pt idx="1">
+                  <c:v>0.5</c:v>
+                </c:pt>
+                <c:pt idx="2">
+                  <c:v>0.5</c:v>
+                </c:pt>
+                <c:pt idx="3">
+                  <c:v>0.65</c:v>
+                </c:pt>
+                <c:pt idx="4">
+                  <c:v>0.57499999999999996</c:v>
+                </c:pt>
+                <c:pt idx="5">
+                  <c:v>0.625</c:v>
+                </c:pt>
+                <c:pt idx="6">
+                  <c:v>0.75</c:v>
+                </c:pt>
+                <c:pt idx="7">
+                  <c:v>0.72499999999999998</c:v>
+                </c:pt>
+                <c:pt idx="8">
+                  <c:v>0.67500000000000004</c:v>
+                </c:pt>
+                <c:pt idx="9">
+                  <c:v>0.77500000000000002</c:v>
+                </c:pt>
+                <c:pt idx="10">
+                  <c:v>0.82499999999999996</c:v>
+                </c:pt>
+                <c:pt idx="11">
+                  <c:v>0.7</c:v>
+                </c:pt>
+                <c:pt idx="12">
+                  <c:v>0.77500000000000002</c:v>
+                </c:pt>
+                <c:pt idx="13">
+                  <c:v>0.65</c:v>
+                </c:pt>
+                <c:pt idx="14">
+                  <c:v>0.72499999999999998</c:v>
+                </c:pt>
+                <c:pt idx="15">
+                  <c:v>0.77500000000000002</c:v>
+                </c:pt>
+                <c:pt idx="16">
+                  <c:v>0.7</c:v>
+                </c:pt>
+                <c:pt idx="17">
+                  <c:v>0.625</c:v>
+                </c:pt>
+                <c:pt idx="18">
+                  <c:v>0.7</c:v>
+                </c:pt>
+                <c:pt idx="19">
+                  <c:v>0.7</c:v>
+                </c:pt>
+                <c:pt idx="20">
+                  <c:v>0.72499999999999998</c:v>
+                </c:pt>
+                <c:pt idx="21">
+                  <c:v>0.65</c:v>
+                </c:pt>
+                <c:pt idx="22">
+                  <c:v>0.65</c:v>
+                </c:pt>
+                <c:pt idx="23">
+                  <c:v>0.67500000000000004</c:v>
+                </c:pt>
+                <c:pt idx="24">
+                  <c:v>0.72499999999999998</c:v>
+                </c:pt>
+                <c:pt idx="25">
+                  <c:v>0.55000000000000004</c:v>
+                </c:pt>
+                <c:pt idx="26">
+                  <c:v>0.72499999999999998</c:v>
+                </c:pt>
+                <c:pt idx="27">
+                  <c:v>0.75</c:v>
+                </c:pt>
+                <c:pt idx="28">
+                  <c:v>0.65</c:v>
+                </c:pt>
+                <c:pt idx="29">
+                  <c:v>0.6</c:v>
+                </c:pt>
+                <c:pt idx="30">
+                  <c:v>0.625</c:v>
+                </c:pt>
+                <c:pt idx="31">
+                  <c:v>0.65</c:v>
+                </c:pt>
+                <c:pt idx="32">
+                  <c:v>0.7</c:v>
+                </c:pt>
+                <c:pt idx="33">
+                  <c:v>0.625</c:v>
+                </c:pt>
+                <c:pt idx="34">
+                  <c:v>0.8</c:v>
+                </c:pt>
+                <c:pt idx="35">
+                  <c:v>0.72499999999999998</c:v>
+                </c:pt>
+                <c:pt idx="36">
+                  <c:v>0.77500000000000002</c:v>
+                </c:pt>
+                <c:pt idx="37">
+                  <c:v>0.7</c:v>
+                </c:pt>
+                <c:pt idx="38">
+                  <c:v>0.77500000000000002</c:v>
+                </c:pt>
+                <c:pt idx="39">
+                  <c:v>0.7</c:v>
+                </c:pt>
+                <c:pt idx="40">
+                  <c:v>0.67500000000000004</c:v>
+                </c:pt>
+                <c:pt idx="41">
+                  <c:v>0.72499999999999998</c:v>
+                </c:pt>
+                <c:pt idx="42">
+                  <c:v>0.77500000000000002</c:v>
+                </c:pt>
+                <c:pt idx="43">
+                  <c:v>0.6</c:v>
+                </c:pt>
+                <c:pt idx="44">
+                  <c:v>0.625</c:v>
+                </c:pt>
+                <c:pt idx="45">
+                  <c:v>0.77500000000000002</c:v>
+                </c:pt>
+                <c:pt idx="46">
+                  <c:v>0.67500000000000004</c:v>
+                </c:pt>
+                <c:pt idx="47">
+                  <c:v>0.65</c:v>
+                </c:pt>
+                <c:pt idx="48">
+                  <c:v>0.77500000000000002</c:v>
+                </c:pt>
+                <c:pt idx="49">
+                  <c:v>0.7</c:v>
+                </c:pt>
+                <c:pt idx="50">
+                  <c:v>0.52500000000000002</c:v>
+                </c:pt>
+                <c:pt idx="51">
+                  <c:v>0.7</c:v>
+                </c:pt>
+                <c:pt idx="52">
+                  <c:v>0.75</c:v>
+                </c:pt>
+                <c:pt idx="53">
+                  <c:v>0.75</c:v>
+                </c:pt>
+                <c:pt idx="54">
+                  <c:v>0.7</c:v>
+                </c:pt>
+                <c:pt idx="55">
+                  <c:v>0.625</c:v>
+                </c:pt>
+                <c:pt idx="56">
+                  <c:v>0.8</c:v>
+                </c:pt>
+                <c:pt idx="57">
+                  <c:v>0.72499999999999998</c:v>
+                </c:pt>
+                <c:pt idx="58">
+                  <c:v>0.72499999999999998</c:v>
+                </c:pt>
+                <c:pt idx="59">
+                  <c:v>0.77500000000000002</c:v>
+                </c:pt>
+                <c:pt idx="60">
+                  <c:v>0.7</c:v>
+                </c:pt>
+                <c:pt idx="61">
+                  <c:v>0.8</c:v>
+                </c:pt>
+                <c:pt idx="62">
+                  <c:v>0.7</c:v>
+                </c:pt>
+                <c:pt idx="63">
+                  <c:v>0.75</c:v>
+                </c:pt>
+                <c:pt idx="64">
+                  <c:v>0.82499999999999996</c:v>
+                </c:pt>
+                <c:pt idx="65">
+                  <c:v>0.72499999999999998</c:v>
+                </c:pt>
+                <c:pt idx="66">
+                  <c:v>0.72499999999999998</c:v>
+                </c:pt>
+                <c:pt idx="67">
+                  <c:v>0.8</c:v>
+                </c:pt>
+                <c:pt idx="68">
+                  <c:v>0.7</c:v>
+                </c:pt>
+                <c:pt idx="69">
+                  <c:v>0.65</c:v>
+                </c:pt>
+                <c:pt idx="70">
+                  <c:v>0.77500000000000002</c:v>
+                </c:pt>
+                <c:pt idx="71">
+                  <c:v>0.75</c:v>
+                </c:pt>
+                <c:pt idx="72">
+                  <c:v>0.72499999999999998</c:v>
+                </c:pt>
+                <c:pt idx="73">
+                  <c:v>0.8</c:v>
+                </c:pt>
+                <c:pt idx="74">
+                  <c:v>0.67500000000000004</c:v>
+                </c:pt>
+                <c:pt idx="75">
+                  <c:v>0.85</c:v>
+                </c:pt>
+                <c:pt idx="76">
+                  <c:v>0.67500000000000004</c:v>
+                </c:pt>
+                <c:pt idx="77">
+                  <c:v>0.77500000000000002</c:v>
+                </c:pt>
+                <c:pt idx="78">
+                  <c:v>0.75</c:v>
+                </c:pt>
+                <c:pt idx="79">
+                  <c:v>0.65</c:v>
+                </c:pt>
+                <c:pt idx="80">
+                  <c:v>0.7</c:v>
+                </c:pt>
+                <c:pt idx="81">
+                  <c:v>0.57499999999999996</c:v>
+                </c:pt>
+                <c:pt idx="82">
+                  <c:v>0.7</c:v>
+                </c:pt>
+                <c:pt idx="83">
+                  <c:v>0.8</c:v>
+                </c:pt>
+                <c:pt idx="84">
+                  <c:v>0.625</c:v>
+                </c:pt>
+                <c:pt idx="85">
+                  <c:v>0.7</c:v>
+                </c:pt>
+                <c:pt idx="86">
+                  <c:v>0.65</c:v>
+                </c:pt>
+                <c:pt idx="87">
+                  <c:v>0.75</c:v>
+                </c:pt>
+                <c:pt idx="88">
+                  <c:v>0.75</c:v>
+                </c:pt>
+                <c:pt idx="89">
+                  <c:v>0.67500000000000004</c:v>
+                </c:pt>
+                <c:pt idx="90">
+                  <c:v>0.85</c:v>
+                </c:pt>
+                <c:pt idx="91">
+                  <c:v>0.75</c:v>
+                </c:pt>
+                <c:pt idx="92">
+                  <c:v>0.7</c:v>
+                </c:pt>
+                <c:pt idx="93">
+                  <c:v>0.65</c:v>
+                </c:pt>
+                <c:pt idx="94">
+                  <c:v>0.72499999999999998</c:v>
+                </c:pt>
+                <c:pt idx="95">
+                  <c:v>0.67500000000000004</c:v>
+                </c:pt>
+                <c:pt idx="96">
+                  <c:v>0.75</c:v>
+                </c:pt>
+                <c:pt idx="97">
+                  <c:v>0.7</c:v>
+                </c:pt>
+                <c:pt idx="98">
+                  <c:v>0.72499999999999998</c:v>
+                </c:pt>
+                <c:pt idx="99">
+                  <c:v>0.72499999999999998</c:v>
+                </c:pt>
+                <c:pt idx="100">
+                  <c:v>0.75</c:v>
+                </c:pt>
+                <c:pt idx="101">
+                  <c:v>0.72499999999999998</c:v>
+                </c:pt>
+                <c:pt idx="102">
+                  <c:v>0.625</c:v>
+                </c:pt>
+                <c:pt idx="103">
+                  <c:v>0.8</c:v>
+                </c:pt>
+                <c:pt idx="104">
+                  <c:v>0.77500000000000002</c:v>
+                </c:pt>
+                <c:pt idx="105">
+                  <c:v>0.75</c:v>
+                </c:pt>
+                <c:pt idx="106">
+                  <c:v>0.82499999999999996</c:v>
+                </c:pt>
+                <c:pt idx="107">
+                  <c:v>0.625</c:v>
+                </c:pt>
+                <c:pt idx="108">
+                  <c:v>0.82499999999999996</c:v>
+                </c:pt>
+                <c:pt idx="109">
+                  <c:v>0.77500000000000002</c:v>
+                </c:pt>
+                <c:pt idx="110">
+                  <c:v>0.8</c:v>
+                </c:pt>
+                <c:pt idx="111">
+                  <c:v>0.65</c:v>
+                </c:pt>
+                <c:pt idx="112">
+                  <c:v>0.625</c:v>
+                </c:pt>
+                <c:pt idx="113">
+                  <c:v>0.625</c:v>
+                </c:pt>
+                <c:pt idx="114">
+                  <c:v>0.6</c:v>
+                </c:pt>
+                <c:pt idx="115">
+                  <c:v>0.77500000000000002</c:v>
+                </c:pt>
+                <c:pt idx="116">
+                  <c:v>0.72499999999999998</c:v>
+                </c:pt>
+                <c:pt idx="117">
+                  <c:v>0.65</c:v>
+                </c:pt>
+                <c:pt idx="118">
+                  <c:v>0.67500000000000004</c:v>
+                </c:pt>
+                <c:pt idx="119">
+                  <c:v>0.65</c:v>
+                </c:pt>
+                <c:pt idx="120">
+                  <c:v>0.55000000000000004</c:v>
+                </c:pt>
+                <c:pt idx="121">
+                  <c:v>0.65</c:v>
+                </c:pt>
+                <c:pt idx="122">
+                  <c:v>0.7</c:v>
+                </c:pt>
+                <c:pt idx="123">
+                  <c:v>0.57499999999999996</c:v>
+                </c:pt>
+                <c:pt idx="124">
+                  <c:v>0.72499999999999998</c:v>
+                </c:pt>
+                <c:pt idx="125">
+                  <c:v>0.72499999999999998</c:v>
+                </c:pt>
+                <c:pt idx="126">
+                  <c:v>0.77500000000000002</c:v>
+                </c:pt>
+                <c:pt idx="127">
+                  <c:v>0.7</c:v>
+                </c:pt>
+                <c:pt idx="128">
+                  <c:v>0.8</c:v>
+                </c:pt>
+                <c:pt idx="129">
+                  <c:v>0.77500000000000002</c:v>
+                </c:pt>
+                <c:pt idx="130">
+                  <c:v>0.72499999999999998</c:v>
+                </c:pt>
+                <c:pt idx="131">
+                  <c:v>0.67500000000000004</c:v>
+                </c:pt>
+                <c:pt idx="132">
+                  <c:v>0.75</c:v>
+                </c:pt>
+                <c:pt idx="133">
+                  <c:v>0.75</c:v>
+                </c:pt>
+                <c:pt idx="134">
+                  <c:v>0.875</c:v>
+                </c:pt>
+                <c:pt idx="135">
+                  <c:v>0.6</c:v>
+                </c:pt>
+                <c:pt idx="136">
+                  <c:v>0.72499999999999998</c:v>
+                </c:pt>
+                <c:pt idx="137">
+                  <c:v>0.72499999999999998</c:v>
+                </c:pt>
+                <c:pt idx="138">
+                  <c:v>0.6</c:v>
+                </c:pt>
+                <c:pt idx="139">
+                  <c:v>0.875</c:v>
+                </c:pt>
+                <c:pt idx="140">
+                  <c:v>0.8</c:v>
+                </c:pt>
+                <c:pt idx="141">
+                  <c:v>0.65</c:v>
+                </c:pt>
+                <c:pt idx="142">
+                  <c:v>0.57499999999999996</c:v>
+                </c:pt>
+                <c:pt idx="143">
+                  <c:v>0.6</c:v>
+                </c:pt>
+                <c:pt idx="144">
+                  <c:v>0.77500000000000002</c:v>
+                </c:pt>
+                <c:pt idx="145">
+                  <c:v>0.67500000000000004</c:v>
+                </c:pt>
+                <c:pt idx="146">
+                  <c:v>0.7</c:v>
+                </c:pt>
+                <c:pt idx="147">
+                  <c:v>0.8</c:v>
+                </c:pt>
+                <c:pt idx="148">
+                  <c:v>0.65</c:v>
+                </c:pt>
+                <c:pt idx="149">
+                  <c:v>0.85</c:v>
+                </c:pt>
+                <c:pt idx="150">
+                  <c:v>0.72499999999999998</c:v>
+                </c:pt>
+                <c:pt idx="151">
+                  <c:v>0.82499999999999996</c:v>
+                </c:pt>
+                <c:pt idx="152">
+                  <c:v>0.6</c:v>
+                </c:pt>
+                <c:pt idx="153">
+                  <c:v>0.67500000000000004</c:v>
+                </c:pt>
+                <c:pt idx="154">
+                  <c:v>0.72499999999999998</c:v>
+                </c:pt>
+                <c:pt idx="155">
+                  <c:v>0.625</c:v>
+                </c:pt>
+                <c:pt idx="156">
+                  <c:v>0.65</c:v>
+                </c:pt>
+                <c:pt idx="157">
+                  <c:v>0.75</c:v>
+                </c:pt>
+                <c:pt idx="158">
+                  <c:v>0.8</c:v>
+                </c:pt>
+                <c:pt idx="159">
+                  <c:v>0.82499999999999996</c:v>
+                </c:pt>
+                <c:pt idx="160">
+                  <c:v>0.625</c:v>
+                </c:pt>
+                <c:pt idx="161">
+                  <c:v>0.57499999999999996</c:v>
+                </c:pt>
+                <c:pt idx="162">
+                  <c:v>0.85</c:v>
+                </c:pt>
+                <c:pt idx="163">
+                  <c:v>0.6</c:v>
+                </c:pt>
+                <c:pt idx="164">
+                  <c:v>0.625</c:v>
+                </c:pt>
+                <c:pt idx="165">
+                  <c:v>0.7</c:v>
+                </c:pt>
+                <c:pt idx="166">
+                  <c:v>0.75</c:v>
+                </c:pt>
+                <c:pt idx="167">
+                  <c:v>0.75</c:v>
+                </c:pt>
+                <c:pt idx="168">
+                  <c:v>0.67500000000000004</c:v>
+                </c:pt>
+                <c:pt idx="169">
+                  <c:v>0.77500000000000002</c:v>
+                </c:pt>
+                <c:pt idx="170">
+                  <c:v>0.8</c:v>
+                </c:pt>
+                <c:pt idx="171">
+                  <c:v>0.8</c:v>
+                </c:pt>
+                <c:pt idx="172">
+                  <c:v>0.7</c:v>
+                </c:pt>
+                <c:pt idx="173">
+                  <c:v>0.7</c:v>
+                </c:pt>
+                <c:pt idx="174">
+                  <c:v>0.72499999999999998</c:v>
+                </c:pt>
+                <c:pt idx="175">
+                  <c:v>0.625</c:v>
+                </c:pt>
+                <c:pt idx="176">
+                  <c:v>0.72499999999999998</c:v>
+                </c:pt>
+                <c:pt idx="177">
+                  <c:v>0.72499999999999998</c:v>
+                </c:pt>
+                <c:pt idx="178">
+                  <c:v>0.77500000000000002</c:v>
+                </c:pt>
+                <c:pt idx="179">
+                  <c:v>0.65</c:v>
+                </c:pt>
+                <c:pt idx="180">
+                  <c:v>0.67500000000000004</c:v>
+                </c:pt>
+                <c:pt idx="181">
+                  <c:v>0.7</c:v>
+                </c:pt>
+                <c:pt idx="182">
+                  <c:v>0.8</c:v>
+                </c:pt>
+                <c:pt idx="183">
+                  <c:v>0.7</c:v>
+                </c:pt>
+                <c:pt idx="184">
+                  <c:v>0.625</c:v>
+                </c:pt>
+                <c:pt idx="185">
+                  <c:v>0.77500000000000002</c:v>
+                </c:pt>
+                <c:pt idx="186">
+                  <c:v>0.8</c:v>
+                </c:pt>
+                <c:pt idx="187">
+                  <c:v>0.75</c:v>
+                </c:pt>
+                <c:pt idx="188">
+                  <c:v>0.65</c:v>
+                </c:pt>
+                <c:pt idx="189">
+                  <c:v>0.75</c:v>
+                </c:pt>
+                <c:pt idx="190">
+                  <c:v>0.72499999999999998</c:v>
+                </c:pt>
+                <c:pt idx="191">
+                  <c:v>0.82499999999999996</c:v>
+                </c:pt>
+                <c:pt idx="192">
+                  <c:v>0.67500000000000004</c:v>
+                </c:pt>
+                <c:pt idx="193">
+                  <c:v>0.75</c:v>
+                </c:pt>
+                <c:pt idx="194">
+                  <c:v>0.65</c:v>
+                </c:pt>
+                <c:pt idx="195">
+                  <c:v>0.7</c:v>
+                </c:pt>
+                <c:pt idx="196">
+                  <c:v>0.75</c:v>
+                </c:pt>
+                <c:pt idx="197">
+                  <c:v>0.625</c:v>
+                </c:pt>
+                <c:pt idx="198">
+                  <c:v>0.67500000000000004</c:v>
+                </c:pt>
+                <c:pt idx="199">
+                  <c:v>0.7</c:v>
+                </c:pt>
+                <c:pt idx="200">
+                  <c:v>0.75</c:v>
+                </c:pt>
+                <c:pt idx="201">
+                  <c:v>0.625</c:v>
+                </c:pt>
+                <c:pt idx="202">
+                  <c:v>0.7</c:v>
+                </c:pt>
+                <c:pt idx="203">
+                  <c:v>0.8</c:v>
+                </c:pt>
+                <c:pt idx="204">
+                  <c:v>0.82499999999999996</c:v>
+                </c:pt>
+                <c:pt idx="205">
+                  <c:v>0.75</c:v>
+                </c:pt>
+                <c:pt idx="206">
+                  <c:v>0.7</c:v>
+                </c:pt>
+                <c:pt idx="207">
+                  <c:v>0.75</c:v>
+                </c:pt>
+                <c:pt idx="208">
+                  <c:v>0.77500000000000002</c:v>
+                </c:pt>
+                <c:pt idx="209">
+                  <c:v>0.72499999999999998</c:v>
+                </c:pt>
+                <c:pt idx="210">
+                  <c:v>0.75</c:v>
+                </c:pt>
+                <c:pt idx="211">
+                  <c:v>0.82499999999999996</c:v>
+                </c:pt>
+                <c:pt idx="212">
+                  <c:v>0.75</c:v>
+                </c:pt>
+                <c:pt idx="213">
+                  <c:v>0.77500000000000002</c:v>
+                </c:pt>
+                <c:pt idx="214">
+                  <c:v>0.77500000000000002</c:v>
+                </c:pt>
+                <c:pt idx="215">
+                  <c:v>0.75</c:v>
+                </c:pt>
+                <c:pt idx="216">
+                  <c:v>0.72499999999999998</c:v>
+                </c:pt>
+                <c:pt idx="217">
+                  <c:v>0.75</c:v>
+                </c:pt>
+                <c:pt idx="218">
+                  <c:v>0.65</c:v>
+                </c:pt>
+                <c:pt idx="219">
+                  <c:v>0.7</c:v>
+                </c:pt>
+                <c:pt idx="220">
+                  <c:v>0.75</c:v>
+                </c:pt>
+                <c:pt idx="221">
+                  <c:v>0.6</c:v>
+                </c:pt>
+                <c:pt idx="222">
+                  <c:v>0.75</c:v>
+                </c:pt>
+                <c:pt idx="223">
+                  <c:v>0.67500000000000004</c:v>
+                </c:pt>
+                <c:pt idx="224">
+                  <c:v>0.6</c:v>
+                </c:pt>
+                <c:pt idx="225">
+                  <c:v>0.65</c:v>
+                </c:pt>
+                <c:pt idx="226">
+                  <c:v>0.72499999999999998</c:v>
+                </c:pt>
+                <c:pt idx="227">
+                  <c:v>0.77500000000000002</c:v>
+                </c:pt>
+                <c:pt idx="228">
+                  <c:v>0.625</c:v>
+                </c:pt>
+                <c:pt idx="229">
+                  <c:v>0.72499999999999998</c:v>
+                </c:pt>
+                <c:pt idx="230">
+                  <c:v>0.72499999999999998</c:v>
+                </c:pt>
+                <c:pt idx="231">
+                  <c:v>0.625</c:v>
+                </c:pt>
+                <c:pt idx="232">
+                  <c:v>0.625</c:v>
+                </c:pt>
+                <c:pt idx="233">
+                  <c:v>0.9</c:v>
+                </c:pt>
+                <c:pt idx="234">
+                  <c:v>0.7</c:v>
+                </c:pt>
+                <c:pt idx="235">
+                  <c:v>0.82499999999999996</c:v>
+                </c:pt>
+                <c:pt idx="236">
+                  <c:v>0.67500000000000004</c:v>
+                </c:pt>
+                <c:pt idx="237">
+                  <c:v>0.75</c:v>
+                </c:pt>
+                <c:pt idx="238">
+                  <c:v>0.625</c:v>
+                </c:pt>
+                <c:pt idx="239">
+                  <c:v>0.7</c:v>
+                </c:pt>
+                <c:pt idx="240">
+                  <c:v>0.6</c:v>
+                </c:pt>
+                <c:pt idx="241">
+                  <c:v>0.72499999999999998</c:v>
+                </c:pt>
+                <c:pt idx="242">
+                  <c:v>0.82499999999999996</c:v>
+                </c:pt>
+                <c:pt idx="243">
+                  <c:v>0.75</c:v>
+                </c:pt>
+                <c:pt idx="244">
+                  <c:v>0.72499999999999998</c:v>
+                </c:pt>
+                <c:pt idx="245">
+                  <c:v>0.8</c:v>
+                </c:pt>
+                <c:pt idx="246">
+                  <c:v>0.65</c:v>
+                </c:pt>
+                <c:pt idx="247">
+                  <c:v>0.82499999999999996</c:v>
+                </c:pt>
+                <c:pt idx="248">
+                  <c:v>0.67500000000000004</c:v>
+                </c:pt>
+                <c:pt idx="249">
+                  <c:v>0.72499999999999998</c:v>
+                </c:pt>
+                <c:pt idx="250">
+                  <c:v>0.8</c:v>
+                </c:pt>
+                <c:pt idx="251">
+                  <c:v>0.75</c:v>
+                </c:pt>
+                <c:pt idx="252">
+                  <c:v>0.625</c:v>
+                </c:pt>
+                <c:pt idx="253">
+                  <c:v>0.6</c:v>
+                </c:pt>
+                <c:pt idx="254">
+                  <c:v>0.67500000000000004</c:v>
+                </c:pt>
+                <c:pt idx="255">
+                  <c:v>0.65</c:v>
+                </c:pt>
+                <c:pt idx="256">
+                  <c:v>0.65</c:v>
+                </c:pt>
+                <c:pt idx="257">
+                  <c:v>0.82499999999999996</c:v>
+                </c:pt>
+                <c:pt idx="258">
+                  <c:v>0.75</c:v>
+                </c:pt>
+                <c:pt idx="259">
+                  <c:v>0.67500000000000004</c:v>
+                </c:pt>
+                <c:pt idx="260">
+                  <c:v>0.72499999999999998</c:v>
+                </c:pt>
+                <c:pt idx="261">
+                  <c:v>0.625</c:v>
+                </c:pt>
+                <c:pt idx="262">
+                  <c:v>0.67500000000000004</c:v>
+                </c:pt>
+                <c:pt idx="263">
+                  <c:v>0.6</c:v>
+                </c:pt>
+                <c:pt idx="264">
+                  <c:v>0.7</c:v>
+                </c:pt>
+                <c:pt idx="265">
+                  <c:v>0.9</c:v>
+                </c:pt>
+                <c:pt idx="266">
+                  <c:v>0.82499999999999996</c:v>
+                </c:pt>
+                <c:pt idx="267">
+                  <c:v>0.75</c:v>
+                </c:pt>
+                <c:pt idx="268">
+                  <c:v>0.6</c:v>
+                </c:pt>
+                <c:pt idx="269">
+                  <c:v>0.65</c:v>
+                </c:pt>
+                <c:pt idx="270">
+                  <c:v>0.8</c:v>
+                </c:pt>
+                <c:pt idx="271">
+                  <c:v>0.67500000000000004</c:v>
+                </c:pt>
+                <c:pt idx="272">
+                  <c:v>0.625</c:v>
+                </c:pt>
+                <c:pt idx="273">
+                  <c:v>0.72499999999999998</c:v>
+                </c:pt>
+                <c:pt idx="274">
+                  <c:v>0.75</c:v>
+                </c:pt>
+                <c:pt idx="275">
+                  <c:v>0.65</c:v>
+                </c:pt>
+                <c:pt idx="276">
+                  <c:v>0.7</c:v>
+                </c:pt>
+                <c:pt idx="277">
+                  <c:v>0.6</c:v>
+                </c:pt>
+                <c:pt idx="278">
+                  <c:v>0.72499999999999998</c:v>
+                </c:pt>
+                <c:pt idx="279">
+                  <c:v>0.65</c:v>
+                </c:pt>
+                <c:pt idx="280">
+                  <c:v>0.72499999999999998</c:v>
+                </c:pt>
+                <c:pt idx="281">
+                  <c:v>0.67500000000000004</c:v>
+                </c:pt>
+                <c:pt idx="282">
+                  <c:v>0.7</c:v>
+                </c:pt>
+                <c:pt idx="283">
+                  <c:v>0.75</c:v>
+                </c:pt>
+                <c:pt idx="284">
+                  <c:v>0.67500000000000004</c:v>
+                </c:pt>
+                <c:pt idx="285">
+                  <c:v>0.625</c:v>
+                </c:pt>
+                <c:pt idx="286">
+                  <c:v>0.65</c:v>
+                </c:pt>
+                <c:pt idx="287">
+                  <c:v>0.77500000000000002</c:v>
+                </c:pt>
+                <c:pt idx="288">
+                  <c:v>0.85</c:v>
+                </c:pt>
+                <c:pt idx="289">
+                  <c:v>0.75</c:v>
+                </c:pt>
+                <c:pt idx="290">
+                  <c:v>0.72499999999999998</c:v>
+                </c:pt>
+                <c:pt idx="291">
+                  <c:v>0.72499999999999998</c:v>
+                </c:pt>
+                <c:pt idx="292">
+                  <c:v>0.65</c:v>
+                </c:pt>
+                <c:pt idx="293">
+                  <c:v>0.72499999999999998</c:v>
+                </c:pt>
+                <c:pt idx="294">
+                  <c:v>0.7</c:v>
+                </c:pt>
+                <c:pt idx="295">
+                  <c:v>0.85</c:v>
+                </c:pt>
+                <c:pt idx="296">
+                  <c:v>0.75</c:v>
+                </c:pt>
+                <c:pt idx="297">
+                  <c:v>0.75</c:v>
+                </c:pt>
+                <c:pt idx="298">
+                  <c:v>0.625</c:v>
+                </c:pt>
+                <c:pt idx="299">
+                  <c:v>0.77500000000000002</c:v>
+                </c:pt>
+                <c:pt idx="300">
+                  <c:v>0.77500000000000002</c:v>
+                </c:pt>
+                <c:pt idx="301">
+                  <c:v>0.625</c:v>
+                </c:pt>
+                <c:pt idx="302">
+                  <c:v>0.7</c:v>
+                </c:pt>
+                <c:pt idx="303">
+                  <c:v>0.72499999999999998</c:v>
+                </c:pt>
+                <c:pt idx="304">
+                  <c:v>0.55000000000000004</c:v>
+                </c:pt>
+                <c:pt idx="305">
+                  <c:v>0.72499999999999998</c:v>
+                </c:pt>
+                <c:pt idx="306">
+                  <c:v>0.75</c:v>
+                </c:pt>
+                <c:pt idx="307">
+                  <c:v>0.77500000000000002</c:v>
+                </c:pt>
+                <c:pt idx="308">
+                  <c:v>0.72499999999999998</c:v>
+                </c:pt>
+                <c:pt idx="309">
+                  <c:v>0.72499999999999998</c:v>
+                </c:pt>
+                <c:pt idx="310">
+                  <c:v>0.82499999999999996</c:v>
+                </c:pt>
+                <c:pt idx="311">
+                  <c:v>0.77500000000000002</c:v>
+                </c:pt>
+                <c:pt idx="312">
+                  <c:v>0.8</c:v>
+                </c:pt>
+                <c:pt idx="313">
+                  <c:v>0.7</c:v>
+                </c:pt>
+                <c:pt idx="314">
+                  <c:v>0.57499999999999996</c:v>
+                </c:pt>
+                <c:pt idx="315">
+                  <c:v>0.8</c:v>
+                </c:pt>
+                <c:pt idx="316">
+                  <c:v>0.82499999999999996</c:v>
+                </c:pt>
+                <c:pt idx="317">
+                  <c:v>0.72499999999999998</c:v>
+                </c:pt>
+                <c:pt idx="318">
+                  <c:v>0.72499999999999998</c:v>
+                </c:pt>
+                <c:pt idx="319">
+                  <c:v>0.82499999999999996</c:v>
+                </c:pt>
+                <c:pt idx="320">
+                  <c:v>0.65</c:v>
+                </c:pt>
+                <c:pt idx="321">
+                  <c:v>0.875</c:v>
+                </c:pt>
+                <c:pt idx="322">
+                  <c:v>0.67500000000000004</c:v>
+                </c:pt>
+                <c:pt idx="323">
+                  <c:v>0.7</c:v>
+                </c:pt>
+                <c:pt idx="324">
+                  <c:v>0.7</c:v>
+                </c:pt>
+                <c:pt idx="325">
+                  <c:v>0.85</c:v>
+                </c:pt>
+                <c:pt idx="326">
+                  <c:v>0.65</c:v>
+                </c:pt>
+                <c:pt idx="327">
+                  <c:v>0.65</c:v>
+                </c:pt>
+                <c:pt idx="328">
+                  <c:v>0.7</c:v>
+                </c:pt>
+                <c:pt idx="329">
+                  <c:v>0.72499999999999998</c:v>
+                </c:pt>
+                <c:pt idx="330">
+                  <c:v>0.65</c:v>
+                </c:pt>
+                <c:pt idx="331">
+                  <c:v>0.67500000000000004</c:v>
+                </c:pt>
+                <c:pt idx="332">
+                  <c:v>0.77500000000000002</c:v>
+                </c:pt>
+                <c:pt idx="333">
+                  <c:v>0.7</c:v>
+                </c:pt>
+                <c:pt idx="334">
+                  <c:v>0.7</c:v>
+                </c:pt>
+                <c:pt idx="335">
+                  <c:v>0.75</c:v>
+                </c:pt>
+                <c:pt idx="336">
+                  <c:v>0.77500000000000002</c:v>
+                </c:pt>
+                <c:pt idx="337">
+                  <c:v>0.9</c:v>
+                </c:pt>
+                <c:pt idx="338">
+                  <c:v>0.72499999999999998</c:v>
+                </c:pt>
+                <c:pt idx="339">
+                  <c:v>0.7</c:v>
+                </c:pt>
+                <c:pt idx="340">
+                  <c:v>0.8</c:v>
+                </c:pt>
+                <c:pt idx="341">
+                  <c:v>0.67500000000000004</c:v>
+                </c:pt>
+                <c:pt idx="342">
+                  <c:v>0.85</c:v>
+                </c:pt>
+                <c:pt idx="343">
+                  <c:v>0.7</c:v>
+                </c:pt>
+                <c:pt idx="344">
+                  <c:v>0.7</c:v>
+                </c:pt>
+                <c:pt idx="345">
+                  <c:v>0.7</c:v>
+                </c:pt>
+                <c:pt idx="346">
+                  <c:v>0.72499999999999998</c:v>
+                </c:pt>
+                <c:pt idx="347">
+                  <c:v>0.8</c:v>
+                </c:pt>
+                <c:pt idx="348">
+                  <c:v>0.625</c:v>
+                </c:pt>
+                <c:pt idx="349">
+                  <c:v>0.85</c:v>
+                </c:pt>
+                <c:pt idx="350">
+                  <c:v>0.6</c:v>
+                </c:pt>
+                <c:pt idx="351">
+                  <c:v>0.65</c:v>
+                </c:pt>
+                <c:pt idx="352">
+                  <c:v>0.75</c:v>
+                </c:pt>
+                <c:pt idx="353">
+                  <c:v>0.7</c:v>
+                </c:pt>
+                <c:pt idx="354">
+                  <c:v>0.52500000000000002</c:v>
+                </c:pt>
+                <c:pt idx="355">
+                  <c:v>0.67500000000000004</c:v>
+                </c:pt>
+                <c:pt idx="356">
+                  <c:v>0.75</c:v>
+                </c:pt>
+                <c:pt idx="357">
+                  <c:v>0.77500000000000002</c:v>
+                </c:pt>
+                <c:pt idx="358">
+                  <c:v>0.8</c:v>
+                </c:pt>
+                <c:pt idx="359">
+                  <c:v>0.8</c:v>
+                </c:pt>
+                <c:pt idx="360">
+                  <c:v>0.75</c:v>
+                </c:pt>
+                <c:pt idx="361">
+                  <c:v>0.65</c:v>
+                </c:pt>
+                <c:pt idx="362">
+                  <c:v>0.85</c:v>
+                </c:pt>
+                <c:pt idx="363">
+                  <c:v>0.7</c:v>
+                </c:pt>
+                <c:pt idx="364">
+                  <c:v>0.67500000000000004</c:v>
+                </c:pt>
+                <c:pt idx="365">
+                  <c:v>0.72499999999999998</c:v>
+                </c:pt>
+                <c:pt idx="366">
+                  <c:v>0.67500000000000004</c:v>
+                </c:pt>
+                <c:pt idx="367">
+                  <c:v>0.65</c:v>
+                </c:pt>
+                <c:pt idx="368">
+                  <c:v>0.67500000000000004</c:v>
+                </c:pt>
+                <c:pt idx="369">
+                  <c:v>0.65</c:v>
+                </c:pt>
+                <c:pt idx="370">
+                  <c:v>0.77500000000000002</c:v>
+                </c:pt>
+                <c:pt idx="371">
+                  <c:v>0.75</c:v>
+                </c:pt>
+                <c:pt idx="372">
+                  <c:v>0.8</c:v>
+                </c:pt>
+                <c:pt idx="373">
+                  <c:v>0.75</c:v>
+                </c:pt>
+                <c:pt idx="374">
+                  <c:v>0.82499999999999996</c:v>
+                </c:pt>
+                <c:pt idx="375">
+                  <c:v>0.77500000000000002</c:v>
+                </c:pt>
+                <c:pt idx="376">
+                  <c:v>0.7</c:v>
+                </c:pt>
+                <c:pt idx="377">
+                  <c:v>0.7</c:v>
+                </c:pt>
+                <c:pt idx="378">
+                  <c:v>0.7</c:v>
+                </c:pt>
+                <c:pt idx="379">
+                  <c:v>0.72499999999999998</c:v>
+                </c:pt>
+                <c:pt idx="380">
+                  <c:v>0.625</c:v>
+                </c:pt>
+                <c:pt idx="381">
+                  <c:v>0.7</c:v>
+                </c:pt>
+                <c:pt idx="382">
+                  <c:v>0.625</c:v>
+                </c:pt>
+                <c:pt idx="383">
+                  <c:v>0.7</c:v>
+                </c:pt>
+                <c:pt idx="384">
+                  <c:v>0.77500000000000002</c:v>
+                </c:pt>
+                <c:pt idx="385">
+                  <c:v>0.77500000000000002</c:v>
+                </c:pt>
+                <c:pt idx="386">
+                  <c:v>0.67500000000000004</c:v>
+                </c:pt>
+                <c:pt idx="387">
+                  <c:v>0.7</c:v>
+                </c:pt>
+                <c:pt idx="388">
+                  <c:v>0.72499999999999998</c:v>
+                </c:pt>
+                <c:pt idx="389">
+                  <c:v>0.75</c:v>
+                </c:pt>
+                <c:pt idx="390">
+                  <c:v>0.75</c:v>
+                </c:pt>
+                <c:pt idx="391">
+                  <c:v>0.77500000000000002</c:v>
+                </c:pt>
+                <c:pt idx="392">
+                  <c:v>0.8</c:v>
+                </c:pt>
+                <c:pt idx="393">
+                  <c:v>0.625</c:v>
+                </c:pt>
+                <c:pt idx="394">
+                  <c:v>0.67500000000000004</c:v>
+                </c:pt>
+                <c:pt idx="395">
+                  <c:v>0.67500000000000004</c:v>
+                </c:pt>
+                <c:pt idx="396">
+                  <c:v>0.625</c:v>
+                </c:pt>
+                <c:pt idx="397">
+                  <c:v>0.67500000000000004</c:v>
+                </c:pt>
+                <c:pt idx="398">
+                  <c:v>0.85</c:v>
+                </c:pt>
+                <c:pt idx="399">
+                  <c:v>0.7</c:v>
+                </c:pt>
+                <c:pt idx="400">
+                  <c:v>0.7</c:v>
+                </c:pt>
+                <c:pt idx="401">
+                  <c:v>0.875</c:v>
+                </c:pt>
+                <c:pt idx="402">
+                  <c:v>0.65</c:v>
+                </c:pt>
+                <c:pt idx="403">
+                  <c:v>0.625</c:v>
+                </c:pt>
+                <c:pt idx="404">
+                  <c:v>0.65</c:v>
+                </c:pt>
+                <c:pt idx="405">
+                  <c:v>0.8</c:v>
+                </c:pt>
+                <c:pt idx="406">
+                  <c:v>0.77500000000000002</c:v>
+                </c:pt>
+                <c:pt idx="407">
+                  <c:v>0.72499999999999998</c:v>
+                </c:pt>
+                <c:pt idx="408">
+                  <c:v>0.7</c:v>
+                </c:pt>
+                <c:pt idx="409">
+                  <c:v>0.75</c:v>
+                </c:pt>
+                <c:pt idx="410">
+                  <c:v>0.82499999999999996</c:v>
+                </c:pt>
+                <c:pt idx="411">
+                  <c:v>0.625</c:v>
+                </c:pt>
+                <c:pt idx="412">
+                  <c:v>0.75</c:v>
+                </c:pt>
+                <c:pt idx="413">
+                  <c:v>0.7</c:v>
+                </c:pt>
+                <c:pt idx="414">
+                  <c:v>0.55000000000000004</c:v>
+                </c:pt>
+                <c:pt idx="415">
+                  <c:v>0.67500000000000004</c:v>
+                </c:pt>
+                <c:pt idx="416">
+                  <c:v>0.75</c:v>
+                </c:pt>
+                <c:pt idx="417">
+                  <c:v>0.625</c:v>
+                </c:pt>
+                <c:pt idx="418">
+                  <c:v>0.7</c:v>
+                </c:pt>
+                <c:pt idx="419">
+                  <c:v>0.72499999999999998</c:v>
+                </c:pt>
+                <c:pt idx="420">
+                  <c:v>0.625</c:v>
+                </c:pt>
+                <c:pt idx="421">
+                  <c:v>0.625</c:v>
+                </c:pt>
+                <c:pt idx="422">
+                  <c:v>0.7</c:v>
+                </c:pt>
+                <c:pt idx="423">
+                  <c:v>0.625</c:v>
+                </c:pt>
+                <c:pt idx="424">
+                  <c:v>0.75</c:v>
+                </c:pt>
+                <c:pt idx="425">
+                  <c:v>0.75</c:v>
+                </c:pt>
+                <c:pt idx="426">
+                  <c:v>0.8</c:v>
+                </c:pt>
+                <c:pt idx="427">
+                  <c:v>0.625</c:v>
+                </c:pt>
+                <c:pt idx="428">
+                  <c:v>0.67500000000000004</c:v>
+                </c:pt>
+                <c:pt idx="429">
+                  <c:v>0.67500000000000004</c:v>
+                </c:pt>
+                <c:pt idx="430">
+                  <c:v>0.75</c:v>
+                </c:pt>
+                <c:pt idx="431">
+                  <c:v>0.75</c:v>
+                </c:pt>
+                <c:pt idx="432">
+                  <c:v>0.8</c:v>
+                </c:pt>
+              </c:numCache>
+            </c:numRef>
+          </c:yVal>
+          <c:smooth val="0"/>
+          <c:extLst>
+            <c:ext xmlns:c16="http://schemas.microsoft.com/office/drawing/2014/chart" uri="{C3380CC4-5D6E-409C-BE32-E72D297353CC}">
+              <c16:uniqueId val="{00000000-6012-4560-91F9-8196527BE9EC}"/>
+            </c:ext>
+          </c:extLst>
+        </c:ser>
+        <c:dLbls>
+          <c:showLegendKey val="0"/>
+          <c:showVal val="0"/>
+          <c:showCatName val="0"/>
+          <c:showSerName val="0"/>
+          <c:showPercent val="0"/>
+          <c:showBubbleSize val="0"/>
+        </c:dLbls>
+        <c:axId val="53189808"/>
+        <c:axId val="53188496"/>
+      </c:scatterChart>
+      <c:valAx>
+        <c:axId val="53189808"/>
+        <c:scaling>
+          <c:orientation val="minMax"/>
+        </c:scaling>
+        <c:delete val="0"/>
+        <c:axPos val="b"/>
+        <c:majorGridlines>
+          <c:spPr>
+            <a:ln w="9525" cap="flat" cmpd="sng" algn="ctr">
+              <a:solidFill>
+                <a:schemeClr val="dk1">
+                  <a:lumMod val="15000"/>
+                  <a:lumOff val="85000"/>
+                </a:schemeClr>
+              </a:solidFill>
+              <a:round/>
+            </a:ln>
+            <a:effectLst/>
+          </c:spPr>
+        </c:majorGridlines>
+        <c:numFmt formatCode="General" sourceLinked="1"/>
+        <c:majorTickMark val="none"/>
+        <c:minorTickMark val="none"/>
+        <c:tickLblPos val="nextTo"/>
+        <c:spPr>
+          <a:noFill/>
+          <a:ln w="9525" cap="rnd">
+            <a:solidFill>
+              <a:schemeClr val="dk1">
+                <a:lumMod val="25000"/>
+                <a:lumOff val="75000"/>
+              </a:schemeClr>
+            </a:solidFill>
+            <a:round/>
+          </a:ln>
+          <a:effectLst/>
+        </c:spPr>
+        <c:txPr>
+          <a:bodyPr rot="-60000000" spcFirstLastPara="1" vertOverflow="ellipsis" vert="horz" wrap="square" anchor="ctr" anchorCtr="1"/>
+          <a:lstStyle/>
+          <a:p>
+            <a:pPr>
+              <a:defRPr sz="1197" b="0" i="0" u="none" strike="noStrike" kern="1200" spc="0" baseline="0">
+                <a:solidFill>
+                  <a:schemeClr val="dk1">
+                    <a:lumMod val="65000"/>
+                    <a:lumOff val="35000"/>
+                  </a:schemeClr>
+                </a:solidFill>
+                <a:latin typeface="+mn-lt"/>
+                <a:ea typeface="+mn-ea"/>
+                <a:cs typeface="+mn-cs"/>
+              </a:defRPr>
+            </a:pPr>
+            <a:endParaRPr lang="en-US"/>
+          </a:p>
+        </c:txPr>
+        <c:crossAx val="53188496"/>
+        <c:crosses val="autoZero"/>
+        <c:crossBetween val="midCat"/>
+      </c:valAx>
+      <c:valAx>
+        <c:axId val="53188496"/>
+        <c:scaling>
+          <c:orientation val="minMax"/>
+          <c:max val="1"/>
+          <c:min val="0.5"/>
+        </c:scaling>
+        <c:delete val="0"/>
+        <c:axPos val="l"/>
+        <c:majorGridlines>
+          <c:spPr>
+            <a:ln w="9525" cap="flat" cmpd="sng" algn="ctr">
+              <a:solidFill>
+                <a:schemeClr val="dk1">
+                  <a:lumMod val="15000"/>
+                  <a:lumOff val="85000"/>
+                </a:schemeClr>
+              </a:solidFill>
+              <a:round/>
+            </a:ln>
+            <a:effectLst/>
+          </c:spPr>
+        </c:majorGridlines>
+        <c:numFmt formatCode="General" sourceLinked="1"/>
+        <c:majorTickMark val="none"/>
+        <c:minorTickMark val="none"/>
+        <c:tickLblPos val="nextTo"/>
+        <c:spPr>
+          <a:noFill/>
+          <a:ln w="9525" cap="rnd">
+            <a:solidFill>
+              <a:schemeClr val="dk1">
+                <a:lumMod val="25000"/>
+                <a:lumOff val="75000"/>
+              </a:schemeClr>
+            </a:solidFill>
+            <a:round/>
+          </a:ln>
+          <a:effectLst/>
+        </c:spPr>
+        <c:txPr>
+          <a:bodyPr rot="-60000000" spcFirstLastPara="1" vertOverflow="ellipsis" vert="horz" wrap="square" anchor="ctr" anchorCtr="1"/>
+          <a:lstStyle/>
+          <a:p>
+            <a:pPr>
+              <a:defRPr sz="1197" b="0" i="0" u="none" strike="noStrike" kern="1200" spc="0" baseline="0">
+                <a:solidFill>
+                  <a:schemeClr val="dk1">
+                    <a:lumMod val="65000"/>
+                    <a:lumOff val="35000"/>
+                  </a:schemeClr>
+                </a:solidFill>
+                <a:latin typeface="+mn-lt"/>
+                <a:ea typeface="+mn-ea"/>
+                <a:cs typeface="+mn-cs"/>
+              </a:defRPr>
+            </a:pPr>
+            <a:endParaRPr lang="en-US"/>
+          </a:p>
+        </c:txPr>
+        <c:crossAx val="53189808"/>
+        <c:crosses val="autoZero"/>
+        <c:crossBetween val="midCat"/>
+      </c:valAx>
+      <c:spPr>
+        <a:gradFill>
+          <a:gsLst>
+            <a:gs pos="100000">
+              <a:schemeClr val="lt1">
+                <a:lumMod val="95000"/>
+              </a:schemeClr>
+            </a:gs>
+            <a:gs pos="0">
+              <a:schemeClr val="lt1">
+                <a:alpha val="0"/>
+              </a:schemeClr>
+            </a:gs>
+          </a:gsLst>
+          <a:lin ang="5400000" scaled="0"/>
+        </a:gradFill>
+        <a:ln>
+          <a:noFill/>
+        </a:ln>
+        <a:effectLst/>
+      </c:spPr>
+    </c:plotArea>
+    <c:plotVisOnly val="1"/>
+    <c:dispBlanksAs val="gap"/>
+    <c:showDLblsOverMax val="0"/>
+  </c:chart>
+  <c:spPr>
+    <a:solidFill>
+      <a:schemeClr val="lt1"/>
+    </a:solidFill>
+    <a:ln>
+      <a:noFill/>
+    </a:ln>
+    <a:effectLst/>
+  </c:spPr>
+  <c:txPr>
+    <a:bodyPr/>
+    <a:lstStyle/>
+    <a:p>
+      <a:pPr>
+        <a:defRPr/>
+      </a:pPr>
+      <a:endParaRPr lang="en-US"/>
+    </a:p>
+  </c:txPr>
+  <c:externalData r:id="rId3">
+    <c:autoUpdate val="0"/>
+  </c:externalData>
+</c:chartSpace>
+</file>
+
+<file path=ppt/charts/colors1.xml><?xml version="1.0" encoding="utf-8"?>
+<cs:colorStyle xmlns:cs="http://schemas.microsoft.com/office/drawing/2012/chartStyle" xmlns:a="http://schemas.openxmlformats.org/drawingml/2006/main" meth="cycle" id="10">
+  <a:schemeClr val="accent1"/>
+  <a:schemeClr val="accent2"/>
+  <a:schemeClr val="accent3"/>
+  <a:schemeClr val="accent4"/>
+  <a:schemeClr val="accent5"/>
+  <a:schemeClr val="accent6"/>
+  <cs:variation/>
+  <cs:variation>
+    <a:lumMod val="60000"/>
+  </cs:variation>
+  <cs:variation>
+    <a:lumMod val="80000"/>
+    <a:lumOff val="20000"/>
+  </cs:variation>
+  <cs:variation>
+    <a:lumMod val="80000"/>
+  </cs:variation>
+  <cs:variation>
+    <a:lumMod val="60000"/>
+    <a:lumOff val="40000"/>
+  </cs:variation>
+  <cs:variation>
+    <a:lumMod val="50000"/>
+  </cs:variation>
+  <cs:variation>
+    <a:lumMod val="70000"/>
+    <a:lumOff val="30000"/>
+  </cs:variation>
+  <cs:variation>
+    <a:lumMod val="70000"/>
+  </cs:variation>
+  <cs:variation>
+    <a:lumMod val="50000"/>
+    <a:lumOff val="50000"/>
+  </cs:variation>
+</cs:colorStyle>
+</file>
+
+<file path=ppt/charts/colors2.xml><?xml version="1.0" encoding="utf-8"?>
+<cs:colorStyle xmlns:cs="http://schemas.microsoft.com/office/drawing/2012/chartStyle" xmlns:a="http://schemas.openxmlformats.org/drawingml/2006/main" meth="cycle" id="10">
+  <a:schemeClr val="accent1"/>
+  <a:schemeClr val="accent2"/>
+  <a:schemeClr val="accent3"/>
+  <a:schemeClr val="accent4"/>
+  <a:schemeClr val="accent5"/>
+  <a:schemeClr val="accent6"/>
+  <cs:variation/>
+  <cs:variation>
+    <a:lumMod val="60000"/>
+  </cs:variation>
+  <cs:variation>
+    <a:lumMod val="80000"/>
+    <a:lumOff val="20000"/>
+  </cs:variation>
+  <cs:variation>
+    <a:lumMod val="80000"/>
+  </cs:variation>
+  <cs:variation>
+    <a:lumMod val="60000"/>
+    <a:lumOff val="40000"/>
+  </cs:variation>
+  <cs:variation>
+    <a:lumMod val="50000"/>
+  </cs:variation>
+  <cs:variation>
+    <a:lumMod val="70000"/>
+    <a:lumOff val="30000"/>
+  </cs:variation>
+  <cs:variation>
+    <a:lumMod val="70000"/>
+  </cs:variation>
+  <cs:variation>
+    <a:lumMod val="50000"/>
+    <a:lumOff val="50000"/>
+  </cs:variation>
+</cs:colorStyle>
+</file>
+
+<file path=ppt/charts/style1.xml><?xml version="1.0" encoding="utf-8"?>
+<cs:chartStyle xmlns:cs="http://schemas.microsoft.com/office/drawing/2012/chartStyle" xmlns:a="http://schemas.openxmlformats.org/drawingml/2006/main" id="240">
+  <cs:axisTitle>
+    <cs:lnRef idx="0"/>
+    <cs:fillRef idx="0"/>
+    <cs:effectRef idx="0"/>
+    <cs:fontRef idx="minor">
+      <a:schemeClr val="tx1">
+        <a:lumMod val="65000"/>
+        <a:lumOff val="35000"/>
+      </a:schemeClr>
+    </cs:fontRef>
+    <cs:defRPr sz="1000" kern="1200"/>
+  </cs:axisTitle>
+  <cs:categoryAxis>
+    <cs:lnRef idx="0"/>
+    <cs:fillRef idx="0"/>
+    <cs:effectRef idx="0"/>
+    <cs:fontRef idx="minor">
+      <a:schemeClr val="tx1">
+        <a:lumMod val="65000"/>
+        <a:lumOff val="35000"/>
+      </a:schemeClr>
+    </cs:fontRef>
+    <cs:spPr>
+      <a:ln w="9525" cap="flat" cmpd="sng" algn="ctr">
+        <a:solidFill>
+          <a:schemeClr val="tx1">
+            <a:lumMod val="25000"/>
+            <a:lumOff val="75000"/>
+          </a:schemeClr>
+        </a:solidFill>
+        <a:round/>
+      </a:ln>
+    </cs:spPr>
+    <cs:defRPr sz="900" kern="1200"/>
+  </cs:categoryAxis>
+  <cs:chartArea mods="allowNoFillOverride allowNoLineOverride">
+    <cs:lnRef idx="0"/>
+    <cs:fillRef idx="0"/>
+    <cs:effectRef idx="0"/>
+    <cs:fontRef idx="minor">
+      <a:schemeClr val="tx1"/>
+    </cs:fontRef>
+    <cs:spPr>
+      <a:solidFill>
+        <a:schemeClr val="bg1"/>
+      </a:solidFill>
+      <a:ln w="9525" cap="flat" cmpd="sng" algn="ctr">
+        <a:solidFill>
+          <a:schemeClr val="tx1">
+            <a:lumMod val="15000"/>
+            <a:lumOff val="85000"/>
+          </a:schemeClr>
+        </a:solidFill>
+        <a:round/>
+      </a:ln>
+    </cs:spPr>
+    <cs:defRPr sz="1000" kern="1200"/>
+  </cs:chartArea>
+  <cs:dataLabel>
+    <cs:lnRef idx="0"/>
+    <cs:fillRef idx="0"/>
+    <cs:effectRef idx="0"/>
+    <cs:fontRef idx="minor">
+      <a:schemeClr val="tx1">
+        <a:lumMod val="75000"/>
+        <a:lumOff val="25000"/>
+      </a:schemeClr>
+    </cs:fontRef>
+    <cs:defRPr sz="900" kern="1200"/>
+  </cs:dataLabel>
+  <cs:dataLabelCallout>
+    <cs:lnRef idx="0"/>
+    <cs:fillRef idx="0"/>
+    <cs:effectRef idx="0"/>
+    <cs:fontRef idx="minor">
+      <a:schemeClr val="dk1">
+        <a:lumMod val="65000"/>
+        <a:lumOff val="35000"/>
+      </a:schemeClr>
+    </cs:fontRef>
+    <cs:spPr>
+      <a:solidFill>
+        <a:schemeClr val="lt1"/>
+      </a:solidFill>
+      <a:ln>
+        <a:solidFill>
+          <a:schemeClr val="dk1">
+            <a:lumMod val="25000"/>
+            <a:lumOff val="75000"/>
+          </a:schemeClr>
+        </a:solidFill>
+      </a:ln>
+    </cs:spPr>
+    <cs:defRPr sz="900" kern="1200"/>
+    <cs:bodyPr rot="0" spcFirstLastPara="1" vertOverflow="clip" horzOverflow="clip" vert="horz" wrap="square" lIns="36576" tIns="18288" rIns="36576" bIns="18288" anchor="ctr" anchorCtr="1">
+      <a:spAutoFit/>
+    </cs:bodyPr>
+  </cs:dataLabelCallout>
+  <cs:dataPoint>
+    <cs:lnRef idx="0"/>
+    <cs:fillRef idx="1">
+      <cs:styleClr val="auto"/>
+    </cs:fillRef>
+    <cs:effectRef idx="0"/>
+    <cs:fontRef idx="minor">
+      <a:schemeClr val="tx1"/>
+    </cs:fontRef>
+  </cs:dataPoint>
+  <cs:dataPoint3D>
+    <cs:lnRef idx="0"/>
+    <cs:fillRef idx="1">
+      <cs:styleClr val="auto"/>
+    </cs:fillRef>
+    <cs:effectRef idx="0"/>
+    <cs:fontRef idx="minor">
+      <a:schemeClr val="tx1"/>
+    </cs:fontRef>
+  </cs:dataPoint3D>
+  <cs:dataPointLine>
+    <cs:lnRef idx="0">
+      <cs:styleClr val="auto"/>
+    </cs:lnRef>
+    <cs:fillRef idx="1"/>
+    <cs:effectRef idx="0"/>
+    <cs:fontRef idx="minor">
+      <a:schemeClr val="tx1"/>
+    </cs:fontRef>
+    <cs:spPr>
+      <a:ln w="19050" cap="rnd">
+        <a:solidFill>
+          <a:schemeClr val="phClr"/>
+        </a:solidFill>
+        <a:round/>
+      </a:ln>
+    </cs:spPr>
+  </cs:dataPointLine>
+  <cs:dataPointMarker>
+    <cs:lnRef idx="0">
+      <cs:styleClr val="auto"/>
+    </cs:lnRef>
+    <cs:fillRef idx="1">
+      <cs:styleClr val="auto"/>
+    </cs:fillRef>
+    <cs:effectRef idx="0"/>
+    <cs:fontRef idx="minor">
+      <a:schemeClr val="tx1"/>
+    </cs:fontRef>
+    <cs:spPr>
+      <a:ln w="9525">
+        <a:solidFill>
+          <a:schemeClr val="phClr"/>
+        </a:solidFill>
+      </a:ln>
+    </cs:spPr>
+  </cs:dataPointMarker>
+  <cs:dataPointMarkerLayout symbol="circle" size="5"/>
+  <cs:dataPointWireframe>
+    <cs:lnRef idx="0">
+      <cs:styleClr val="auto"/>
+    </cs:lnRef>
+    <cs:fillRef idx="0"/>
+    <cs:effectRef idx="0"/>
+    <cs:fontRef idx="minor">
+      <a:schemeClr val="dk1"/>
+    </cs:fontRef>
+    <cs:spPr>
+      <a:ln w="9525" cap="rnd">
+        <a:solidFill>
+          <a:schemeClr val="phClr"/>
+        </a:solidFill>
+        <a:round/>
+      </a:ln>
+    </cs:spPr>
+  </cs:dataPointWireframe>
+  <cs:dataTable>
+    <cs:lnRef idx="0"/>
+    <cs:fillRef idx="0"/>
+    <cs:effectRef idx="0"/>
+    <cs:fontRef idx="minor">
+      <a:schemeClr val="tx1">
+        <a:lumMod val="65000"/>
+        <a:lumOff val="35000"/>
+      </a:schemeClr>
+    </cs:fontRef>
+    <cs:spPr>
+      <a:noFill/>
+      <a:ln w="9525" cap="flat" cmpd="sng" algn="ctr">
+        <a:solidFill>
+          <a:schemeClr val="tx1">
+            <a:lumMod val="15000"/>
+            <a:lumOff val="85000"/>
+          </a:schemeClr>
+        </a:solidFill>
+        <a:round/>
+      </a:ln>
+    </cs:spPr>
+    <cs:defRPr sz="900" kern="1200"/>
+  </cs:dataTable>
+  <cs:downBar>
+    <cs:lnRef idx="0"/>
+    <cs:fillRef idx="0"/>
+    <cs:effectRef idx="0"/>
+    <cs:fontRef idx="minor">
+      <a:schemeClr val="tx1"/>
+    </cs:fontRef>
+    <cs:spPr>
+      <a:solidFill>
+        <a:schemeClr val="dk1">
+          <a:lumMod val="75000"/>
+          <a:lumOff val="25000"/>
+        </a:schemeClr>
+      </a:solidFill>
+      <a:ln w="9525" cap="flat" cmpd="sng" algn="ctr">
+        <a:solidFill>
+          <a:schemeClr val="tx1">
+            <a:lumMod val="65000"/>
+            <a:lumOff val="35000"/>
+          </a:schemeClr>
+        </a:solidFill>
+        <a:round/>
+      </a:ln>
+    </cs:spPr>
+  </cs:downBar>
+  <cs:dropLine>
+    <cs:lnRef idx="0"/>
+    <cs:fillRef idx="0"/>
+    <cs:effectRef idx="0"/>
+    <cs:fontRef idx="minor">
+      <a:schemeClr val="tx1"/>
+    </cs:fontRef>
+    <cs:spPr>
+      <a:ln w="9525" cap="flat" cmpd="sng" algn="ctr">
+        <a:solidFill>
+          <a:schemeClr val="tx1">
+            <a:lumMod val="35000"/>
+            <a:lumOff val="65000"/>
+          </a:schemeClr>
+        </a:solidFill>
+        <a:round/>
+      </a:ln>
+    </cs:spPr>
+  </cs:dropLine>
+  <cs:errorBar>
+    <cs:lnRef idx="0"/>
+    <cs:fillRef idx="0"/>
+    <cs:effectRef idx="0"/>
+    <cs:fontRef idx="minor">
+      <a:schemeClr val="tx1"/>
+    </cs:fontRef>
+    <cs:spPr>
+      <a:ln w="9525" cap="flat" cmpd="sng" algn="ctr">
+        <a:solidFill>
+          <a:schemeClr val="tx1">
+            <a:lumMod val="65000"/>
+            <a:lumOff val="35000"/>
+          </a:schemeClr>
+        </a:solidFill>
+        <a:round/>
+      </a:ln>
+    </cs:spPr>
+  </cs:errorBar>
+  <cs:floor>
+    <cs:lnRef idx="0"/>
+    <cs:fillRef idx="0"/>
+    <cs:effectRef idx="0"/>
+    <cs:fontRef idx="minor">
+      <a:schemeClr val="tx1"/>
+    </cs:fontRef>
+    <cs:spPr>
+      <a:noFill/>
+      <a:ln>
+        <a:noFill/>
+      </a:ln>
+    </cs:spPr>
+  </cs:floor>
+  <cs:gridlineMajor>
+    <cs:lnRef idx="0"/>
+    <cs:fillRef idx="0"/>
+    <cs:effectRef idx="0"/>
+    <cs:fontRef idx="minor">
+      <a:schemeClr val="tx1"/>
+    </cs:fontRef>
+    <cs:spPr>
+      <a:ln w="9525" cap="flat" cmpd="sng" algn="ctr">
+        <a:solidFill>
+          <a:schemeClr val="tx1">
+            <a:lumMod val="15000"/>
+            <a:lumOff val="85000"/>
+          </a:schemeClr>
+        </a:solidFill>
+        <a:round/>
+      </a:ln>
+    </cs:spPr>
+  </cs:gridlineMajor>
+  <cs:gridlineMinor>
+    <cs:lnRef idx="0"/>
+    <cs:fillRef idx="0"/>
+    <cs:effectRef idx="0"/>
+    <cs:fontRef idx="minor">
+      <a:schemeClr val="tx1"/>
+    </cs:fontRef>
+    <cs:spPr>
+      <a:ln w="9525" cap="flat" cmpd="sng" algn="ctr">
+        <a:solidFill>
+          <a:schemeClr val="tx1">
+            <a:lumMod val="5000"/>
+            <a:lumOff val="95000"/>
+          </a:schemeClr>
+        </a:solidFill>
+        <a:round/>
+      </a:ln>
+    </cs:spPr>
+  </cs:gridlineMinor>
+  <cs:hiLoLine>
+    <cs:lnRef idx="0"/>
+    <cs:fillRef idx="0"/>
+    <cs:effectRef idx="0"/>
+    <cs:fontRef idx="minor">
+      <a:schemeClr val="tx1"/>
+    </cs:fontRef>
+    <cs:spPr>
+      <a:ln w="9525" cap="flat" cmpd="sng" algn="ctr">
+        <a:solidFill>
+          <a:schemeClr val="tx1">
+            <a:lumMod val="50000"/>
+            <a:lumOff val="50000"/>
+          </a:schemeClr>
+        </a:solidFill>
+        <a:round/>
+      </a:ln>
+    </cs:spPr>
+  </cs:hiLoLine>
+  <cs:leaderLine>
+    <cs:lnRef idx="0"/>
+    <cs:fillRef idx="0"/>
+    <cs:effectRef idx="0"/>
+    <cs:fontRef idx="minor">
+      <a:schemeClr val="tx1"/>
+    </cs:fontRef>
+    <cs:spPr>
+      <a:ln w="9525" cap="flat" cmpd="sng" algn="ctr">
+        <a:solidFill>
+          <a:schemeClr val="tx1">
+            <a:lumMod val="35000"/>
+            <a:lumOff val="65000"/>
+          </a:schemeClr>
+        </a:solidFill>
+        <a:round/>
+      </a:ln>
+    </cs:spPr>
+  </cs:leaderLine>
+  <cs:legend>
+    <cs:lnRef idx="0"/>
+    <cs:fillRef idx="0"/>
+    <cs:effectRef idx="0"/>
+    <cs:fontRef idx="minor">
+      <a:schemeClr val="tx1">
+        <a:lumMod val="65000"/>
+        <a:lumOff val="35000"/>
+      </a:schemeClr>
+    </cs:fontRef>
+    <cs:defRPr sz="900" kern="1200"/>
+  </cs:legend>
+  <cs:plotArea mods="allowNoFillOverride allowNoLineOverride">
+    <cs:lnRef idx="0"/>
+    <cs:fillRef idx="0"/>
+    <cs:effectRef idx="0"/>
+    <cs:fontRef idx="minor">
+      <a:schemeClr val="tx1"/>
+    </cs:fontRef>
+  </cs:plotArea>
+  <cs:plotArea3D mods="allowNoFillOverride allowNoLineOverride">
+    <cs:lnRef idx="0"/>
+    <cs:fillRef idx="0"/>
+    <cs:effectRef idx="0"/>
+    <cs:fontRef idx="minor">
+      <a:schemeClr val="tx1"/>
+    </cs:fontRef>
+  </cs:plotArea3D>
+  <cs:seriesAxis>
+    <cs:lnRef idx="0"/>
+    <cs:fillRef idx="0"/>
+    <cs:effectRef idx="0"/>
+    <cs:fontRef idx="minor">
+      <a:schemeClr val="tx1">
+        <a:lumMod val="65000"/>
+        <a:lumOff val="35000"/>
+      </a:schemeClr>
+    </cs:fontRef>
+    <cs:defRPr sz="900" kern="1200"/>
+  </cs:seriesAxis>
+  <cs:seriesLine>
+    <cs:lnRef idx="0"/>
+    <cs:fillRef idx="0"/>
+    <cs:effectRef idx="0"/>
+    <cs:fontRef idx="minor">
+      <a:schemeClr val="tx1"/>
+    </cs:fontRef>
+    <cs:spPr>
+      <a:ln w="9525" cap="flat" cmpd="sng" algn="ctr">
+        <a:solidFill>
+          <a:schemeClr val="tx1">
+            <a:lumMod val="35000"/>
+            <a:lumOff val="65000"/>
+          </a:schemeClr>
+        </a:solidFill>
+        <a:round/>
+      </a:ln>
+    </cs:spPr>
+  </cs:seriesLine>
+  <cs:title>
+    <cs:lnRef idx="0"/>
+    <cs:fillRef idx="0"/>
+    <cs:effectRef idx="0"/>
+    <cs:fontRef idx="minor">
+      <a:schemeClr val="tx1">
+        <a:lumMod val="65000"/>
+        <a:lumOff val="35000"/>
+      </a:schemeClr>
+    </cs:fontRef>
+    <cs:defRPr sz="1400" b="0" kern="1200" spc="0" baseline="0"/>
+  </cs:title>
+  <cs:trendline>
+    <cs:lnRef idx="0">
+      <cs:styleClr val="auto"/>
+    </cs:lnRef>
+    <cs:fillRef idx="0"/>
+    <cs:effectRef idx="0"/>
+    <cs:fontRef idx="minor">
+      <a:schemeClr val="tx1"/>
+    </cs:fontRef>
+    <cs:spPr>
+      <a:ln w="19050" cap="rnd">
+        <a:solidFill>
+          <a:schemeClr val="phClr"/>
+        </a:solidFill>
+        <a:prstDash val="sysDot"/>
+      </a:ln>
+    </cs:spPr>
+  </cs:trendline>
+  <cs:trendlineLabel>
+    <cs:lnRef idx="0"/>
+    <cs:fillRef idx="0"/>
+    <cs:effectRef idx="0"/>
+    <cs:fontRef idx="minor">
+      <a:schemeClr val="tx1">
+        <a:lumMod val="65000"/>
+        <a:lumOff val="35000"/>
+      </a:schemeClr>
+    </cs:fontRef>
+    <cs:defRPr sz="900" kern="1200"/>
+  </cs:trendlineLabel>
+  <cs:upBar>
+    <cs:lnRef idx="0"/>
+    <cs:fillRef idx="0"/>
+    <cs:effectRef idx="0"/>
+    <cs:fontRef idx="minor">
+      <a:schemeClr val="tx1"/>
+    </cs:fontRef>
+    <cs:spPr>
+      <a:solidFill>
+        <a:schemeClr val="lt1"/>
+      </a:solidFill>
+      <a:ln w="9525" cap="flat" cmpd="sng" algn="ctr">
+        <a:solidFill>
+          <a:schemeClr val="tx1">
+            <a:lumMod val="65000"/>
+            <a:lumOff val="35000"/>
+          </a:schemeClr>
+        </a:solidFill>
+        <a:round/>
+      </a:ln>
+    </cs:spPr>
+  </cs:upBar>
+  <cs:valueAxis>
+    <cs:lnRef idx="0"/>
+    <cs:fillRef idx="0"/>
+    <cs:effectRef idx="0"/>
+    <cs:fontRef idx="minor">
+      <a:schemeClr val="tx1">
+        <a:lumMod val="65000"/>
+        <a:lumOff val="35000"/>
+      </a:schemeClr>
+    </cs:fontRef>
+    <cs:spPr>
+      <a:ln w="9525" cap="flat" cmpd="sng" algn="ctr">
+        <a:solidFill>
+          <a:schemeClr val="tx1">
+            <a:lumMod val="25000"/>
+            <a:lumOff val="75000"/>
+          </a:schemeClr>
+        </a:solidFill>
+        <a:round/>
+      </a:ln>
+    </cs:spPr>
+    <cs:defRPr sz="900" kern="1200"/>
+  </cs:valueAxis>
+  <cs:wall>
+    <cs:lnRef idx="0"/>
+    <cs:fillRef idx="0"/>
+    <cs:effectRef idx="0"/>
+    <cs:fontRef idx="minor">
+      <a:schemeClr val="tx1"/>
+    </cs:fontRef>
+    <cs:spPr>
+      <a:noFill/>
+      <a:ln>
+        <a:noFill/>
+      </a:ln>
+    </cs:spPr>
+  </cs:wall>
+</cs:chartStyle>
+</file>
+
+<file path=ppt/charts/style2.xml><?xml version="1.0" encoding="utf-8"?>
+<cs:chartStyle xmlns:cs="http://schemas.microsoft.com/office/drawing/2012/chartStyle" xmlns:a="http://schemas.openxmlformats.org/drawingml/2006/main" id="246">
+  <cs:axisTitle>
+    <cs:lnRef idx="0"/>
+    <cs:fillRef idx="0"/>
+    <cs:effectRef idx="0"/>
+    <cs:fontRef idx="minor">
+      <a:schemeClr val="dk1">
+        <a:lumMod val="65000"/>
+        <a:lumOff val="35000"/>
+      </a:schemeClr>
+    </cs:fontRef>
+    <cs:defRPr sz="1197" kern="1200"/>
+  </cs:axisTitle>
+  <cs:categoryAxis>
+    <cs:lnRef idx="0"/>
+    <cs:fillRef idx="0"/>
+    <cs:effectRef idx="0"/>
+    <cs:fontRef idx="minor">
+      <a:schemeClr val="dk1">
+        <a:lumMod val="65000"/>
+        <a:lumOff val="35000"/>
+      </a:schemeClr>
+    </cs:fontRef>
+    <cs:spPr>
+      <a:ln w="9525" cap="rnd">
+        <a:solidFill>
+          <a:schemeClr val="dk1">
+            <a:lumMod val="20000"/>
+            <a:lumOff val="80000"/>
+          </a:schemeClr>
+        </a:solidFill>
+        <a:round/>
+      </a:ln>
+    </cs:spPr>
+    <cs:defRPr sz="1197" kern="1200"/>
+  </cs:categoryAxis>
+  <cs:chartArea mods="allowNoLineOverride">
+    <cs:lnRef idx="0"/>
+    <cs:fillRef idx="0"/>
+    <cs:effectRef idx="0"/>
+    <cs:fontRef idx="minor">
+      <a:schemeClr val="dk1"/>
+    </cs:fontRef>
+    <cs:spPr>
+      <a:solidFill>
+        <a:schemeClr val="lt1"/>
+      </a:solidFill>
+      <a:ln w="9525" cap="flat" cmpd="sng" algn="ctr">
+        <a:solidFill>
+          <a:schemeClr val="dk1">
+            <a:lumMod val="15000"/>
+            <a:lumOff val="85000"/>
+          </a:schemeClr>
+        </a:solidFill>
+        <a:round/>
+      </a:ln>
+    </cs:spPr>
+    <cs:defRPr sz="1197" kern="1200"/>
+  </cs:chartArea>
+  <cs:dataLabel>
+    <cs:lnRef idx="0"/>
+    <cs:fillRef idx="0"/>
+    <cs:effectRef idx="0"/>
+    <cs:fontRef idx="minor">
+      <a:schemeClr val="dk1">
+        <a:lumMod val="65000"/>
+        <a:lumOff val="35000"/>
+      </a:schemeClr>
+    </cs:fontRef>
+    <cs:defRPr sz="1197" kern="1200"/>
+  </cs:dataLabel>
+  <cs:dataLabelCallout>
+    <cs:lnRef idx="0"/>
+    <cs:fillRef idx="0"/>
+    <cs:effectRef idx="0"/>
+    <cs:fontRef idx="minor">
+      <a:schemeClr val="dk1">
+        <a:lumMod val="65000"/>
+        <a:lumOff val="35000"/>
+      </a:schemeClr>
+    </cs:fontRef>
+    <cs:spPr>
+      <a:solidFill>
+        <a:schemeClr val="lt1"/>
+      </a:solidFill>
+      <a:ln>
+        <a:solidFill>
+          <a:schemeClr val="dk1">
+            <a:lumMod val="25000"/>
+            <a:lumOff val="75000"/>
+          </a:schemeClr>
+        </a:solidFill>
+      </a:ln>
+    </cs:spPr>
+    <cs:defRPr sz="1197" kern="1200"/>
+    <cs:bodyPr rot="0" spcFirstLastPara="1" vertOverflow="clip" horzOverflow="clip" vert="horz" wrap="square" lIns="36576" tIns="18288" rIns="36576" bIns="18288" anchor="ctr" anchorCtr="1">
+      <a:spAutoFit/>
+    </cs:bodyPr>
+  </cs:dataLabelCallout>
+  <cs:dataPoint>
+    <cs:lnRef idx="0">
+      <cs:styleClr val="auto"/>
+    </cs:lnRef>
+    <cs:fillRef idx="2">
+      <cs:styleClr val="auto"/>
+    </cs:fillRef>
+    <cs:effectRef idx="1"/>
+    <cs:fontRef idx="minor">
+      <a:schemeClr val="dk1"/>
+    </cs:fontRef>
+    <cs:spPr>
+      <a:ln w="9525" cap="flat" cmpd="sng" algn="ctr">
+        <a:solidFill>
+          <a:schemeClr val="phClr">
+            <a:shade val="95000"/>
+          </a:schemeClr>
+        </a:solidFill>
+        <a:round/>
+      </a:ln>
+    </cs:spPr>
+  </cs:dataPoint>
+  <cs:dataPoint3D>
+    <cs:lnRef idx="0">
+      <cs:styleClr val="auto"/>
+    </cs:lnRef>
+    <cs:fillRef idx="2">
+      <cs:styleClr val="auto"/>
+    </cs:fillRef>
+    <cs:effectRef idx="1"/>
+    <cs:fontRef idx="minor">
+      <a:schemeClr val="dk1"/>
+    </cs:fontRef>
+    <cs:spPr>
+      <a:ln w="9525" cap="flat" cmpd="sng" algn="ctr">
+        <a:solidFill>
+          <a:schemeClr val="phClr">
+            <a:shade val="95000"/>
+          </a:schemeClr>
+        </a:solidFill>
+        <a:round/>
+      </a:ln>
+    </cs:spPr>
+  </cs:dataPoint3D>
+  <cs:dataPointLine>
+    <cs:lnRef idx="0">
+      <cs:styleClr val="auto"/>
+    </cs:lnRef>
+    <cs:fillRef idx="2"/>
+    <cs:effectRef idx="1"/>
+    <cs:fontRef idx="minor">
+      <a:schemeClr val="dk1"/>
+    </cs:fontRef>
+    <cs:spPr>
+      <a:ln w="9525" cap="flat" cmpd="sng" algn="ctr">
+        <a:solidFill>
+          <a:schemeClr val="phClr">
+            <a:alpha val="70000"/>
+          </a:schemeClr>
+        </a:solidFill>
+        <a:prstDash val="sysDot"/>
+        <a:round/>
+      </a:ln>
+    </cs:spPr>
+  </cs:dataPointLine>
+  <cs:dataPointMarker>
+    <cs:lnRef idx="0">
+      <cs:styleClr val="auto"/>
+    </cs:lnRef>
+    <cs:fillRef idx="2">
+      <cs:styleClr val="auto"/>
+    </cs:fillRef>
+    <cs:effectRef idx="1"/>
+    <cs:fontRef idx="minor">
+      <a:schemeClr val="dk1"/>
+    </cs:fontRef>
+    <cs:spPr>
+      <a:ln w="9525" cap="flat" cmpd="sng" algn="ctr">
+        <a:solidFill>
+          <a:schemeClr val="phClr">
+            <a:shade val="95000"/>
+          </a:schemeClr>
+        </a:solidFill>
+        <a:round/>
+      </a:ln>
+    </cs:spPr>
+  </cs:dataPointMarker>
+  <cs:dataPointMarkerLayout symbol="circle" size="5"/>
+  <cs:dataPointWireframe>
+    <cs:lnRef idx="0">
+      <cs:styleClr val="auto"/>
+    </cs:lnRef>
+    <cs:fillRef idx="0"/>
+    <cs:effectRef idx="0"/>
+    <cs:fontRef idx="minor">
+      <a:schemeClr val="dk1"/>
+    </cs:fontRef>
+    <cs:spPr>
+      <a:ln w="9525" cap="rnd">
+        <a:solidFill>
+          <a:schemeClr val="phClr"/>
+        </a:solidFill>
+        <a:round/>
+      </a:ln>
+    </cs:spPr>
+  </cs:dataPointWireframe>
+  <cs:dataTable>
+    <cs:lnRef idx="0"/>
+    <cs:fillRef idx="0"/>
+    <cs:effectRef idx="0"/>
+    <cs:fontRef idx="minor">
+      <a:schemeClr val="dk1">
+        <a:lumMod val="65000"/>
+        <a:lumOff val="35000"/>
+      </a:schemeClr>
+    </cs:fontRef>
+    <cs:spPr>
+      <a:ln w="9525" cap="rnd">
+        <a:solidFill>
+          <a:schemeClr val="dk1">
+            <a:lumMod val="15000"/>
+            <a:lumOff val="85000"/>
+          </a:schemeClr>
+        </a:solidFill>
+        <a:round/>
+      </a:ln>
+    </cs:spPr>
+    <cs:defRPr sz="1197" kern="1200"/>
+  </cs:dataTable>
+  <cs:downBar>
+    <cs:lnRef idx="0"/>
+    <cs:fillRef idx="0"/>
+    <cs:effectRef idx="0"/>
+    <cs:fontRef idx="minor">
+      <a:schemeClr val="dk1"/>
+    </cs:fontRef>
+    <cs:spPr>
+      <a:solidFill>
+        <a:schemeClr val="dk1">
+          <a:lumMod val="75000"/>
+          <a:lumOff val="25000"/>
+        </a:schemeClr>
+      </a:solidFill>
+      <a:ln w="9525" cap="rnd">
+        <a:solidFill>
+          <a:schemeClr val="dk1">
+            <a:lumMod val="65000"/>
+            <a:lumOff val="35000"/>
+          </a:schemeClr>
+        </a:solidFill>
+        <a:round/>
+      </a:ln>
+    </cs:spPr>
+  </cs:downBar>
+  <cs:dropLine>
+    <cs:lnRef idx="0"/>
+    <cs:fillRef idx="0"/>
+    <cs:effectRef idx="0"/>
+    <cs:fontRef idx="minor">
+      <a:schemeClr val="dk1"/>
+    </cs:fontRef>
+    <cs:spPr>
+      <a:ln w="9525" cap="rnd">
+        <a:solidFill>
+          <a:schemeClr val="dk1">
+            <a:lumMod val="35000"/>
+            <a:lumOff val="65000"/>
+          </a:schemeClr>
+        </a:solidFill>
+        <a:round/>
+      </a:ln>
+    </cs:spPr>
+  </cs:dropLine>
+  <cs:errorBar>
+    <cs:lnRef idx="0"/>
+    <cs:fillRef idx="0"/>
+    <cs:effectRef idx="0"/>
+    <cs:fontRef idx="minor">
+      <a:schemeClr val="dk1"/>
+    </cs:fontRef>
+    <cs:spPr>
+      <a:ln w="9525" cap="rnd">
+        <a:solidFill>
+          <a:schemeClr val="dk1">
+            <a:lumMod val="65000"/>
+            <a:lumOff val="35000"/>
+          </a:schemeClr>
+        </a:solidFill>
+        <a:round/>
+      </a:ln>
+    </cs:spPr>
+  </cs:errorBar>
+  <cs:floor>
+    <cs:lnRef idx="0"/>
+    <cs:fillRef idx="0"/>
+    <cs:effectRef idx="0"/>
+    <cs:fontRef idx="minor">
+      <a:schemeClr val="dk1"/>
+    </cs:fontRef>
+  </cs:floor>
+  <cs:gridlineMajor>
+    <cs:lnRef idx="0"/>
+    <cs:fillRef idx="0"/>
+    <cs:effectRef idx="0"/>
+    <cs:fontRef idx="minor">
+      <a:schemeClr val="dk1"/>
+    </cs:fontRef>
+    <cs:spPr>
+      <a:ln w="9525" cap="flat" cmpd="sng" algn="ctr">
+        <a:solidFill>
+          <a:schemeClr val="dk1">
+            <a:lumMod val="15000"/>
+            <a:lumOff val="85000"/>
+          </a:schemeClr>
+        </a:solidFill>
+        <a:round/>
+      </a:ln>
+    </cs:spPr>
+  </cs:gridlineMajor>
+  <cs:gridlineMinor>
+    <cs:lnRef idx="0"/>
+    <cs:fillRef idx="0"/>
+    <cs:effectRef idx="0"/>
+    <cs:fontRef idx="minor">
+      <a:schemeClr val="dk1"/>
+    </cs:fontRef>
+    <cs:spPr>
+      <a:ln w="9525" cap="flat" cmpd="sng" algn="ctr">
+        <a:solidFill>
+          <a:schemeClr val="dk1">
+            <a:lumMod val="5000"/>
+            <a:lumOff val="95000"/>
+          </a:schemeClr>
+        </a:solidFill>
+        <a:round/>
+      </a:ln>
+    </cs:spPr>
+  </cs:gridlineMinor>
+  <cs:hiLoLine>
+    <cs:lnRef idx="0"/>
+    <cs:fillRef idx="0"/>
+    <cs:effectRef idx="0"/>
+    <cs:fontRef idx="minor">
+      <a:schemeClr val="dk1"/>
+    </cs:fontRef>
+    <cs:spPr>
+      <a:ln w="9525" cap="rnd">
+        <a:solidFill>
+          <a:schemeClr val="dk1">
+            <a:lumMod val="35000"/>
+            <a:lumOff val="65000"/>
+          </a:schemeClr>
+        </a:solidFill>
+        <a:round/>
+      </a:ln>
+    </cs:spPr>
+  </cs:hiLoLine>
+  <cs:leaderLine>
+    <cs:lnRef idx="0"/>
+    <cs:fillRef idx="0"/>
+    <cs:effectRef idx="0"/>
+    <cs:fontRef idx="minor">
+      <a:schemeClr val="dk1"/>
+    </cs:fontRef>
+    <cs:spPr>
+      <a:ln w="9525" cap="rnd">
+        <a:solidFill>
+          <a:schemeClr val="dk1">
+            <a:lumMod val="35000"/>
+            <a:lumOff val="65000"/>
+          </a:schemeClr>
+        </a:solidFill>
+        <a:round/>
+      </a:ln>
+    </cs:spPr>
+  </cs:leaderLine>
+  <cs:legend>
+    <cs:lnRef idx="0"/>
+    <cs:fillRef idx="0"/>
+    <cs:effectRef idx="0"/>
+    <cs:fontRef idx="minor">
+      <a:schemeClr val="dk1">
+        <a:lumMod val="65000"/>
+        <a:lumOff val="35000"/>
+      </a:schemeClr>
+    </cs:fontRef>
+    <cs:defRPr sz="1197" kern="1200" spc="0" baseline="0"/>
+  </cs:legend>
+  <cs:plotArea>
+    <cs:lnRef idx="0"/>
+    <cs:fillRef idx="0"/>
+    <cs:effectRef idx="0"/>
+    <cs:fontRef idx="minor">
+      <a:schemeClr val="dk1"/>
+    </cs:fontRef>
+    <cs:spPr>
+      <a:gradFill>
+        <a:gsLst>
+          <a:gs pos="100000">
+            <a:schemeClr val="lt1">
+              <a:lumMod val="95000"/>
+            </a:schemeClr>
+          </a:gs>
+          <a:gs pos="0">
+            <a:schemeClr val="lt1">
+              <a:alpha val="0"/>
+            </a:schemeClr>
+          </a:gs>
+        </a:gsLst>
+        <a:lin ang="5400000" scaled="0"/>
+      </a:gradFill>
+    </cs:spPr>
+  </cs:plotArea>
+  <cs:plotArea3D>
+    <cs:lnRef idx="0"/>
+    <cs:fillRef idx="0"/>
+    <cs:effectRef idx="0"/>
+    <cs:fontRef idx="minor">
+      <a:schemeClr val="dk1"/>
+    </cs:fontRef>
+  </cs:plotArea3D>
+  <cs:seriesAxis>
+    <cs:lnRef idx="0"/>
+    <cs:fillRef idx="0"/>
+    <cs:effectRef idx="0"/>
+    <cs:fontRef idx="minor">
+      <a:schemeClr val="dk1">
+        <a:lumMod val="65000"/>
+        <a:lumOff val="35000"/>
+      </a:schemeClr>
+    </cs:fontRef>
+    <cs:spPr>
+      <a:ln w="9525" cap="rnd">
+        <a:solidFill>
+          <a:schemeClr val="dk1">
+            <a:lumMod val="20000"/>
+            <a:lumOff val="80000"/>
+          </a:schemeClr>
+        </a:solidFill>
+        <a:round/>
+      </a:ln>
+    </cs:spPr>
+    <cs:defRPr sz="1197" kern="1200"/>
+  </cs:seriesAxis>
+  <cs:seriesLine>
+    <cs:lnRef idx="0"/>
+    <cs:fillRef idx="0"/>
+    <cs:effectRef idx="0"/>
+    <cs:fontRef idx="minor">
+      <a:schemeClr val="dk1"/>
+    </cs:fontRef>
+    <cs:spPr>
+      <a:ln w="9525" cap="rnd">
+        <a:solidFill>
+          <a:schemeClr val="dk1">
+            <a:lumMod val="35000"/>
+            <a:lumOff val="65000"/>
+          </a:schemeClr>
+        </a:solidFill>
+        <a:round/>
+      </a:ln>
+    </cs:spPr>
+  </cs:seriesLine>
+  <cs:title>
+    <cs:lnRef idx="0"/>
+    <cs:fillRef idx="0"/>
+    <cs:effectRef idx="0"/>
+    <cs:fontRef idx="minor">
+      <a:schemeClr val="dk1">
+        <a:lumMod val="50000"/>
+        <a:lumOff val="50000"/>
+      </a:schemeClr>
+    </cs:fontRef>
+    <cs:defRPr sz="1862" kern="1200" cap="none" spc="20" baseline="0"/>
+  </cs:title>
+  <cs:trendline>
+    <cs:lnRef idx="0">
+      <cs:styleClr val="auto"/>
+    </cs:lnRef>
+    <cs:fillRef idx="0"/>
+    <cs:effectRef idx="0"/>
+    <cs:fontRef idx="minor">
+      <a:schemeClr val="dk1"/>
+    </cs:fontRef>
+    <cs:spPr>
+      <a:ln w="9525" cap="rnd">
+        <a:solidFill>
+          <a:schemeClr val="phClr"/>
+        </a:solidFill>
+      </a:ln>
+    </cs:spPr>
+  </cs:trendline>
+  <cs:trendlineLabel>
+    <cs:lnRef idx="0"/>
+    <cs:fillRef idx="0"/>
+    <cs:effectRef idx="0"/>
+    <cs:fontRef idx="minor">
+      <a:schemeClr val="dk1">
+        <a:lumMod val="65000"/>
+        <a:lumOff val="35000"/>
+      </a:schemeClr>
+    </cs:fontRef>
+    <cs:defRPr sz="1197" kern="1200"/>
+  </cs:trendlineLabel>
+  <cs:upBar>
+    <cs:lnRef idx="0"/>
+    <cs:fillRef idx="0"/>
+    <cs:effectRef idx="0"/>
+    <cs:fontRef idx="minor">
+      <a:schemeClr val="dk1"/>
+    </cs:fontRef>
+    <cs:spPr>
+      <a:solidFill>
+        <a:schemeClr val="lt1"/>
+      </a:solidFill>
+    </cs:spPr>
+  </cs:upBar>
+  <cs:valueAxis>
+    <cs:lnRef idx="0"/>
+    <cs:fillRef idx="0"/>
+    <cs:effectRef idx="0"/>
+    <cs:fontRef idx="minor">
+      <a:schemeClr val="dk1">
+        <a:lumMod val="65000"/>
+        <a:lumOff val="35000"/>
+      </a:schemeClr>
+    </cs:fontRef>
+    <cs:spPr>
+      <a:ln w="9525" cap="rnd">
+        <a:solidFill>
+          <a:schemeClr val="dk1">
+            <a:lumMod val="25000"/>
+            <a:lumOff val="75000"/>
+          </a:schemeClr>
+        </a:solidFill>
+        <a:round/>
+      </a:ln>
+    </cs:spPr>
+    <cs:defRPr sz="1197" kern="1200" spc="0" baseline="0"/>
+  </cs:valueAxis>
+  <cs:wall>
+    <cs:lnRef idx="0"/>
+    <cs:fillRef idx="0"/>
+    <cs:effectRef idx="0"/>
+    <cs:fontRef idx="minor">
+      <a:schemeClr val="dk1"/>
+    </cs:fontRef>
+  </cs:wall>
+</cs:chartStyle>
 </file>
 
 <file path=ppt/slideLayouts/slideLayout1.xml><?xml version="1.0" encoding="utf-8"?>
@@ -4402,7 +10081,7 @@
           <a:p>
             <a:fld id="{A8DD40A0-23FC-4217-B89E-06EA2A897EA8}" type="datetimeFigureOut">
               <a:rPr lang="en-US" smtClean="0"/>
-              <a:t>12/6/2016</a:t>
+              <a:t>12/11/2016</a:t>
             </a:fld>
             <a:endParaRPr lang="en-US"/>
           </a:p>
@@ -4669,7 +10348,7 @@
           <a:p>
             <a:fld id="{A8DD40A0-23FC-4217-B89E-06EA2A897EA8}" type="datetimeFigureOut">
               <a:rPr lang="en-US" smtClean="0"/>
-              <a:t>12/6/2016</a:t>
+              <a:t>12/11/2016</a:t>
             </a:fld>
             <a:endParaRPr lang="en-US"/>
           </a:p>
@@ -4865,7 +10544,7 @@
           <a:p>
             <a:fld id="{A8DD40A0-23FC-4217-B89E-06EA2A897EA8}" type="datetimeFigureOut">
               <a:rPr lang="en-US" smtClean="0"/>
-              <a:t>12/6/2016</a:t>
+              <a:t>12/11/2016</a:t>
             </a:fld>
             <a:endParaRPr lang="en-US"/>
           </a:p>
@@ -5128,7 +10807,7 @@
           <a:p>
             <a:fld id="{A8DD40A0-23FC-4217-B89E-06EA2A897EA8}" type="datetimeFigureOut">
               <a:rPr lang="en-US" smtClean="0"/>
-              <a:t>12/6/2016</a:t>
+              <a:t>12/11/2016</a:t>
             </a:fld>
             <a:endParaRPr lang="en-US"/>
           </a:p>
@@ -5562,7 +11241,7 @@
           <a:p>
             <a:fld id="{A8DD40A0-23FC-4217-B89E-06EA2A897EA8}" type="datetimeFigureOut">
               <a:rPr lang="en-US" smtClean="0"/>
-              <a:t>12/6/2016</a:t>
+              <a:t>12/11/2016</a:t>
             </a:fld>
             <a:endParaRPr lang="en-US"/>
           </a:p>
@@ -6108,7 +11787,7 @@
           <a:p>
             <a:fld id="{A8DD40A0-23FC-4217-B89E-06EA2A897EA8}" type="datetimeFigureOut">
               <a:rPr lang="en-US" smtClean="0"/>
-              <a:t>12/6/2016</a:t>
+              <a:t>12/11/2016</a:t>
             </a:fld>
             <a:endParaRPr lang="en-US"/>
           </a:p>
@@ -6828,7 +12507,7 @@
           <a:p>
             <a:fld id="{A8DD40A0-23FC-4217-B89E-06EA2A897EA8}" type="datetimeFigureOut">
               <a:rPr lang="en-US" smtClean="0"/>
-              <a:t>12/6/2016</a:t>
+              <a:t>12/11/2016</a:t>
             </a:fld>
             <a:endParaRPr lang="en-US"/>
           </a:p>
@@ -6998,7 +12677,7 @@
           <a:p>
             <a:fld id="{A8DD40A0-23FC-4217-B89E-06EA2A897EA8}" type="datetimeFigureOut">
               <a:rPr lang="en-US" smtClean="0"/>
-              <a:t>12/6/2016</a:t>
+              <a:t>12/11/2016</a:t>
             </a:fld>
             <a:endParaRPr lang="en-US"/>
           </a:p>
@@ -7178,7 +12857,7 @@
           <a:p>
             <a:fld id="{A8DD40A0-23FC-4217-B89E-06EA2A897EA8}" type="datetimeFigureOut">
               <a:rPr lang="en-US" smtClean="0"/>
-              <a:t>12/6/2016</a:t>
+              <a:t>12/11/2016</a:t>
             </a:fld>
             <a:endParaRPr lang="en-US"/>
           </a:p>
@@ -7348,7 +13027,7 @@
           <a:p>
             <a:fld id="{A8DD40A0-23FC-4217-B89E-06EA2A897EA8}" type="datetimeFigureOut">
               <a:rPr lang="en-US" smtClean="0"/>
-              <a:t>12/6/2016</a:t>
+              <a:t>12/11/2016</a:t>
             </a:fld>
             <a:endParaRPr lang="en-US"/>
           </a:p>
@@ -7598,7 +13277,7 @@
           <a:p>
             <a:fld id="{A8DD40A0-23FC-4217-B89E-06EA2A897EA8}" type="datetimeFigureOut">
               <a:rPr lang="en-US" smtClean="0"/>
-              <a:t>12/6/2016</a:t>
+              <a:t>12/11/2016</a:t>
             </a:fld>
             <a:endParaRPr lang="en-US"/>
           </a:p>
@@ -7830,7 +13509,7 @@
           <a:p>
             <a:fld id="{A8DD40A0-23FC-4217-B89E-06EA2A897EA8}" type="datetimeFigureOut">
               <a:rPr lang="en-US" smtClean="0"/>
-              <a:t>12/6/2016</a:t>
+              <a:t>12/11/2016</a:t>
             </a:fld>
             <a:endParaRPr lang="en-US"/>
           </a:p>
@@ -8211,7 +13890,7 @@
           <a:p>
             <a:fld id="{A8DD40A0-23FC-4217-B89E-06EA2A897EA8}" type="datetimeFigureOut">
               <a:rPr lang="en-US" smtClean="0"/>
-              <a:t>12/6/2016</a:t>
+              <a:t>12/11/2016</a:t>
             </a:fld>
             <a:endParaRPr lang="en-US"/>
           </a:p>
@@ -8329,7 +14008,7 @@
           <a:p>
             <a:fld id="{A8DD40A0-23FC-4217-B89E-06EA2A897EA8}" type="datetimeFigureOut">
               <a:rPr lang="en-US" smtClean="0"/>
-              <a:t>12/6/2016</a:t>
+              <a:t>12/11/2016</a:t>
             </a:fld>
             <a:endParaRPr lang="en-US"/>
           </a:p>
@@ -8424,7 +14103,7 @@
           <a:p>
             <a:fld id="{A8DD40A0-23FC-4217-B89E-06EA2A897EA8}" type="datetimeFigureOut">
               <a:rPr lang="en-US" smtClean="0"/>
-              <a:t>12/6/2016</a:t>
+              <a:t>12/11/2016</a:t>
             </a:fld>
             <a:endParaRPr lang="en-US"/>
           </a:p>
@@ -8673,7 +14352,7 @@
           <a:p>
             <a:fld id="{A8DD40A0-23FC-4217-B89E-06EA2A897EA8}" type="datetimeFigureOut">
               <a:rPr lang="en-US" smtClean="0"/>
-              <a:t>12/6/2016</a:t>
+              <a:t>12/11/2016</a:t>
             </a:fld>
             <a:endParaRPr lang="en-US"/>
           </a:p>
@@ -8953,7 +14632,7 @@
           <a:p>
             <a:fld id="{A8DD40A0-23FC-4217-B89E-06EA2A897EA8}" type="datetimeFigureOut">
               <a:rPr lang="en-US" smtClean="0"/>
-              <a:t>12/6/2016</a:t>
+              <a:t>12/11/2016</a:t>
             </a:fld>
             <a:endParaRPr lang="en-US"/>
           </a:p>
@@ -12030,7 +17709,7 @@
           <a:p>
             <a:fld id="{A8DD40A0-23FC-4217-B89E-06EA2A897EA8}" type="datetimeFigureOut">
               <a:rPr lang="en-US" smtClean="0"/>
-              <a:t>12/6/2016</a:t>
+              <a:t>12/11/2016</a:t>
             </a:fld>
             <a:endParaRPr lang="en-US"/>
           </a:p>
@@ -12713,7 +18392,794 @@
       </p:sp>
       <p:sp>
         <p:nvSpPr>
-          <p:cNvPr id="3" name="Content Placeholder 2"/>
+          <p:cNvPr id="5" name="Rectangle 4"/>
+          <p:cNvSpPr/>
+          <p:nvPr/>
+        </p:nvSpPr>
+        <p:spPr>
+          <a:xfrm>
+            <a:off x="1701800" y="1844040"/>
+            <a:ext cx="624840" cy="4160520"/>
+          </a:xfrm>
+          <a:prstGeom prst="rect">
+            <a:avLst/>
+          </a:prstGeom>
+        </p:spPr>
+        <p:style>
+          <a:lnRef idx="2">
+            <a:schemeClr val="accent1">
+              <a:shade val="50000"/>
+            </a:schemeClr>
+          </a:lnRef>
+          <a:fillRef idx="1">
+            <a:schemeClr val="accent1"/>
+          </a:fillRef>
+          <a:effectRef idx="0">
+            <a:schemeClr val="accent1"/>
+          </a:effectRef>
+          <a:fontRef idx="minor">
+            <a:schemeClr val="lt1"/>
+          </a:fontRef>
+        </p:style>
+        <p:txBody>
+          <a:bodyPr rtlCol="0" anchor="ctr"/>
+          <a:lstStyle/>
+          <a:p>
+            <a:pPr algn="ctr"/>
+            <a:r>
+              <a:rPr lang="en-US" dirty="0"/>
+              <a:t>128x 128 x</a:t>
+            </a:r>
+          </a:p>
+          <a:p>
+            <a:pPr algn="ctr"/>
+            <a:r>
+              <a:rPr lang="en-US" dirty="0"/>
+              <a:t>3</a:t>
+            </a:r>
+          </a:p>
+        </p:txBody>
+      </p:sp>
+      <p:pic>
+        <p:nvPicPr>
+          <p:cNvPr id="6" name="Picture 5"/>
+          <p:cNvPicPr>
+            <a:picLocks noChangeAspect="1"/>
+          </p:cNvPicPr>
+          <p:nvPr/>
+        </p:nvPicPr>
+        <p:blipFill>
+          <a:blip r:embed="rId2">
+            <a:extLst>
+              <a:ext uri="{28A0092B-C50C-407E-A947-70E740481C1C}">
+                <a14:useLocalDpi xmlns:a14="http://schemas.microsoft.com/office/drawing/2010/main" val="0"/>
+              </a:ext>
+            </a:extLst>
+          </a:blip>
+          <a:stretch>
+            <a:fillRect/>
+          </a:stretch>
+        </p:blipFill>
+        <p:spPr>
+          <a:xfrm>
+            <a:off x="251904" y="3172460"/>
+            <a:ext cx="1219200" cy="1219200"/>
+          </a:xfrm>
+          <a:prstGeom prst="rect">
+            <a:avLst/>
+          </a:prstGeom>
+        </p:spPr>
+      </p:pic>
+      <p:sp>
+        <p:nvSpPr>
+          <p:cNvPr id="7" name="Rectangle 6"/>
+          <p:cNvSpPr/>
+          <p:nvPr/>
+        </p:nvSpPr>
+        <p:spPr>
+          <a:xfrm>
+            <a:off x="3681155" y="2097088"/>
+            <a:ext cx="624840" cy="3639820"/>
+          </a:xfrm>
+          <a:prstGeom prst="rect">
+            <a:avLst/>
+          </a:prstGeom>
+        </p:spPr>
+        <p:style>
+          <a:lnRef idx="2">
+            <a:schemeClr val="accent1">
+              <a:shade val="50000"/>
+            </a:schemeClr>
+          </a:lnRef>
+          <a:fillRef idx="1">
+            <a:schemeClr val="accent1"/>
+          </a:fillRef>
+          <a:effectRef idx="0">
+            <a:schemeClr val="accent1"/>
+          </a:effectRef>
+          <a:fontRef idx="minor">
+            <a:schemeClr val="lt1"/>
+          </a:fontRef>
+        </p:style>
+        <p:txBody>
+          <a:bodyPr rtlCol="0" anchor="ctr"/>
+          <a:lstStyle/>
+          <a:p>
+            <a:pPr algn="ctr"/>
+            <a:r>
+              <a:rPr lang="en-US" dirty="0"/>
+              <a:t>64</a:t>
+            </a:r>
+          </a:p>
+          <a:p>
+            <a:pPr algn="ctr"/>
+            <a:r>
+              <a:rPr lang="en-US" dirty="0"/>
+              <a:t>X</a:t>
+            </a:r>
+          </a:p>
+          <a:p>
+            <a:pPr algn="ctr"/>
+            <a:r>
+              <a:rPr lang="en-US" dirty="0"/>
+              <a:t>64</a:t>
+            </a:r>
+          </a:p>
+          <a:p>
+            <a:pPr algn="ctr"/>
+            <a:r>
+              <a:rPr lang="en-US" dirty="0"/>
+              <a:t>X</a:t>
+            </a:r>
+          </a:p>
+          <a:p>
+            <a:pPr algn="ctr"/>
+            <a:r>
+              <a:rPr lang="en-US" dirty="0"/>
+              <a:t>64</a:t>
+            </a:r>
+          </a:p>
+        </p:txBody>
+      </p:sp>
+      <p:sp>
+        <p:nvSpPr>
+          <p:cNvPr id="8" name="Rectangle 7"/>
+          <p:cNvSpPr/>
+          <p:nvPr/>
+        </p:nvSpPr>
+        <p:spPr>
+          <a:xfrm>
+            <a:off x="5585259" y="2481898"/>
+            <a:ext cx="624840" cy="2870200"/>
+          </a:xfrm>
+          <a:prstGeom prst="rect">
+            <a:avLst/>
+          </a:prstGeom>
+        </p:spPr>
+        <p:style>
+          <a:lnRef idx="2">
+            <a:schemeClr val="accent1">
+              <a:shade val="50000"/>
+            </a:schemeClr>
+          </a:lnRef>
+          <a:fillRef idx="1">
+            <a:schemeClr val="accent1"/>
+          </a:fillRef>
+          <a:effectRef idx="0">
+            <a:schemeClr val="accent1"/>
+          </a:effectRef>
+          <a:fontRef idx="minor">
+            <a:schemeClr val="lt1"/>
+          </a:fontRef>
+        </p:style>
+        <p:txBody>
+          <a:bodyPr rtlCol="0" anchor="ctr"/>
+          <a:lstStyle/>
+          <a:p>
+            <a:pPr algn="ctr"/>
+            <a:r>
+              <a:rPr lang="en-US" dirty="0"/>
+              <a:t>32</a:t>
+            </a:r>
+          </a:p>
+          <a:p>
+            <a:pPr algn="ctr"/>
+            <a:r>
+              <a:rPr lang="en-US" dirty="0"/>
+              <a:t>X</a:t>
+            </a:r>
+          </a:p>
+          <a:p>
+            <a:pPr algn="ctr"/>
+            <a:r>
+              <a:rPr lang="en-US" dirty="0"/>
+              <a:t>32</a:t>
+            </a:r>
+          </a:p>
+          <a:p>
+            <a:pPr algn="ctr"/>
+            <a:r>
+              <a:rPr lang="en-US" dirty="0"/>
+              <a:t>X</a:t>
+            </a:r>
+          </a:p>
+          <a:p>
+            <a:pPr algn="ctr"/>
+            <a:r>
+              <a:rPr lang="en-US" dirty="0"/>
+              <a:t>64</a:t>
+            </a:r>
+          </a:p>
+        </p:txBody>
+      </p:sp>
+      <p:sp>
+        <p:nvSpPr>
+          <p:cNvPr id="9" name="Rectangle 8"/>
+          <p:cNvSpPr/>
+          <p:nvPr/>
+        </p:nvSpPr>
+        <p:spPr>
+          <a:xfrm>
+            <a:off x="7535185" y="2727960"/>
+            <a:ext cx="624840" cy="2108200"/>
+          </a:xfrm>
+          <a:prstGeom prst="rect">
+            <a:avLst/>
+          </a:prstGeom>
+        </p:spPr>
+        <p:style>
+          <a:lnRef idx="2">
+            <a:schemeClr val="accent1">
+              <a:shade val="50000"/>
+            </a:schemeClr>
+          </a:lnRef>
+          <a:fillRef idx="1">
+            <a:schemeClr val="accent1"/>
+          </a:fillRef>
+          <a:effectRef idx="0">
+            <a:schemeClr val="accent1"/>
+          </a:effectRef>
+          <a:fontRef idx="minor">
+            <a:schemeClr val="lt1"/>
+          </a:fontRef>
+        </p:style>
+        <p:txBody>
+          <a:bodyPr rtlCol="0" anchor="ctr"/>
+          <a:lstStyle/>
+          <a:p>
+            <a:pPr algn="ctr"/>
+            <a:r>
+              <a:rPr lang="en-US" dirty="0"/>
+              <a:t>16</a:t>
+            </a:r>
+          </a:p>
+          <a:p>
+            <a:pPr algn="ctr"/>
+            <a:r>
+              <a:rPr lang="en-US" dirty="0"/>
+              <a:t>X</a:t>
+            </a:r>
+          </a:p>
+          <a:p>
+            <a:pPr algn="ctr"/>
+            <a:r>
+              <a:rPr lang="en-US" dirty="0"/>
+              <a:t>16</a:t>
+            </a:r>
+          </a:p>
+          <a:p>
+            <a:pPr algn="ctr"/>
+            <a:r>
+              <a:rPr lang="en-US" dirty="0"/>
+              <a:t>X</a:t>
+            </a:r>
+          </a:p>
+          <a:p>
+            <a:pPr algn="ctr"/>
+            <a:r>
+              <a:rPr lang="en-US" dirty="0"/>
+              <a:t>64</a:t>
+            </a:r>
+          </a:p>
+        </p:txBody>
+      </p:sp>
+      <p:sp>
+        <p:nvSpPr>
+          <p:cNvPr id="10" name="Rectangle 9"/>
+          <p:cNvSpPr/>
+          <p:nvPr/>
+        </p:nvSpPr>
+        <p:spPr>
+          <a:xfrm>
+            <a:off x="2326640" y="1844040"/>
+            <a:ext cx="375920" cy="4160520"/>
+          </a:xfrm>
+          <a:prstGeom prst="rect">
+            <a:avLst/>
+          </a:prstGeom>
+          <a:solidFill>
+            <a:schemeClr val="accent3">
+              <a:lumMod val="60000"/>
+              <a:lumOff val="40000"/>
+            </a:schemeClr>
+          </a:solidFill>
+        </p:spPr>
+        <p:style>
+          <a:lnRef idx="2">
+            <a:schemeClr val="accent1">
+              <a:shade val="50000"/>
+            </a:schemeClr>
+          </a:lnRef>
+          <a:fillRef idx="1">
+            <a:schemeClr val="accent1"/>
+          </a:fillRef>
+          <a:effectRef idx="0">
+            <a:schemeClr val="accent1"/>
+          </a:effectRef>
+          <a:fontRef idx="minor">
+            <a:schemeClr val="lt1"/>
+          </a:fontRef>
+        </p:style>
+        <p:txBody>
+          <a:bodyPr rtlCol="0" anchor="ctr"/>
+          <a:lstStyle/>
+          <a:p>
+            <a:pPr algn="ctr"/>
+            <a:r>
+              <a:rPr lang="en-US" dirty="0"/>
+              <a:t>RE</a:t>
+            </a:r>
+          </a:p>
+          <a:p>
+            <a:pPr algn="ctr"/>
+            <a:r>
+              <a:rPr lang="en-US" dirty="0"/>
+              <a:t>LU</a:t>
+            </a:r>
+          </a:p>
+        </p:txBody>
+      </p:sp>
+      <p:sp>
+        <p:nvSpPr>
+          <p:cNvPr id="12" name="Rectangle 11"/>
+          <p:cNvSpPr/>
+          <p:nvPr/>
+        </p:nvSpPr>
+        <p:spPr>
+          <a:xfrm>
+            <a:off x="4295835" y="2097088"/>
+            <a:ext cx="375920" cy="3639820"/>
+          </a:xfrm>
+          <a:prstGeom prst="rect">
+            <a:avLst/>
+          </a:prstGeom>
+          <a:solidFill>
+            <a:schemeClr val="accent3">
+              <a:lumMod val="60000"/>
+              <a:lumOff val="40000"/>
+            </a:schemeClr>
+          </a:solidFill>
+        </p:spPr>
+        <p:style>
+          <a:lnRef idx="2">
+            <a:schemeClr val="accent1">
+              <a:shade val="50000"/>
+            </a:schemeClr>
+          </a:lnRef>
+          <a:fillRef idx="1">
+            <a:schemeClr val="accent1"/>
+          </a:fillRef>
+          <a:effectRef idx="0">
+            <a:schemeClr val="accent1"/>
+          </a:effectRef>
+          <a:fontRef idx="minor">
+            <a:schemeClr val="lt1"/>
+          </a:fontRef>
+        </p:style>
+        <p:txBody>
+          <a:bodyPr rtlCol="0" anchor="ctr"/>
+          <a:lstStyle/>
+          <a:p>
+            <a:pPr algn="ctr"/>
+            <a:r>
+              <a:rPr lang="en-US" dirty="0"/>
+              <a:t>RE</a:t>
+            </a:r>
+          </a:p>
+          <a:p>
+            <a:pPr algn="ctr"/>
+            <a:r>
+              <a:rPr lang="en-US" dirty="0"/>
+              <a:t>LU</a:t>
+            </a:r>
+          </a:p>
+        </p:txBody>
+      </p:sp>
+      <p:sp>
+        <p:nvSpPr>
+          <p:cNvPr id="13" name="Rectangle 12"/>
+          <p:cNvSpPr/>
+          <p:nvPr/>
+        </p:nvSpPr>
+        <p:spPr>
+          <a:xfrm>
+            <a:off x="6220259" y="2481898"/>
+            <a:ext cx="375920" cy="2870200"/>
+          </a:xfrm>
+          <a:prstGeom prst="rect">
+            <a:avLst/>
+          </a:prstGeom>
+          <a:solidFill>
+            <a:schemeClr val="accent3">
+              <a:lumMod val="60000"/>
+              <a:lumOff val="40000"/>
+            </a:schemeClr>
+          </a:solidFill>
+        </p:spPr>
+        <p:style>
+          <a:lnRef idx="2">
+            <a:schemeClr val="accent1">
+              <a:shade val="50000"/>
+            </a:schemeClr>
+          </a:lnRef>
+          <a:fillRef idx="1">
+            <a:schemeClr val="accent1"/>
+          </a:fillRef>
+          <a:effectRef idx="0">
+            <a:schemeClr val="accent1"/>
+          </a:effectRef>
+          <a:fontRef idx="minor">
+            <a:schemeClr val="lt1"/>
+          </a:fontRef>
+        </p:style>
+        <p:txBody>
+          <a:bodyPr rtlCol="0" anchor="ctr"/>
+          <a:lstStyle/>
+          <a:p>
+            <a:pPr algn="ctr"/>
+            <a:r>
+              <a:rPr lang="en-US" dirty="0"/>
+              <a:t>RE</a:t>
+            </a:r>
+          </a:p>
+          <a:p>
+            <a:pPr algn="ctr"/>
+            <a:r>
+              <a:rPr lang="en-US" dirty="0"/>
+              <a:t>LU</a:t>
+            </a:r>
+          </a:p>
+        </p:txBody>
+      </p:sp>
+      <p:sp>
+        <p:nvSpPr>
+          <p:cNvPr id="14" name="Rectangle 13"/>
+          <p:cNvSpPr/>
+          <p:nvPr/>
+        </p:nvSpPr>
+        <p:spPr>
+          <a:xfrm>
+            <a:off x="8160025" y="2727960"/>
+            <a:ext cx="375920" cy="2108200"/>
+          </a:xfrm>
+          <a:prstGeom prst="rect">
+            <a:avLst/>
+          </a:prstGeom>
+          <a:solidFill>
+            <a:schemeClr val="accent3">
+              <a:lumMod val="60000"/>
+              <a:lumOff val="40000"/>
+            </a:schemeClr>
+          </a:solidFill>
+        </p:spPr>
+        <p:style>
+          <a:lnRef idx="2">
+            <a:schemeClr val="accent1">
+              <a:shade val="50000"/>
+            </a:schemeClr>
+          </a:lnRef>
+          <a:fillRef idx="1">
+            <a:schemeClr val="accent1"/>
+          </a:fillRef>
+          <a:effectRef idx="0">
+            <a:schemeClr val="accent1"/>
+          </a:effectRef>
+          <a:fontRef idx="minor">
+            <a:schemeClr val="lt1"/>
+          </a:fontRef>
+        </p:style>
+        <p:txBody>
+          <a:bodyPr rtlCol="0" anchor="ctr"/>
+          <a:lstStyle/>
+          <a:p>
+            <a:pPr algn="ctr"/>
+            <a:r>
+              <a:rPr lang="en-US" dirty="0"/>
+              <a:t>RE</a:t>
+            </a:r>
+          </a:p>
+          <a:p>
+            <a:pPr algn="ctr"/>
+            <a:r>
+              <a:rPr lang="en-US" dirty="0"/>
+              <a:t>LU</a:t>
+            </a:r>
+          </a:p>
+        </p:txBody>
+      </p:sp>
+      <p:sp>
+        <p:nvSpPr>
+          <p:cNvPr id="15" name="Rectangle 14"/>
+          <p:cNvSpPr/>
+          <p:nvPr/>
+        </p:nvSpPr>
+        <p:spPr>
+          <a:xfrm>
+            <a:off x="2879488" y="3061336"/>
+            <a:ext cx="665480" cy="1254760"/>
+          </a:xfrm>
+          <a:prstGeom prst="rect">
+            <a:avLst/>
+          </a:prstGeom>
+          <a:solidFill>
+            <a:schemeClr val="accent2">
+              <a:lumMod val="75000"/>
+            </a:schemeClr>
+          </a:solidFill>
+        </p:spPr>
+        <p:style>
+          <a:lnRef idx="2">
+            <a:schemeClr val="accent1">
+              <a:shade val="50000"/>
+            </a:schemeClr>
+          </a:lnRef>
+          <a:fillRef idx="1">
+            <a:schemeClr val="accent1"/>
+          </a:fillRef>
+          <a:effectRef idx="0">
+            <a:schemeClr val="accent1"/>
+          </a:effectRef>
+          <a:fontRef idx="minor">
+            <a:schemeClr val="lt1"/>
+          </a:fontRef>
+        </p:style>
+        <p:txBody>
+          <a:bodyPr rtlCol="0" anchor="ctr"/>
+          <a:lstStyle/>
+          <a:p>
+            <a:pPr algn="ctr"/>
+            <a:r>
+              <a:rPr lang="en-US" dirty="0"/>
+              <a:t>Max Pool</a:t>
+            </a:r>
+          </a:p>
+          <a:p>
+            <a:pPr algn="ctr"/>
+            <a:r>
+              <a:rPr lang="en-US" dirty="0"/>
+              <a:t>2x2</a:t>
+            </a:r>
+          </a:p>
+        </p:txBody>
+      </p:sp>
+      <p:sp>
+        <p:nvSpPr>
+          <p:cNvPr id="24" name="Rectangle 23"/>
+          <p:cNvSpPr/>
+          <p:nvPr/>
+        </p:nvSpPr>
+        <p:spPr>
+          <a:xfrm>
+            <a:off x="4823159" y="3061336"/>
+            <a:ext cx="665480" cy="1254760"/>
+          </a:xfrm>
+          <a:prstGeom prst="rect">
+            <a:avLst/>
+          </a:prstGeom>
+          <a:solidFill>
+            <a:schemeClr val="accent2">
+              <a:lumMod val="75000"/>
+            </a:schemeClr>
+          </a:solidFill>
+        </p:spPr>
+        <p:style>
+          <a:lnRef idx="2">
+            <a:schemeClr val="accent1">
+              <a:shade val="50000"/>
+            </a:schemeClr>
+          </a:lnRef>
+          <a:fillRef idx="1">
+            <a:schemeClr val="accent1"/>
+          </a:fillRef>
+          <a:effectRef idx="0">
+            <a:schemeClr val="accent1"/>
+          </a:effectRef>
+          <a:fontRef idx="minor">
+            <a:schemeClr val="lt1"/>
+          </a:fontRef>
+        </p:style>
+        <p:txBody>
+          <a:bodyPr rtlCol="0" anchor="ctr"/>
+          <a:lstStyle/>
+          <a:p>
+            <a:pPr algn="ctr"/>
+            <a:r>
+              <a:rPr lang="en-US" dirty="0"/>
+              <a:t>Max Pool</a:t>
+            </a:r>
+          </a:p>
+          <a:p>
+            <a:pPr algn="ctr"/>
+            <a:r>
+              <a:rPr lang="en-US" dirty="0"/>
+              <a:t>2x2</a:t>
+            </a:r>
+          </a:p>
+        </p:txBody>
+      </p:sp>
+      <p:sp>
+        <p:nvSpPr>
+          <p:cNvPr id="25" name="Rectangle 24"/>
+          <p:cNvSpPr/>
+          <p:nvPr/>
+        </p:nvSpPr>
+        <p:spPr>
+          <a:xfrm>
+            <a:off x="6695417" y="3061336"/>
+            <a:ext cx="665480" cy="1254760"/>
+          </a:xfrm>
+          <a:prstGeom prst="rect">
+            <a:avLst/>
+          </a:prstGeom>
+          <a:solidFill>
+            <a:schemeClr val="accent2">
+              <a:lumMod val="75000"/>
+            </a:schemeClr>
+          </a:solidFill>
+        </p:spPr>
+        <p:style>
+          <a:lnRef idx="2">
+            <a:schemeClr val="accent1">
+              <a:shade val="50000"/>
+            </a:schemeClr>
+          </a:lnRef>
+          <a:fillRef idx="1">
+            <a:schemeClr val="accent1"/>
+          </a:fillRef>
+          <a:effectRef idx="0">
+            <a:schemeClr val="accent1"/>
+          </a:effectRef>
+          <a:fontRef idx="minor">
+            <a:schemeClr val="lt1"/>
+          </a:fontRef>
+        </p:style>
+        <p:txBody>
+          <a:bodyPr rtlCol="0" anchor="ctr"/>
+          <a:lstStyle/>
+          <a:p>
+            <a:pPr algn="ctr"/>
+            <a:r>
+              <a:rPr lang="en-US" dirty="0"/>
+              <a:t>Max Pool</a:t>
+            </a:r>
+          </a:p>
+          <a:p>
+            <a:pPr algn="ctr"/>
+            <a:r>
+              <a:rPr lang="en-US" dirty="0"/>
+              <a:t>2x2</a:t>
+            </a:r>
+          </a:p>
+        </p:txBody>
+      </p:sp>
+      <p:sp>
+        <p:nvSpPr>
+          <p:cNvPr id="26" name="Rectangle 25"/>
+          <p:cNvSpPr/>
+          <p:nvPr/>
+        </p:nvSpPr>
+        <p:spPr>
+          <a:xfrm>
+            <a:off x="8736705" y="3061336"/>
+            <a:ext cx="665480" cy="1254760"/>
+          </a:xfrm>
+          <a:prstGeom prst="rect">
+            <a:avLst/>
+          </a:prstGeom>
+          <a:solidFill>
+            <a:schemeClr val="accent2">
+              <a:lumMod val="75000"/>
+            </a:schemeClr>
+          </a:solidFill>
+        </p:spPr>
+        <p:style>
+          <a:lnRef idx="2">
+            <a:schemeClr val="accent1">
+              <a:shade val="50000"/>
+            </a:schemeClr>
+          </a:lnRef>
+          <a:fillRef idx="1">
+            <a:schemeClr val="accent1"/>
+          </a:fillRef>
+          <a:effectRef idx="0">
+            <a:schemeClr val="accent1"/>
+          </a:effectRef>
+          <a:fontRef idx="minor">
+            <a:schemeClr val="lt1"/>
+          </a:fontRef>
+        </p:style>
+        <p:txBody>
+          <a:bodyPr rtlCol="0" anchor="ctr"/>
+          <a:lstStyle/>
+          <a:p>
+            <a:pPr algn="ctr"/>
+            <a:r>
+              <a:rPr lang="en-US" dirty="0"/>
+              <a:t>Max Pool</a:t>
+            </a:r>
+          </a:p>
+          <a:p>
+            <a:pPr algn="ctr"/>
+            <a:r>
+              <a:rPr lang="en-US" dirty="0"/>
+              <a:t>2x2</a:t>
+            </a:r>
+          </a:p>
+        </p:txBody>
+      </p:sp>
+      <p:sp>
+        <p:nvSpPr>
+          <p:cNvPr id="27" name="Rectangle 26"/>
+          <p:cNvSpPr/>
+          <p:nvPr/>
+        </p:nvSpPr>
+        <p:spPr>
+          <a:xfrm>
+            <a:off x="9790905" y="1616076"/>
+            <a:ext cx="340360" cy="4120832"/>
+          </a:xfrm>
+          <a:prstGeom prst="rect">
+            <a:avLst/>
+          </a:prstGeom>
+        </p:spPr>
+        <p:style>
+          <a:lnRef idx="2">
+            <a:schemeClr val="accent1">
+              <a:shade val="50000"/>
+            </a:schemeClr>
+          </a:lnRef>
+          <a:fillRef idx="1">
+            <a:schemeClr val="accent1"/>
+          </a:fillRef>
+          <a:effectRef idx="0">
+            <a:schemeClr val="accent1"/>
+          </a:effectRef>
+          <a:fontRef idx="minor">
+            <a:schemeClr val="lt1"/>
+          </a:fontRef>
+        </p:style>
+        <p:txBody>
+          <a:bodyPr rtlCol="0" anchor="ctr"/>
+          <a:lstStyle/>
+          <a:p>
+            <a:pPr algn="ctr"/>
+            <a:r>
+              <a:rPr lang="en-US" dirty="0"/>
+              <a:t>F</a:t>
+            </a:r>
+          </a:p>
+          <a:p>
+            <a:pPr algn="ctr"/>
+            <a:r>
+              <a:rPr lang="en-US" dirty="0"/>
+              <a:t>C</a:t>
+            </a:r>
+          </a:p>
+        </p:txBody>
+      </p:sp>
+      <p:sp>
+        <p:nvSpPr>
+          <p:cNvPr id="28" name="Content Placeholder 5"/>
           <p:cNvSpPr>
             <a:spLocks noGrp="1"/>
           </p:cNvSpPr>
@@ -12721,38 +19187,49 @@
             <p:ph sz="half" idx="1"/>
           </p:nvPr>
         </p:nvSpPr>
-        <p:spPr/>
+        <p:spPr>
+          <a:xfrm>
+            <a:off x="5284043" y="911383"/>
+            <a:ext cx="4878389" cy="1865314"/>
+          </a:xfrm>
+        </p:spPr>
         <p:txBody>
-          <a:bodyPr/>
+          <a:bodyPr>
+            <a:normAutofit/>
+          </a:bodyPr>
           <a:lstStyle/>
           <a:p>
-            <a:endParaRPr lang="en-US"/>
-          </a:p>
-        </p:txBody>
-      </p:sp>
-      <p:sp>
-        <p:nvSpPr>
-          <p:cNvPr id="4" name="Content Placeholder 3"/>
-          <p:cNvSpPr>
-            <a:spLocks noGrp="1"/>
-          </p:cNvSpPr>
-          <p:nvPr>
-            <p:ph sz="half" idx="2"/>
-          </p:nvPr>
-        </p:nvSpPr>
-        <p:spPr/>
-        <p:txBody>
-          <a:bodyPr/>
-          <a:lstStyle/>
-          <a:p>
-            <a:endParaRPr lang="en-US"/>
+            <a:r>
+              <a:rPr lang="en-US" dirty="0"/>
+              <a:t>Standard Convolutional Neural Net.</a:t>
+            </a:r>
+          </a:p>
+          <a:p>
+            <a:r>
+              <a:rPr lang="en-US" dirty="0"/>
+              <a:t>Convolutional Layers followed by </a:t>
+            </a:r>
+            <a:r>
+              <a:rPr lang="en-US" dirty="0" err="1"/>
+              <a:t>Relu</a:t>
+            </a:r>
+            <a:r>
+              <a:rPr lang="en-US" dirty="0"/>
+              <a:t> and max pooling.</a:t>
+            </a:r>
+          </a:p>
+          <a:p>
+            <a:endParaRPr lang="en-US" dirty="0"/>
+          </a:p>
+          <a:p>
+            <a:endParaRPr lang="en-US" dirty="0"/>
           </a:p>
         </p:txBody>
       </p:sp>
     </p:spTree>
     <p:extLst>
       <p:ext uri="{BB962C8B-B14F-4D97-AF65-F5344CB8AC3E}">
-        <p14:creationId xmlns:p14="http://schemas.microsoft.com/office/powerpoint/2010/main" val="338052464"/>
+        <p14:creationId xmlns:p14="http://schemas.microsoft.com/office/powerpoint/2010/main" val="3800080310"/>
       </p:ext>
     </p:extLst>
   </p:cSld>
@@ -12796,33 +19273,14 @@
           <a:p>
             <a:r>
               <a:rPr lang="en-US" dirty="0"/>
-              <a:t>Our Model (Cont.)</a:t>
+              <a:t>Various Attempts</a:t>
             </a:r>
           </a:p>
         </p:txBody>
       </p:sp>
       <p:sp>
         <p:nvSpPr>
-          <p:cNvPr id="3" name="Content Placeholder 2"/>
-          <p:cNvSpPr>
-            <a:spLocks noGrp="1"/>
-          </p:cNvSpPr>
-          <p:nvPr>
-            <p:ph sz="half" idx="1"/>
-          </p:nvPr>
-        </p:nvSpPr>
-        <p:spPr/>
-        <p:txBody>
-          <a:bodyPr/>
-          <a:lstStyle/>
-          <a:p>
-            <a:endParaRPr lang="en-US"/>
-          </a:p>
-        </p:txBody>
-      </p:sp>
-      <p:sp>
-        <p:nvSpPr>
-          <p:cNvPr id="4" name="Content Placeholder 3"/>
+          <p:cNvPr id="7" name="Content Placeholder 6"/>
           <p:cNvSpPr>
             <a:spLocks noGrp="1"/>
           </p:cNvSpPr>
@@ -12832,17 +19290,137 @@
         </p:nvSpPr>
         <p:spPr/>
         <p:txBody>
-          <a:bodyPr/>
+          <a:bodyPr>
+            <a:normAutofit fontScale="92500" lnSpcReduction="10000"/>
+          </a:bodyPr>
           <a:lstStyle/>
           <a:p>
-            <a:endParaRPr lang="en-US"/>
+            <a:pPr marL="0" indent="0">
+              <a:buNone/>
+            </a:pPr>
+            <a:r>
+              <a:rPr lang="en-US" dirty="0"/>
+              <a:t>Tried Variations in:</a:t>
+            </a:r>
+          </a:p>
+          <a:p>
+            <a:r>
+              <a:rPr lang="en-US" dirty="0"/>
+              <a:t>Greyscale</a:t>
+            </a:r>
+          </a:p>
+          <a:p>
+            <a:r>
+              <a:rPr lang="en-US" dirty="0"/>
+              <a:t>Pool Sizes</a:t>
+            </a:r>
+          </a:p>
+          <a:p>
+            <a:r>
+              <a:rPr lang="en-US" dirty="0"/>
+              <a:t>Convolution strides</a:t>
+            </a:r>
+          </a:p>
+          <a:p>
+            <a:r>
+              <a:rPr lang="en-US" dirty="0"/>
+              <a:t>Fully connected layer size</a:t>
+            </a:r>
+          </a:p>
+          <a:p>
+            <a:r>
+              <a:rPr lang="en-US" dirty="0"/>
+              <a:t>Error function</a:t>
+            </a:r>
+          </a:p>
+          <a:p>
+            <a:r>
+              <a:rPr lang="en-US" dirty="0" err="1"/>
+              <a:t>Num</a:t>
+            </a:r>
+            <a:r>
+              <a:rPr lang="en-US" dirty="0"/>
+              <a:t> filters</a:t>
+            </a:r>
+          </a:p>
+          <a:p>
+            <a:pPr lvl="1"/>
+            <a:endParaRPr lang="en-US" dirty="0"/>
+          </a:p>
+          <a:p>
+            <a:endParaRPr lang="en-US" dirty="0"/>
+          </a:p>
+          <a:p>
+            <a:endParaRPr lang="en-US" dirty="0"/>
+          </a:p>
+        </p:txBody>
+      </p:sp>
+      <p:graphicFrame>
+        <p:nvGraphicFramePr>
+          <p:cNvPr id="8" name="Chart 7">
+            <a:extLst>
+              <a:ext uri="{FF2B5EF4-FFF2-40B4-BE49-F238E27FC236}">
+                <a16:creationId xmlns:a16="http://schemas.microsoft.com/office/drawing/2014/main" id="{69F9C084-3597-40D9-876F-284130C20E0E}"/>
+              </a:ext>
+            </a:extLst>
+          </p:cNvPr>
+          <p:cNvGraphicFramePr>
+            <a:graphicFrameLocks/>
+          </p:cNvGraphicFramePr>
+          <p:nvPr>
+            <p:extLst>
+              <p:ext uri="{D42A27DB-BD31-4B8C-83A1-F6EECF244321}">
+                <p14:modId xmlns:p14="http://schemas.microsoft.com/office/powerpoint/2010/main" val="436623171"/>
+              </p:ext>
+            </p:extLst>
+          </p:nvPr>
+        </p:nvGraphicFramePr>
+        <p:xfrm>
+          <a:off x="1527490" y="3268978"/>
+          <a:ext cx="3582990" cy="2118360"/>
+        </p:xfrm>
+        <a:graphic>
+          <a:graphicData uri="http://schemas.openxmlformats.org/drawingml/2006/chart">
+            <c:chart xmlns:c="http://schemas.openxmlformats.org/drawingml/2006/chart" xmlns:r="http://schemas.openxmlformats.org/officeDocument/2006/relationships" r:id="rId2"/>
+          </a:graphicData>
+        </a:graphic>
+      </p:graphicFrame>
+      <p:sp>
+        <p:nvSpPr>
+          <p:cNvPr id="9" name="Content Placeholder 8"/>
+          <p:cNvSpPr>
+            <a:spLocks noGrp="1"/>
+          </p:cNvSpPr>
+          <p:nvPr>
+            <p:ph sz="half" idx="1"/>
+          </p:nvPr>
+        </p:nvSpPr>
+        <p:spPr>
+          <a:xfrm>
+            <a:off x="1009330" y="2424746"/>
+            <a:ext cx="4878389" cy="516574"/>
+          </a:xfrm>
+        </p:spPr>
+        <p:txBody>
+          <a:bodyPr>
+            <a:normAutofit fontScale="92500" lnSpcReduction="10000"/>
+          </a:bodyPr>
+          <a:lstStyle/>
+          <a:p>
+            <a:pPr marL="0" indent="0">
+              <a:buNone/>
+            </a:pPr>
+            <a:r>
+              <a:rPr lang="en-US" dirty="0"/>
+              <a:t>Adding more layers didn’t help too much.</a:t>
+            </a:r>
           </a:p>
         </p:txBody>
       </p:sp>
     </p:spTree>
     <p:extLst>
       <p:ext uri="{BB962C8B-B14F-4D97-AF65-F5344CB8AC3E}">
-        <p14:creationId xmlns:p14="http://schemas.microsoft.com/office/powerpoint/2010/main" val="3800080310"/>
+        <p14:creationId xmlns:p14="http://schemas.microsoft.com/office/powerpoint/2010/main" val="338052464"/>
       </p:ext>
     </p:extLst>
   </p:cSld>
@@ -12886,7 +19464,343 @@
           <a:p>
             <a:r>
               <a:rPr lang="en-US" dirty="0"/>
-              <a:t>Identification of Unpopulated Areas</a:t>
+              <a:t>Issues</a:t>
+            </a:r>
+          </a:p>
+        </p:txBody>
+      </p:sp>
+      <p:sp>
+        <p:nvSpPr>
+          <p:cNvPr id="3" name="Content Placeholder 2"/>
+          <p:cNvSpPr>
+            <a:spLocks noGrp="1"/>
+          </p:cNvSpPr>
+          <p:nvPr>
+            <p:ph sz="half" idx="1"/>
+          </p:nvPr>
+        </p:nvSpPr>
+        <p:spPr>
+          <a:xfrm>
+            <a:off x="1141410" y="2249486"/>
+            <a:ext cx="4878389" cy="1293814"/>
+          </a:xfrm>
+        </p:spPr>
+        <p:txBody>
+          <a:bodyPr/>
+          <a:lstStyle/>
+          <a:p>
+            <a:pPr marL="0" indent="0">
+              <a:buNone/>
+            </a:pPr>
+            <a:r>
+              <a:rPr lang="en-US" dirty="0"/>
+              <a:t>When dividing amongst all populations, 70% accuracy.</a:t>
+            </a:r>
+          </a:p>
+        </p:txBody>
+      </p:sp>
+      <p:graphicFrame>
+        <p:nvGraphicFramePr>
+          <p:cNvPr id="5" name="Chart 4">
+            <a:extLst>
+              <a:ext uri="{FF2B5EF4-FFF2-40B4-BE49-F238E27FC236}">
+                <a16:creationId xmlns:a16="http://schemas.microsoft.com/office/drawing/2014/main" id="{32D4E7C0-DF28-4815-BBDC-C947D44E9382}"/>
+              </a:ext>
+            </a:extLst>
+          </p:cNvPr>
+          <p:cNvGraphicFramePr>
+            <a:graphicFrameLocks/>
+          </p:cNvGraphicFramePr>
+          <p:nvPr>
+            <p:extLst>
+              <p:ext uri="{D42A27DB-BD31-4B8C-83A1-F6EECF244321}">
+                <p14:modId xmlns:p14="http://schemas.microsoft.com/office/powerpoint/2010/main" val="3171077556"/>
+              </p:ext>
+            </p:extLst>
+          </p:nvPr>
+        </p:nvGraphicFramePr>
+        <p:xfrm>
+          <a:off x="1050764" y="3422968"/>
+          <a:ext cx="4572000" cy="2743200"/>
+        </p:xfrm>
+        <a:graphic>
+          <a:graphicData uri="http://schemas.openxmlformats.org/drawingml/2006/chart">
+            <c:chart xmlns:c="http://schemas.openxmlformats.org/drawingml/2006/chart" xmlns:r="http://schemas.openxmlformats.org/officeDocument/2006/relationships" r:id="rId2"/>
+          </a:graphicData>
+        </a:graphic>
+      </p:graphicFrame>
+      <p:grpSp>
+        <p:nvGrpSpPr>
+          <p:cNvPr id="14" name="Group 13"/>
+          <p:cNvGrpSpPr/>
+          <p:nvPr/>
+        </p:nvGrpSpPr>
+        <p:grpSpPr>
+          <a:xfrm>
+            <a:off x="6894511" y="1965960"/>
+            <a:ext cx="3749040" cy="3625532"/>
+            <a:chOff x="7214551" y="2324100"/>
+            <a:chExt cx="3749040" cy="3625532"/>
+          </a:xfrm>
+        </p:grpSpPr>
+        <p:pic>
+          <p:nvPicPr>
+            <p:cNvPr id="6" name="Picture 5"/>
+            <p:cNvPicPr>
+              <a:picLocks noChangeAspect="1"/>
+            </p:cNvPicPr>
+            <p:nvPr/>
+          </p:nvPicPr>
+          <p:blipFill>
+            <a:blip r:embed="rId3">
+              <a:extLst>
+                <a:ext uri="{28A0092B-C50C-407E-A947-70E740481C1C}">
+                  <a14:useLocalDpi xmlns:a14="http://schemas.microsoft.com/office/drawing/2010/main" val="0"/>
+                </a:ext>
+              </a:extLst>
+            </a:blip>
+            <a:stretch>
+              <a:fillRect/>
+            </a:stretch>
+          </p:blipFill>
+          <p:spPr>
+            <a:xfrm>
+              <a:off x="7214551" y="2324100"/>
+              <a:ext cx="1219200" cy="1219200"/>
+            </a:xfrm>
+            <a:prstGeom prst="rect">
+              <a:avLst/>
+            </a:prstGeom>
+          </p:spPr>
+        </p:pic>
+        <p:pic>
+          <p:nvPicPr>
+            <p:cNvPr id="7" name="Picture 6"/>
+            <p:cNvPicPr>
+              <a:picLocks noChangeAspect="1"/>
+            </p:cNvPicPr>
+            <p:nvPr/>
+          </p:nvPicPr>
+          <p:blipFill>
+            <a:blip r:embed="rId4">
+              <a:extLst>
+                <a:ext uri="{28A0092B-C50C-407E-A947-70E740481C1C}">
+                  <a14:useLocalDpi xmlns:a14="http://schemas.microsoft.com/office/drawing/2010/main" val="0"/>
+                </a:ext>
+              </a:extLst>
+            </a:blip>
+            <a:stretch>
+              <a:fillRect/>
+            </a:stretch>
+          </p:blipFill>
+          <p:spPr>
+            <a:xfrm>
+              <a:off x="9744391" y="4730432"/>
+              <a:ext cx="1219200" cy="1219200"/>
+            </a:xfrm>
+            <a:prstGeom prst="rect">
+              <a:avLst/>
+            </a:prstGeom>
+          </p:spPr>
+        </p:pic>
+        <p:pic>
+          <p:nvPicPr>
+            <p:cNvPr id="8" name="Picture 7"/>
+            <p:cNvPicPr>
+              <a:picLocks noChangeAspect="1"/>
+            </p:cNvPicPr>
+            <p:nvPr/>
+          </p:nvPicPr>
+          <p:blipFill>
+            <a:blip r:embed="rId5">
+              <a:extLst>
+                <a:ext uri="{28A0092B-C50C-407E-A947-70E740481C1C}">
+                  <a14:useLocalDpi xmlns:a14="http://schemas.microsoft.com/office/drawing/2010/main" val="0"/>
+                </a:ext>
+              </a:extLst>
+            </a:blip>
+            <a:stretch>
+              <a:fillRect/>
+            </a:stretch>
+          </p:blipFill>
+          <p:spPr>
+            <a:xfrm>
+              <a:off x="9744391" y="2324100"/>
+              <a:ext cx="1219200" cy="1219200"/>
+            </a:xfrm>
+            <a:prstGeom prst="rect">
+              <a:avLst/>
+            </a:prstGeom>
+          </p:spPr>
+        </p:pic>
+        <p:sp>
+          <p:nvSpPr>
+            <p:cNvPr id="9" name="TextBox 8"/>
+            <p:cNvSpPr txBox="1"/>
+            <p:nvPr/>
+          </p:nvSpPr>
+          <p:spPr>
+            <a:xfrm>
+              <a:off x="7214551" y="3893820"/>
+              <a:ext cx="3749040" cy="646331"/>
+            </a:xfrm>
+            <a:prstGeom prst="rect">
+              <a:avLst/>
+            </a:prstGeom>
+            <a:noFill/>
+          </p:spPr>
+          <p:txBody>
+            <a:bodyPr wrap="square" rtlCol="0">
+              <a:spAutoFit/>
+            </a:bodyPr>
+            <a:lstStyle/>
+            <a:p>
+              <a:r>
+                <a:rPr lang="en-US" dirty="0"/>
+                <a:t>Census tracts don’t directly correspond to the images.</a:t>
+              </a:r>
+            </a:p>
+          </p:txBody>
+        </p:sp>
+        <p:pic>
+          <p:nvPicPr>
+            <p:cNvPr id="10" name="Picture 9"/>
+            <p:cNvPicPr>
+              <a:picLocks noChangeAspect="1"/>
+            </p:cNvPicPr>
+            <p:nvPr/>
+          </p:nvPicPr>
+          <p:blipFill>
+            <a:blip r:embed="rId6">
+              <a:extLst>
+                <a:ext uri="{28A0092B-C50C-407E-A947-70E740481C1C}">
+                  <a14:useLocalDpi xmlns:a14="http://schemas.microsoft.com/office/drawing/2010/main" val="0"/>
+                </a:ext>
+              </a:extLst>
+            </a:blip>
+            <a:stretch>
+              <a:fillRect/>
+            </a:stretch>
+          </p:blipFill>
+          <p:spPr>
+            <a:xfrm>
+              <a:off x="7214551" y="4730432"/>
+              <a:ext cx="1219200" cy="1219200"/>
+            </a:xfrm>
+            <a:prstGeom prst="rect">
+              <a:avLst/>
+            </a:prstGeom>
+          </p:spPr>
+        </p:pic>
+        <p:pic>
+          <p:nvPicPr>
+            <p:cNvPr id="11" name="Picture 10"/>
+            <p:cNvPicPr>
+              <a:picLocks noChangeAspect="1"/>
+            </p:cNvPicPr>
+            <p:nvPr/>
+          </p:nvPicPr>
+          <p:blipFill>
+            <a:blip r:embed="rId7">
+              <a:extLst>
+                <a:ext uri="{28A0092B-C50C-407E-A947-70E740481C1C}">
+                  <a14:useLocalDpi xmlns:a14="http://schemas.microsoft.com/office/drawing/2010/main" val="0"/>
+                </a:ext>
+              </a:extLst>
+            </a:blip>
+            <a:stretch>
+              <a:fillRect/>
+            </a:stretch>
+          </p:blipFill>
+          <p:spPr>
+            <a:xfrm>
+              <a:off x="8479471" y="4730432"/>
+              <a:ext cx="1219200" cy="1219200"/>
+            </a:xfrm>
+            <a:prstGeom prst="rect">
+              <a:avLst/>
+            </a:prstGeom>
+          </p:spPr>
+        </p:pic>
+        <p:pic>
+          <p:nvPicPr>
+            <p:cNvPr id="13" name="Picture 12"/>
+            <p:cNvPicPr>
+              <a:picLocks noChangeAspect="1"/>
+            </p:cNvPicPr>
+            <p:nvPr/>
+          </p:nvPicPr>
+          <p:blipFill>
+            <a:blip r:embed="rId8">
+              <a:extLst>
+                <a:ext uri="{28A0092B-C50C-407E-A947-70E740481C1C}">
+                  <a14:useLocalDpi xmlns:a14="http://schemas.microsoft.com/office/drawing/2010/main" val="0"/>
+                </a:ext>
+              </a:extLst>
+            </a:blip>
+            <a:stretch>
+              <a:fillRect/>
+            </a:stretch>
+          </p:blipFill>
+          <p:spPr>
+            <a:xfrm>
+              <a:off x="8479471" y="2324100"/>
+              <a:ext cx="1219200" cy="1219200"/>
+            </a:xfrm>
+            <a:prstGeom prst="rect">
+              <a:avLst/>
+            </a:prstGeom>
+          </p:spPr>
+        </p:pic>
+      </p:grpSp>
+    </p:spTree>
+    <p:extLst>
+      <p:ext uri="{BB962C8B-B14F-4D97-AF65-F5344CB8AC3E}">
+        <p14:creationId xmlns:p14="http://schemas.microsoft.com/office/powerpoint/2010/main" val="109444605"/>
+      </p:ext>
+    </p:extLst>
+  </p:cSld>
+  <p:clrMapOvr>
+    <a:masterClrMapping/>
+  </p:clrMapOvr>
+</p:sld>
+</file>
+
+<file path=ppt/slides/slide14.xml><?xml version="1.0" encoding="utf-8"?>
+<p:sld xmlns:a="http://schemas.openxmlformats.org/drawingml/2006/main" xmlns:r="http://schemas.openxmlformats.org/officeDocument/2006/relationships" xmlns:p="http://schemas.openxmlformats.org/presentationml/2006/main">
+  <p:cSld>
+    <p:spTree>
+      <p:nvGrpSpPr>
+        <p:cNvPr id="1" name=""/>
+        <p:cNvGrpSpPr/>
+        <p:nvPr/>
+      </p:nvGrpSpPr>
+      <p:grpSpPr>
+        <a:xfrm>
+          <a:off x="0" y="0"/>
+          <a:ext cx="0" cy="0"/>
+          <a:chOff x="0" y="0"/>
+          <a:chExt cx="0" cy="0"/>
+        </a:xfrm>
+      </p:grpSpPr>
+      <p:sp>
+        <p:nvSpPr>
+          <p:cNvPr id="2" name="Title 1"/>
+          <p:cNvSpPr>
+            <a:spLocks noGrp="1"/>
+          </p:cNvSpPr>
+          <p:nvPr>
+            <p:ph type="title"/>
+          </p:nvPr>
+        </p:nvSpPr>
+        <p:spPr/>
+        <p:txBody>
+          <a:bodyPr/>
+          <a:lstStyle/>
+          <a:p>
+            <a:r>
+              <a:rPr lang="en-US" dirty="0"/>
+              <a:t>An Application: Identification of Unpopulated Areas</a:t>
             </a:r>
           </a:p>
         </p:txBody>
@@ -12908,7 +19822,21 @@
           <a:p>
             <a:r>
               <a:rPr lang="en-US" dirty="0"/>
-              <a:t>Is this area unpopulated?</a:t>
+              <a:t>Does anybody live here?</a:t>
+            </a:r>
+          </a:p>
+          <a:p>
+            <a:r>
+              <a:rPr lang="en-US" dirty="0"/>
+              <a:t>“Null hypothesis”: This area </a:t>
+            </a:r>
+            <a:r>
+              <a:rPr lang="en-US" i="1" u="sng" dirty="0"/>
+              <a:t>is</a:t>
+            </a:r>
+            <a:r>
+              <a:rPr lang="en-US" dirty="0"/>
+              <a:t> populated</a:t>
             </a:r>
           </a:p>
           <a:p>
@@ -13200,6 +20128,55 @@
                       </p:childTnLst>
                     </p:cTn>
                   </p:par>
+                  <p:par>
+                    <p:cTn id="23" fill="hold">
+                      <p:stCondLst>
+                        <p:cond delay="indefinite"/>
+                      </p:stCondLst>
+                      <p:childTnLst>
+                        <p:par>
+                          <p:cTn id="24" fill="hold">
+                            <p:stCondLst>
+                              <p:cond delay="0"/>
+                            </p:stCondLst>
+                            <p:childTnLst>
+                              <p:par>
+                                <p:cTn id="25" presetID="1" presetClass="entr" presetSubtype="0" fill="hold" grpId="0" nodeType="clickEffect">
+                                  <p:stCondLst>
+                                    <p:cond delay="0"/>
+                                  </p:stCondLst>
+                                  <p:childTnLst>
+                                    <p:set>
+                                      <p:cBhvr>
+                                        <p:cTn id="26" dur="1" fill="hold">
+                                          <p:stCondLst>
+                                            <p:cond delay="0"/>
+                                          </p:stCondLst>
+                                        </p:cTn>
+                                        <p:tgtEl>
+                                          <p:spTgt spid="3">
+                                            <p:txEl>
+                                              <p:pRg st="5" end="5"/>
+                                            </p:txEl>
+                                          </p:spTgt>
+                                        </p:tgtEl>
+                                        <p:attrNameLst>
+                                          <p:attrName>style.visibility</p:attrName>
+                                        </p:attrNameLst>
+                                      </p:cBhvr>
+                                      <p:to>
+                                        <p:strVal val="visible"/>
+                                      </p:to>
+                                    </p:set>
+                                  </p:childTnLst>
+                                </p:cTn>
+                              </p:par>
+                            </p:childTnLst>
+                          </p:cTn>
+                        </p:par>
+                      </p:childTnLst>
+                    </p:cTn>
+                  </p:par>
                 </p:childTnLst>
               </p:cTn>
               <p:prevCondLst>
@@ -13225,113 +20202,6 @@
       <p:bldP spid="3" grpId="0" build="p"/>
     </p:bldLst>
   </p:timing>
-</p:sld>
-</file>
-
-<file path=ppt/slides/slide14.xml><?xml version="1.0" encoding="utf-8"?>
-<p:sld xmlns:a="http://schemas.openxmlformats.org/drawingml/2006/main" xmlns:r="http://schemas.openxmlformats.org/officeDocument/2006/relationships" xmlns:p="http://schemas.openxmlformats.org/presentationml/2006/main">
-  <p:cSld>
-    <p:spTree>
-      <p:nvGrpSpPr>
-        <p:cNvPr id="1" name=""/>
-        <p:cNvGrpSpPr/>
-        <p:nvPr/>
-      </p:nvGrpSpPr>
-      <p:grpSpPr>
-        <a:xfrm>
-          <a:off x="0" y="0"/>
-          <a:ext cx="0" cy="0"/>
-          <a:chOff x="0" y="0"/>
-          <a:chExt cx="0" cy="0"/>
-        </a:xfrm>
-      </p:grpSpPr>
-      <p:sp>
-        <p:nvSpPr>
-          <p:cNvPr id="2" name="Title 1"/>
-          <p:cNvSpPr>
-            <a:spLocks noGrp="1"/>
-          </p:cNvSpPr>
-          <p:nvPr>
-            <p:ph type="title"/>
-          </p:nvPr>
-        </p:nvSpPr>
-        <p:spPr/>
-        <p:txBody>
-          <a:bodyPr/>
-          <a:lstStyle/>
-          <a:p>
-            <a:r>
-              <a:rPr lang="en-US" dirty="0"/>
-              <a:t>Our Model at Zero-Density Identification</a:t>
-            </a:r>
-          </a:p>
-        </p:txBody>
-      </p:sp>
-      <p:sp>
-        <p:nvSpPr>
-          <p:cNvPr id="3" name="Content Placeholder 2"/>
-          <p:cNvSpPr>
-            <a:spLocks noGrp="1"/>
-          </p:cNvSpPr>
-          <p:nvPr>
-            <p:ph idx="1"/>
-          </p:nvPr>
-        </p:nvSpPr>
-        <p:spPr/>
-        <p:txBody>
-          <a:bodyPr/>
-          <a:lstStyle/>
-          <a:p>
-            <a:r>
-              <a:rPr lang="en-US" dirty="0"/>
-              <a:t>Unpopulated defined as &lt;1.0 person per square kilometer</a:t>
-            </a:r>
-          </a:p>
-          <a:p>
-            <a:r>
-              <a:rPr lang="en-US" dirty="0"/>
-              <a:t>False positive rate of only &lt;6%</a:t>
-            </a:r>
-          </a:p>
-          <a:p>
-            <a:pPr lvl="1"/>
-            <a:r>
-              <a:rPr lang="en-US" dirty="0"/>
-              <a:t>Only 14 of 236 test images identified as unpopulated were actually populated</a:t>
-            </a:r>
-          </a:p>
-          <a:p>
-            <a:r>
-              <a:rPr lang="en-US" dirty="0"/>
-              <a:t>In other words:</a:t>
-            </a:r>
-          </a:p>
-          <a:p>
-            <a:pPr lvl="1"/>
-            <a:r>
-              <a:rPr lang="en-US" dirty="0"/>
-              <a:t>Many populated areas get labeled as unpopulated (unfortunately)</a:t>
-            </a:r>
-          </a:p>
-          <a:p>
-            <a:pPr lvl="1"/>
-            <a:r>
-              <a:rPr lang="en-US" dirty="0"/>
-              <a:t>But when our model says nobody lives in a place, that’s almost always true</a:t>
-            </a:r>
-          </a:p>
-        </p:txBody>
-      </p:sp>
-    </p:spTree>
-    <p:extLst>
-      <p:ext uri="{BB962C8B-B14F-4D97-AF65-F5344CB8AC3E}">
-        <p14:creationId xmlns:p14="http://schemas.microsoft.com/office/powerpoint/2010/main" val="1406021230"/>
-      </p:ext>
-    </p:extLst>
-  </p:cSld>
-  <p:clrMapOvr>
-    <a:masterClrMapping/>
-  </p:clrMapOvr>
 </p:sld>
 </file>
 
@@ -13369,7 +20239,7 @@
           <a:p>
             <a:r>
               <a:rPr lang="en-US" dirty="0"/>
-              <a:t>Conclusions</a:t>
+              <a:t>Our Model at &lt;1.0-Density Identification</a:t>
             </a:r>
           </a:p>
         </p:txBody>
@@ -13391,6 +20261,113 @@
           <a:p>
             <a:r>
               <a:rPr lang="en-US" dirty="0"/>
+              <a:t>Unpopulated defined as &lt;1.0 person per square kilometer</a:t>
+            </a:r>
+          </a:p>
+          <a:p>
+            <a:r>
+              <a:rPr lang="en-US" dirty="0"/>
+              <a:t>Mediocre overall accuracy, but false positive rate of only &lt;6%</a:t>
+            </a:r>
+          </a:p>
+          <a:p>
+            <a:pPr lvl="1"/>
+            <a:r>
+              <a:rPr lang="en-US" dirty="0"/>
+              <a:t>Only 14 of 236 test images identified as unpopulated were actually populated</a:t>
+            </a:r>
+          </a:p>
+          <a:p>
+            <a:r>
+              <a:rPr lang="en-US" dirty="0"/>
+              <a:t>In other words:</a:t>
+            </a:r>
+          </a:p>
+          <a:p>
+            <a:pPr lvl="1"/>
+            <a:r>
+              <a:rPr lang="en-US" dirty="0"/>
+              <a:t>Many unpopulated areas get labeled as populated (unfortunately)</a:t>
+            </a:r>
+          </a:p>
+          <a:p>
+            <a:pPr lvl="1"/>
+            <a:r>
+              <a:rPr lang="en-US" dirty="0"/>
+              <a:t>But when our model says nobody lives in a place, that’s almost always true</a:t>
+            </a:r>
+          </a:p>
+        </p:txBody>
+      </p:sp>
+    </p:spTree>
+    <p:extLst>
+      <p:ext uri="{BB962C8B-B14F-4D97-AF65-F5344CB8AC3E}">
+        <p14:creationId xmlns:p14="http://schemas.microsoft.com/office/powerpoint/2010/main" val="1406021230"/>
+      </p:ext>
+    </p:extLst>
+  </p:cSld>
+  <p:clrMapOvr>
+    <a:masterClrMapping/>
+  </p:clrMapOvr>
+</p:sld>
+</file>
+
+<file path=ppt/slides/slide16.xml><?xml version="1.0" encoding="utf-8"?>
+<p:sld xmlns:a="http://schemas.openxmlformats.org/drawingml/2006/main" xmlns:r="http://schemas.openxmlformats.org/officeDocument/2006/relationships" xmlns:p="http://schemas.openxmlformats.org/presentationml/2006/main">
+  <p:cSld>
+    <p:spTree>
+      <p:nvGrpSpPr>
+        <p:cNvPr id="1" name=""/>
+        <p:cNvGrpSpPr/>
+        <p:nvPr/>
+      </p:nvGrpSpPr>
+      <p:grpSpPr>
+        <a:xfrm>
+          <a:off x="0" y="0"/>
+          <a:ext cx="0" cy="0"/>
+          <a:chOff x="0" y="0"/>
+          <a:chExt cx="0" cy="0"/>
+        </a:xfrm>
+      </p:grpSpPr>
+      <p:sp>
+        <p:nvSpPr>
+          <p:cNvPr id="2" name="Title 1"/>
+          <p:cNvSpPr>
+            <a:spLocks noGrp="1"/>
+          </p:cNvSpPr>
+          <p:nvPr>
+            <p:ph type="title"/>
+          </p:nvPr>
+        </p:nvSpPr>
+        <p:spPr/>
+        <p:txBody>
+          <a:bodyPr/>
+          <a:lstStyle/>
+          <a:p>
+            <a:r>
+              <a:rPr lang="en-US" dirty="0"/>
+              <a:t>Conclusions</a:t>
+            </a:r>
+          </a:p>
+        </p:txBody>
+      </p:sp>
+      <p:sp>
+        <p:nvSpPr>
+          <p:cNvPr id="3" name="Content Placeholder 2"/>
+          <p:cNvSpPr>
+            <a:spLocks noGrp="1"/>
+          </p:cNvSpPr>
+          <p:nvPr>
+            <p:ph idx="1"/>
+          </p:nvPr>
+        </p:nvSpPr>
+        <p:spPr/>
+        <p:txBody>
+          <a:bodyPr/>
+          <a:lstStyle/>
+          <a:p>
+            <a:r>
+              <a:rPr lang="en-US" dirty="0"/>
               <a:t>Federal agencies put zero effort into making it easy</a:t>
             </a:r>
           </a:p>
@@ -13424,11 +20401,11 @@
   <p:clrMapOvr>
     <a:masterClrMapping/>
   </p:clrMapOvr>
-  <mc:AlternateContent xmlns:mc="http://schemas.openxmlformats.org/markup-compatibility/2006">
-    <mc:Choice xmlns:p14="http://schemas.microsoft.com/office/powerpoint/2010/main" Requires="p14">
+  <mc:AlternateContent xmlns:mc="http://schemas.openxmlformats.org/markup-compatibility/2006" xmlns:p14="http://schemas.microsoft.com/office/powerpoint/2010/main">
+    <mc:Choice Requires="p14">
       <p:transition p14:dur="10"/>
     </mc:Choice>
-    <mc:Fallback>
+    <mc:Fallback xmlns="">
       <p:transition/>
     </mc:Fallback>
   </mc:AlternateContent>
@@ -13664,6 +20641,92 @@
 </p:sld>
 </file>
 
+<file path=ppt/slides/slide17.xml><?xml version="1.0" encoding="utf-8"?>
+<p:sld xmlns:a="http://schemas.openxmlformats.org/drawingml/2006/main" xmlns:r="http://schemas.openxmlformats.org/officeDocument/2006/relationships" xmlns:p="http://schemas.openxmlformats.org/presentationml/2006/main">
+  <p:cSld>
+    <p:spTree>
+      <p:nvGrpSpPr>
+        <p:cNvPr id="1" name=""/>
+        <p:cNvGrpSpPr/>
+        <p:nvPr/>
+      </p:nvGrpSpPr>
+      <p:grpSpPr>
+        <a:xfrm>
+          <a:off x="0" y="0"/>
+          <a:ext cx="0" cy="0"/>
+          <a:chOff x="0" y="0"/>
+          <a:chExt cx="0" cy="0"/>
+        </a:xfrm>
+      </p:grpSpPr>
+      <p:sp>
+        <p:nvSpPr>
+          <p:cNvPr id="2" name="Title 1"/>
+          <p:cNvSpPr>
+            <a:spLocks noGrp="1"/>
+          </p:cNvSpPr>
+          <p:nvPr>
+            <p:ph type="title"/>
+          </p:nvPr>
+        </p:nvSpPr>
+        <p:spPr>
+          <a:xfrm>
+            <a:off x="1141413" y="2352896"/>
+            <a:ext cx="9905998" cy="1478570"/>
+          </a:xfrm>
+        </p:spPr>
+        <p:txBody>
+          <a:bodyPr>
+            <a:normAutofit fontScale="90000"/>
+          </a:bodyPr>
+          <a:lstStyle/>
+          <a:p>
+            <a:r>
+              <a:rPr lang="en-US" i="1" dirty="0"/>
+              <a:t>[The audience, both SHAKEN and STIRRED, reacts with THUNDEROUS AND PROLONGED APPLAUSE]</a:t>
+            </a:r>
+            <a:endParaRPr lang="en-US" dirty="0"/>
+          </a:p>
+        </p:txBody>
+      </p:sp>
+      <p:sp>
+        <p:nvSpPr>
+          <p:cNvPr id="4" name="Content Placeholder 3"/>
+          <p:cNvSpPr>
+            <a:spLocks noGrp="1"/>
+          </p:cNvSpPr>
+          <p:nvPr>
+            <p:ph idx="1"/>
+          </p:nvPr>
+        </p:nvSpPr>
+        <p:spPr>
+          <a:xfrm>
+            <a:off x="1141412" y="5724939"/>
+            <a:ext cx="9905999" cy="66262"/>
+          </a:xfrm>
+        </p:spPr>
+        <p:txBody>
+          <a:bodyPr>
+            <a:normAutofit fontScale="25000" lnSpcReduction="20000"/>
+          </a:bodyPr>
+          <a:lstStyle/>
+          <a:p>
+            <a:endParaRPr lang="en-US" dirty="0"/>
+          </a:p>
+        </p:txBody>
+      </p:sp>
+    </p:spTree>
+    <p:extLst>
+      <p:ext uri="{BB962C8B-B14F-4D97-AF65-F5344CB8AC3E}">
+        <p14:creationId xmlns:p14="http://schemas.microsoft.com/office/powerpoint/2010/main" val="1816181700"/>
+      </p:ext>
+    </p:extLst>
+  </p:cSld>
+  <p:clrMapOvr>
+    <a:masterClrMapping/>
+  </p:clrMapOvr>
+</p:sld>
+</file>
+
 <file path=ppt/slides/slide2.xml><?xml version="1.0" encoding="utf-8"?>
 <p:sld xmlns:a="http://schemas.openxmlformats.org/drawingml/2006/main" xmlns:r="http://schemas.openxmlformats.org/officeDocument/2006/relationships" xmlns:p="http://schemas.openxmlformats.org/presentationml/2006/main">
   <p:cSld>
@@ -14038,7 +21101,12 @@
             <p:ph sz="half" idx="2"/>
           </p:nvPr>
         </p:nvSpPr>
-        <p:spPr/>
+        <p:spPr>
+          <a:xfrm>
+            <a:off x="4602163" y="2249486"/>
+            <a:ext cx="4875211" cy="3541714"/>
+          </a:xfrm>
+        </p:spPr>
         <p:txBody>
           <a:bodyPr/>
           <a:lstStyle/>
@@ -14095,7 +21163,7 @@
         </p:blipFill>
         <p:spPr bwMode="auto">
           <a:xfrm>
-            <a:off x="6172200" y="4020343"/>
+            <a:off x="4583113" y="4170759"/>
             <a:ext cx="2857500" cy="800100"/>
           </a:xfrm>
           <a:prstGeom prst="rect">
@@ -14154,6 +21222,208 @@
           </a:extLst>
         </p:spPr>
       </p:pic>
+      <p:sp>
+        <p:nvSpPr>
+          <p:cNvPr id="8" name="Content Placeholder 4"/>
+          <p:cNvSpPr txBox="1">
+            <a:spLocks/>
+          </p:cNvSpPr>
+          <p:nvPr/>
+        </p:nvSpPr>
+        <p:spPr>
+          <a:xfrm>
+            <a:off x="7787323" y="2249486"/>
+            <a:ext cx="4023677" cy="3541714"/>
+          </a:xfrm>
+          <a:prstGeom prst="rect">
+            <a:avLst/>
+          </a:prstGeom>
+        </p:spPr>
+        <p:txBody>
+          <a:bodyPr vert="horz" lIns="91440" tIns="45720" rIns="91440" bIns="45720" rtlCol="0">
+            <a:normAutofit/>
+          </a:bodyPr>
+          <a:lstStyle>
+            <a:lvl1pPr marL="228600" indent="-228600" algn="l" defTabSz="914400" rtl="0" eaLnBrk="1" latinLnBrk="0" hangingPunct="1">
+              <a:lnSpc>
+                <a:spcPct val="120000"/>
+              </a:lnSpc>
+              <a:spcBef>
+                <a:spcPts val="1000"/>
+              </a:spcBef>
+              <a:buSzPct val="125000"/>
+              <a:buFont typeface="Arial" panose="020B0604020202020204" pitchFamily="34" charset="0"/>
+              <a:buChar char="•"/>
+              <a:defRPr sz="2400" kern="1200">
+                <a:solidFill>
+                  <a:schemeClr val="tx1"/>
+                </a:solidFill>
+                <a:latin typeface="+mn-lt"/>
+                <a:ea typeface="+mn-ea"/>
+                <a:cs typeface="+mn-cs"/>
+              </a:defRPr>
+            </a:lvl1pPr>
+            <a:lvl2pPr marL="685800" indent="-228600" algn="l" defTabSz="914400" rtl="0" eaLnBrk="1" latinLnBrk="0" hangingPunct="1">
+              <a:lnSpc>
+                <a:spcPct val="120000"/>
+              </a:lnSpc>
+              <a:spcBef>
+                <a:spcPts val="500"/>
+              </a:spcBef>
+              <a:buSzPct val="125000"/>
+              <a:buFont typeface="Arial" panose="020B0604020202020204" pitchFamily="34" charset="0"/>
+              <a:buChar char="•"/>
+              <a:defRPr sz="2000" kern="1200">
+                <a:solidFill>
+                  <a:schemeClr val="tx1"/>
+                </a:solidFill>
+                <a:latin typeface="+mn-lt"/>
+                <a:ea typeface="+mn-ea"/>
+                <a:cs typeface="+mn-cs"/>
+              </a:defRPr>
+            </a:lvl2pPr>
+            <a:lvl3pPr marL="1143000" indent="-228600" algn="l" defTabSz="914400" rtl="0" eaLnBrk="1" latinLnBrk="0" hangingPunct="1">
+              <a:lnSpc>
+                <a:spcPct val="120000"/>
+              </a:lnSpc>
+              <a:spcBef>
+                <a:spcPts val="500"/>
+              </a:spcBef>
+              <a:buSzPct val="125000"/>
+              <a:buFont typeface="Arial" panose="020B0604020202020204" pitchFamily="34" charset="0"/>
+              <a:buChar char="•"/>
+              <a:defRPr sz="1800" kern="1200">
+                <a:solidFill>
+                  <a:schemeClr val="tx1"/>
+                </a:solidFill>
+                <a:latin typeface="+mn-lt"/>
+                <a:ea typeface="+mn-ea"/>
+                <a:cs typeface="+mn-cs"/>
+              </a:defRPr>
+            </a:lvl3pPr>
+            <a:lvl4pPr marL="1600200" indent="-228600" algn="l" defTabSz="914400" rtl="0" eaLnBrk="1" latinLnBrk="0" hangingPunct="1">
+              <a:lnSpc>
+                <a:spcPct val="120000"/>
+              </a:lnSpc>
+              <a:spcBef>
+                <a:spcPts val="500"/>
+              </a:spcBef>
+              <a:buSzPct val="125000"/>
+              <a:buFont typeface="Arial" panose="020B0604020202020204" pitchFamily="34" charset="0"/>
+              <a:buChar char="•"/>
+              <a:defRPr sz="1600" kern="1200">
+                <a:solidFill>
+                  <a:schemeClr val="tx1"/>
+                </a:solidFill>
+                <a:latin typeface="+mn-lt"/>
+                <a:ea typeface="+mn-ea"/>
+                <a:cs typeface="+mn-cs"/>
+              </a:defRPr>
+            </a:lvl4pPr>
+            <a:lvl5pPr marL="2057400" indent="-228600" algn="l" defTabSz="914400" rtl="0" eaLnBrk="1" latinLnBrk="0" hangingPunct="1">
+              <a:lnSpc>
+                <a:spcPct val="120000"/>
+              </a:lnSpc>
+              <a:spcBef>
+                <a:spcPts val="500"/>
+              </a:spcBef>
+              <a:buSzPct val="125000"/>
+              <a:buFont typeface="Arial" panose="020B0604020202020204" pitchFamily="34" charset="0"/>
+              <a:buChar char="•"/>
+              <a:defRPr sz="1600" kern="1200">
+                <a:solidFill>
+                  <a:schemeClr val="tx1"/>
+                </a:solidFill>
+                <a:latin typeface="+mn-lt"/>
+                <a:ea typeface="+mn-ea"/>
+                <a:cs typeface="+mn-cs"/>
+              </a:defRPr>
+            </a:lvl5pPr>
+            <a:lvl6pPr marL="2514600" indent="-228600" algn="l" defTabSz="914400" rtl="0" eaLnBrk="1" latinLnBrk="0" hangingPunct="1">
+              <a:lnSpc>
+                <a:spcPct val="120000"/>
+              </a:lnSpc>
+              <a:spcBef>
+                <a:spcPts val="500"/>
+              </a:spcBef>
+              <a:buSzPct val="125000"/>
+              <a:buFont typeface="Arial" panose="020B0604020202020204" pitchFamily="34" charset="0"/>
+              <a:buChar char="•"/>
+              <a:defRPr sz="1400" kern="1200">
+                <a:solidFill>
+                  <a:schemeClr val="tx1"/>
+                </a:solidFill>
+                <a:latin typeface="+mn-lt"/>
+                <a:ea typeface="+mn-ea"/>
+                <a:cs typeface="+mn-cs"/>
+              </a:defRPr>
+            </a:lvl6pPr>
+            <a:lvl7pPr marL="2971800" indent="-228600" algn="l" defTabSz="914400" rtl="0" eaLnBrk="1" latinLnBrk="0" hangingPunct="1">
+              <a:lnSpc>
+                <a:spcPct val="120000"/>
+              </a:lnSpc>
+              <a:spcBef>
+                <a:spcPts val="500"/>
+              </a:spcBef>
+              <a:buSzPct val="125000"/>
+              <a:buFont typeface="Arial" panose="020B0604020202020204" pitchFamily="34" charset="0"/>
+              <a:buChar char="•"/>
+              <a:defRPr sz="1400" kern="1200">
+                <a:solidFill>
+                  <a:schemeClr val="tx1"/>
+                </a:solidFill>
+                <a:latin typeface="+mn-lt"/>
+                <a:ea typeface="+mn-ea"/>
+                <a:cs typeface="+mn-cs"/>
+              </a:defRPr>
+            </a:lvl7pPr>
+            <a:lvl8pPr marL="3429000" indent="-228600" algn="l" defTabSz="914400" rtl="0" eaLnBrk="1" latinLnBrk="0" hangingPunct="1">
+              <a:lnSpc>
+                <a:spcPct val="120000"/>
+              </a:lnSpc>
+              <a:spcBef>
+                <a:spcPts val="500"/>
+              </a:spcBef>
+              <a:buSzPct val="125000"/>
+              <a:buFont typeface="Arial" panose="020B0604020202020204" pitchFamily="34" charset="0"/>
+              <a:buChar char="•"/>
+              <a:defRPr sz="1400" kern="1200">
+                <a:solidFill>
+                  <a:schemeClr val="tx1"/>
+                </a:solidFill>
+                <a:latin typeface="+mn-lt"/>
+                <a:ea typeface="+mn-ea"/>
+                <a:cs typeface="+mn-cs"/>
+              </a:defRPr>
+            </a:lvl8pPr>
+            <a:lvl9pPr marL="3886200" indent="-228600" algn="l" defTabSz="914400" rtl="0" eaLnBrk="1" latinLnBrk="0" hangingPunct="1">
+              <a:lnSpc>
+                <a:spcPct val="120000"/>
+              </a:lnSpc>
+              <a:spcBef>
+                <a:spcPts val="500"/>
+              </a:spcBef>
+              <a:buSzPct val="125000"/>
+              <a:buFont typeface="Arial" panose="020B0604020202020204" pitchFamily="34" charset="0"/>
+              <a:buChar char="•"/>
+              <a:defRPr sz="1400" kern="1200">
+                <a:solidFill>
+                  <a:schemeClr val="tx1"/>
+                </a:solidFill>
+                <a:latin typeface="+mn-lt"/>
+                <a:ea typeface="+mn-ea"/>
+                <a:cs typeface="+mn-cs"/>
+              </a:defRPr>
+            </a:lvl9pPr>
+          </a:lstStyle>
+          <a:p>
+            <a:r>
+              <a:rPr lang="en-US" dirty="0"/>
+              <a:t>Other approaches use feature extraction. (Roads, Buildings, Terrain type) which could be used for population predictions.</a:t>
+            </a:r>
+          </a:p>
+        </p:txBody>
+      </p:sp>
     </p:spTree>
     <p:extLst>
       <p:ext uri="{BB962C8B-B14F-4D97-AF65-F5344CB8AC3E}">
@@ -14168,7 +21438,7 @@
 </file>
 
 <file path=ppt/slides/slide4.xml><?xml version="1.0" encoding="utf-8"?>
-<p:sld xmlns:a="http://schemas.openxmlformats.org/drawingml/2006/main" xmlns:r="http://schemas.openxmlformats.org/officeDocument/2006/relationships" xmlns:p="http://schemas.openxmlformats.org/presentationml/2006/main">
+<p:sld xmlns:a="http://schemas.openxmlformats.org/drawingml/2006/main" xmlns:r="http://schemas.openxmlformats.org/officeDocument/2006/relationships" xmlns:p="http://schemas.openxmlformats.org/presentationml/2006/main" show="0">
   <p:cSld>
     <p:spTree>
       <p:nvGrpSpPr>
@@ -14544,7 +21814,7 @@
 </file>
 
 <file path=ppt/slides/slide5.xml><?xml version="1.0" encoding="utf-8"?>
-<p:sld xmlns:a="http://schemas.openxmlformats.org/drawingml/2006/main" xmlns:r="http://schemas.openxmlformats.org/officeDocument/2006/relationships" xmlns:p="http://schemas.openxmlformats.org/presentationml/2006/main">
+<p:sld xmlns:a="http://schemas.openxmlformats.org/drawingml/2006/main" xmlns:r="http://schemas.openxmlformats.org/officeDocument/2006/relationships" xmlns:p="http://schemas.openxmlformats.org/presentationml/2006/main" show="0">
   <p:cSld>
     <p:spTree>
       <p:nvGrpSpPr>
@@ -14920,10 +22190,15 @@
             <p:ph idx="1"/>
           </p:nvPr>
         </p:nvSpPr>
-        <p:spPr/>
+        <p:spPr>
+          <a:xfrm>
+            <a:off x="1141413" y="2249486"/>
+            <a:ext cx="6912928" cy="4143693"/>
+          </a:xfrm>
+        </p:spPr>
         <p:txBody>
           <a:bodyPr>
-            <a:normAutofit fontScale="92500" lnSpcReduction="10000"/>
+            <a:normAutofit fontScale="85000" lnSpcReduction="10000"/>
           </a:bodyPr>
           <a:lstStyle/>
           <a:p>
@@ -14978,8 +22253,406 @@
               <a:t>Calculate population density and compare with NASA imagery</a:t>
             </a:r>
           </a:p>
+          <a:p>
+            <a:r>
+              <a:rPr lang="en-US" dirty="0"/>
+              <a:t>We pre-processed 55,000 image/pop records.</a:t>
+            </a:r>
+          </a:p>
         </p:txBody>
       </p:sp>
+      <p:sp>
+        <p:nvSpPr>
+          <p:cNvPr id="4" name="Oval 3"/>
+          <p:cNvSpPr/>
+          <p:nvPr/>
+        </p:nvSpPr>
+        <p:spPr>
+          <a:xfrm>
+            <a:off x="8694420" y="444847"/>
+            <a:ext cx="1562100" cy="1562100"/>
+          </a:xfrm>
+          <a:prstGeom prst="ellipse">
+            <a:avLst/>
+          </a:prstGeom>
+        </p:spPr>
+        <p:style>
+          <a:lnRef idx="2">
+            <a:schemeClr val="accent1">
+              <a:shade val="50000"/>
+            </a:schemeClr>
+          </a:lnRef>
+          <a:fillRef idx="1">
+            <a:schemeClr val="accent1"/>
+          </a:fillRef>
+          <a:effectRef idx="0">
+            <a:schemeClr val="accent1"/>
+          </a:effectRef>
+          <a:fontRef idx="minor">
+            <a:schemeClr val="lt1"/>
+          </a:fontRef>
+        </p:style>
+        <p:txBody>
+          <a:bodyPr rtlCol="0" anchor="ctr"/>
+          <a:lstStyle/>
+          <a:p>
+            <a:pPr algn="ctr"/>
+            <a:r>
+              <a:rPr lang="en-US" dirty="0"/>
+              <a:t>US Place Database</a:t>
+            </a:r>
+          </a:p>
+        </p:txBody>
+      </p:sp>
+      <p:sp>
+        <p:nvSpPr>
+          <p:cNvPr id="5" name="Oval 4"/>
+          <p:cNvSpPr/>
+          <p:nvPr/>
+        </p:nvSpPr>
+        <p:spPr>
+          <a:xfrm>
+            <a:off x="9944100" y="2416060"/>
+            <a:ext cx="1485900" cy="614333"/>
+          </a:xfrm>
+          <a:prstGeom prst="ellipse">
+            <a:avLst/>
+          </a:prstGeom>
+        </p:spPr>
+        <p:style>
+          <a:lnRef idx="2">
+            <a:schemeClr val="accent1">
+              <a:shade val="50000"/>
+            </a:schemeClr>
+          </a:lnRef>
+          <a:fillRef idx="1">
+            <a:schemeClr val="accent1"/>
+          </a:fillRef>
+          <a:effectRef idx="0">
+            <a:schemeClr val="accent1"/>
+          </a:effectRef>
+          <a:fontRef idx="minor">
+            <a:schemeClr val="lt1"/>
+          </a:fontRef>
+        </p:style>
+        <p:txBody>
+          <a:bodyPr rtlCol="0" anchor="ctr"/>
+          <a:lstStyle/>
+          <a:p>
+            <a:pPr algn="ctr"/>
+            <a:r>
+              <a:rPr lang="en-US" dirty="0"/>
+              <a:t>FCC API</a:t>
+            </a:r>
+          </a:p>
+        </p:txBody>
+      </p:sp>
+      <p:sp>
+        <p:nvSpPr>
+          <p:cNvPr id="6" name="Oval 5"/>
+          <p:cNvSpPr/>
+          <p:nvPr/>
+        </p:nvSpPr>
+        <p:spPr>
+          <a:xfrm>
+            <a:off x="7871460" y="2249487"/>
+            <a:ext cx="1691640" cy="947480"/>
+          </a:xfrm>
+          <a:prstGeom prst="ellipse">
+            <a:avLst/>
+          </a:prstGeom>
+        </p:spPr>
+        <p:style>
+          <a:lnRef idx="2">
+            <a:schemeClr val="accent1">
+              <a:shade val="50000"/>
+            </a:schemeClr>
+          </a:lnRef>
+          <a:fillRef idx="1">
+            <a:schemeClr val="accent1"/>
+          </a:fillRef>
+          <a:effectRef idx="0">
+            <a:schemeClr val="accent1"/>
+          </a:effectRef>
+          <a:fontRef idx="minor">
+            <a:schemeClr val="lt1"/>
+          </a:fontRef>
+        </p:style>
+        <p:txBody>
+          <a:bodyPr rtlCol="0" anchor="ctr"/>
+          <a:lstStyle/>
+          <a:p>
+            <a:pPr algn="ctr"/>
+            <a:r>
+              <a:rPr lang="en-US" dirty="0"/>
+              <a:t>NASA Sat Imagery</a:t>
+            </a:r>
+          </a:p>
+        </p:txBody>
+      </p:sp>
+      <p:sp>
+        <p:nvSpPr>
+          <p:cNvPr id="7" name="Oval 6"/>
+          <p:cNvSpPr/>
+          <p:nvPr/>
+        </p:nvSpPr>
+        <p:spPr>
+          <a:xfrm>
+            <a:off x="9591675" y="3584287"/>
+            <a:ext cx="2190750" cy="1018193"/>
+          </a:xfrm>
+          <a:prstGeom prst="ellipse">
+            <a:avLst/>
+          </a:prstGeom>
+        </p:spPr>
+        <p:style>
+          <a:lnRef idx="2">
+            <a:schemeClr val="accent1">
+              <a:shade val="50000"/>
+            </a:schemeClr>
+          </a:lnRef>
+          <a:fillRef idx="1">
+            <a:schemeClr val="accent1"/>
+          </a:fillRef>
+          <a:effectRef idx="0">
+            <a:schemeClr val="accent1"/>
+          </a:effectRef>
+          <a:fontRef idx="minor">
+            <a:schemeClr val="lt1"/>
+          </a:fontRef>
+        </p:style>
+        <p:txBody>
+          <a:bodyPr rtlCol="0" anchor="ctr"/>
+          <a:lstStyle/>
+          <a:p>
+            <a:pPr algn="ctr"/>
+            <a:r>
+              <a:rPr lang="en-US" dirty="0"/>
+              <a:t>Census Pop by Tract</a:t>
+            </a:r>
+          </a:p>
+        </p:txBody>
+      </p:sp>
+      <p:cxnSp>
+        <p:nvCxnSpPr>
+          <p:cNvPr id="9" name="Connector: Curved 8"/>
+          <p:cNvCxnSpPr/>
+          <p:nvPr/>
+        </p:nvCxnSpPr>
+        <p:spPr>
+          <a:xfrm rot="5400000">
+            <a:off x="8975106" y="1749123"/>
+            <a:ext cx="242540" cy="758190"/>
+          </a:xfrm>
+          <a:prstGeom prst="curvedConnector3">
+            <a:avLst>
+              <a:gd name="adj1" fmla="val 50000"/>
+            </a:avLst>
+          </a:prstGeom>
+          <a:ln>
+            <a:tailEnd type="triangle"/>
+          </a:ln>
+        </p:spPr>
+        <p:style>
+          <a:lnRef idx="2">
+            <a:schemeClr val="dk1"/>
+          </a:lnRef>
+          <a:fillRef idx="0">
+            <a:schemeClr val="dk1"/>
+          </a:fillRef>
+          <a:effectRef idx="1">
+            <a:schemeClr val="dk1"/>
+          </a:effectRef>
+          <a:fontRef idx="minor">
+            <a:schemeClr val="tx1"/>
+          </a:fontRef>
+        </p:style>
+      </p:cxnSp>
+      <p:cxnSp>
+        <p:nvCxnSpPr>
+          <p:cNvPr id="13" name="Connector: Curved 12"/>
+          <p:cNvCxnSpPr>
+            <a:stCxn id="5" idx="4"/>
+            <a:endCxn id="7" idx="0"/>
+          </p:cNvCxnSpPr>
+          <p:nvPr/>
+        </p:nvCxnSpPr>
+        <p:spPr>
+          <a:xfrm rot="5400000">
+            <a:off x="10410103" y="3307340"/>
+            <a:ext cx="553894" cy="12700"/>
+          </a:xfrm>
+          <a:prstGeom prst="curvedConnector3">
+            <a:avLst/>
+          </a:prstGeom>
+          <a:ln>
+            <a:tailEnd type="triangle"/>
+          </a:ln>
+        </p:spPr>
+        <p:style>
+          <a:lnRef idx="2">
+            <a:schemeClr val="dk1"/>
+          </a:lnRef>
+          <a:fillRef idx="0">
+            <a:schemeClr val="dk1"/>
+          </a:fillRef>
+          <a:effectRef idx="1">
+            <a:schemeClr val="dk1"/>
+          </a:effectRef>
+          <a:fontRef idx="minor">
+            <a:schemeClr val="tx1"/>
+          </a:fontRef>
+        </p:style>
+      </p:cxnSp>
+      <p:sp>
+        <p:nvSpPr>
+          <p:cNvPr id="14" name="Oval 13"/>
+          <p:cNvSpPr/>
+          <p:nvPr/>
+        </p:nvSpPr>
+        <p:spPr>
+          <a:xfrm>
+            <a:off x="9136380" y="5341620"/>
+            <a:ext cx="1280160" cy="1051560"/>
+          </a:xfrm>
+          <a:prstGeom prst="ellipse">
+            <a:avLst/>
+          </a:prstGeom>
+        </p:spPr>
+        <p:style>
+          <a:lnRef idx="2">
+            <a:schemeClr val="accent1">
+              <a:shade val="50000"/>
+            </a:schemeClr>
+          </a:lnRef>
+          <a:fillRef idx="1">
+            <a:schemeClr val="accent1"/>
+          </a:fillRef>
+          <a:effectRef idx="0">
+            <a:schemeClr val="accent1"/>
+          </a:effectRef>
+          <a:fontRef idx="minor">
+            <a:schemeClr val="lt1"/>
+          </a:fontRef>
+        </p:style>
+        <p:txBody>
+          <a:bodyPr rtlCol="0" anchor="ctr"/>
+          <a:lstStyle/>
+          <a:p>
+            <a:pPr algn="ctr"/>
+            <a:r>
+              <a:rPr lang="en-US" dirty="0"/>
+              <a:t>Model Record</a:t>
+            </a:r>
+          </a:p>
+        </p:txBody>
+      </p:sp>
+      <p:cxnSp>
+        <p:nvCxnSpPr>
+          <p:cNvPr id="16" name="Connector: Curved 15"/>
+          <p:cNvCxnSpPr/>
+          <p:nvPr/>
+        </p:nvCxnSpPr>
+        <p:spPr>
+          <a:xfrm rot="16200000" flipH="1">
+            <a:off x="8174545" y="3739704"/>
+            <a:ext cx="2144653" cy="1059180"/>
+          </a:xfrm>
+          <a:prstGeom prst="curvedConnector3">
+            <a:avLst/>
+          </a:prstGeom>
+          <a:ln>
+            <a:tailEnd type="triangle"/>
+          </a:ln>
+        </p:spPr>
+        <p:style>
+          <a:lnRef idx="2">
+            <a:schemeClr val="dk1"/>
+          </a:lnRef>
+          <a:fillRef idx="0">
+            <a:schemeClr val="dk1"/>
+          </a:fillRef>
+          <a:effectRef idx="1">
+            <a:schemeClr val="dk1"/>
+          </a:effectRef>
+          <a:fontRef idx="minor">
+            <a:schemeClr val="tx1"/>
+          </a:fontRef>
+        </p:style>
+      </p:cxnSp>
+      <p:cxnSp>
+        <p:nvCxnSpPr>
+          <p:cNvPr id="17" name="Connector: Curved 16"/>
+          <p:cNvCxnSpPr>
+            <a:stCxn id="7" idx="4"/>
+            <a:endCxn id="14" idx="0"/>
+          </p:cNvCxnSpPr>
+          <p:nvPr/>
+        </p:nvCxnSpPr>
+        <p:spPr>
+          <a:xfrm rot="5400000">
+            <a:off x="9862185" y="4516755"/>
+            <a:ext cx="739140" cy="910590"/>
+          </a:xfrm>
+          <a:prstGeom prst="curvedConnector3">
+            <a:avLst>
+              <a:gd name="adj1" fmla="val 50000"/>
+            </a:avLst>
+          </a:prstGeom>
+          <a:ln>
+            <a:tailEnd type="triangle"/>
+          </a:ln>
+        </p:spPr>
+        <p:style>
+          <a:lnRef idx="2">
+            <a:schemeClr val="dk1"/>
+          </a:lnRef>
+          <a:fillRef idx="0">
+            <a:schemeClr val="dk1"/>
+          </a:fillRef>
+          <a:effectRef idx="1">
+            <a:schemeClr val="dk1"/>
+          </a:effectRef>
+          <a:fontRef idx="minor">
+            <a:schemeClr val="tx1"/>
+          </a:fontRef>
+        </p:style>
+      </p:cxnSp>
+      <p:cxnSp>
+        <p:nvCxnSpPr>
+          <p:cNvPr id="21" name="Connector: Curved 20"/>
+          <p:cNvCxnSpPr/>
+          <p:nvPr/>
+        </p:nvCxnSpPr>
+        <p:spPr>
+          <a:xfrm rot="16200000" flipH="1">
+            <a:off x="9876705" y="1605714"/>
+            <a:ext cx="409113" cy="1211580"/>
+          </a:xfrm>
+          <a:prstGeom prst="curvedConnector3">
+            <a:avLst>
+              <a:gd name="adj1" fmla="val 50000"/>
+            </a:avLst>
+          </a:prstGeom>
+          <a:ln>
+            <a:tailEnd type="triangle"/>
+          </a:ln>
+        </p:spPr>
+        <p:style>
+          <a:lnRef idx="2">
+            <a:schemeClr val="dk1"/>
+          </a:lnRef>
+          <a:fillRef idx="0">
+            <a:schemeClr val="dk1"/>
+          </a:fillRef>
+          <a:effectRef idx="1">
+            <a:schemeClr val="dk1"/>
+          </a:effectRef>
+          <a:fontRef idx="minor">
+            <a:schemeClr val="tx1"/>
+          </a:fontRef>
+        </p:style>
+      </p:cxnSp>
     </p:spTree>
     <p:extLst>
       <p:ext uri="{BB962C8B-B14F-4D97-AF65-F5344CB8AC3E}">
@@ -15318,6 +22991,55 @@
                       </p:childTnLst>
                     </p:cTn>
                   </p:par>
+                  <p:par>
+                    <p:cTn id="27" fill="hold">
+                      <p:stCondLst>
+                        <p:cond delay="indefinite"/>
+                      </p:stCondLst>
+                      <p:childTnLst>
+                        <p:par>
+                          <p:cTn id="28" fill="hold">
+                            <p:stCondLst>
+                              <p:cond delay="0"/>
+                            </p:stCondLst>
+                            <p:childTnLst>
+                              <p:par>
+                                <p:cTn id="29" presetID="1" presetClass="entr" presetSubtype="0" fill="hold" grpId="0" nodeType="clickEffect">
+                                  <p:stCondLst>
+                                    <p:cond delay="0"/>
+                                  </p:stCondLst>
+                                  <p:childTnLst>
+                                    <p:set>
+                                      <p:cBhvr>
+                                        <p:cTn id="30" dur="1" fill="hold">
+                                          <p:stCondLst>
+                                            <p:cond delay="0"/>
+                                          </p:stCondLst>
+                                        </p:cTn>
+                                        <p:tgtEl>
+                                          <p:spTgt spid="3">
+                                            <p:txEl>
+                                              <p:pRg st="8" end="8"/>
+                                            </p:txEl>
+                                          </p:spTgt>
+                                        </p:tgtEl>
+                                        <p:attrNameLst>
+                                          <p:attrName>style.visibility</p:attrName>
+                                        </p:attrNameLst>
+                                      </p:cBhvr>
+                                      <p:to>
+                                        <p:strVal val="visible"/>
+                                      </p:to>
+                                    </p:set>
+                                  </p:childTnLst>
+                                </p:cTn>
+                              </p:par>
+                            </p:childTnLst>
+                          </p:cTn>
+                        </p:par>
+                      </p:childTnLst>
+                    </p:cTn>
+                  </p:par>
                 </p:childTnLst>
               </p:cTn>
               <p:prevCondLst>
@@ -15476,7 +23198,7 @@
 </file>
 
 <file path=ppt/slides/slide8.xml><?xml version="1.0" encoding="utf-8"?>
-<p:sld xmlns:a="http://schemas.openxmlformats.org/drawingml/2006/main" xmlns:r="http://schemas.openxmlformats.org/officeDocument/2006/relationships" xmlns:p="http://schemas.openxmlformats.org/presentationml/2006/main">
+<p:sld xmlns:a="http://schemas.openxmlformats.org/drawingml/2006/main" xmlns:r="http://schemas.openxmlformats.org/officeDocument/2006/relationships" xmlns:p="http://schemas.openxmlformats.org/presentationml/2006/main" show="0">
   <p:cSld>
     <p:spTree>
       <p:nvGrpSpPr>
@@ -15549,13 +23271,7 @@
           <a:p>
             <a:r>
               <a:rPr lang="en-US" dirty="0"/>
-              <a:t>With color: 262,144 pixels x (3 bytes / pixel) = 786432 bytes</a:t>
-            </a:r>
-          </a:p>
-          <a:p>
-            <a:r>
-              <a:rPr lang="en-US" dirty="0"/>
-              <a:t>It’s difficult, but not impossible</a:t>
+              <a:t>With color: 262,144 pixels x (3 bytes / pixel) = 786,432 bytes</a:t>
             </a:r>
           </a:p>
         </p:txBody>
@@ -15774,55 +23490,6 @@
                       </p:childTnLst>
                     </p:cTn>
                   </p:par>
-                  <p:par>
-                    <p:cTn id="19" fill="hold">
-                      <p:stCondLst>
-                        <p:cond delay="indefinite"/>
-                      </p:stCondLst>
-                      <p:childTnLst>
-                        <p:par>
-                          <p:cTn id="20" fill="hold">
-                            <p:stCondLst>
-                              <p:cond delay="0"/>
-                            </p:stCondLst>
-                            <p:childTnLst>
-                              <p:par>
-                                <p:cTn id="21" presetID="1" presetClass="entr" presetSubtype="0" fill="hold" grpId="0" nodeType="clickEffect">
-                                  <p:stCondLst>
-                                    <p:cond delay="0"/>
-                                  </p:stCondLst>
-                                  <p:childTnLst>
-                                    <p:set>
-                                      <p:cBhvr>
-                                        <p:cTn id="22" dur="1" fill="hold">
-                                          <p:stCondLst>
-                                            <p:cond delay="0"/>
-                                          </p:stCondLst>
-                                        </p:cTn>
-                                        <p:tgtEl>
-                                          <p:spTgt spid="5">
-                                            <p:txEl>
-                                              <p:pRg st="4" end="4"/>
-                                            </p:txEl>
-                                          </p:spTgt>
-                                        </p:tgtEl>
-                                        <p:attrNameLst>
-                                          <p:attrName>style.visibility</p:attrName>
-                                        </p:attrNameLst>
-                                      </p:cBhvr>
-                                      <p:to>
-                                        <p:strVal val="visible"/>
-                                      </p:to>
-                                    </p:set>
-                                  </p:childTnLst>
-                                </p:cTn>
-                              </p:par>
-                            </p:childTnLst>
-                          </p:cTn>
-                        </p:par>
-                      </p:childTnLst>
-                    </p:cTn>
-                  </p:par>
                 </p:childTnLst>
               </p:cTn>
               <p:prevCondLst>
@@ -15852,7 +23519,7 @@
 </file>
 
 <file path=ppt/slides/slide9.xml><?xml version="1.0" encoding="utf-8"?>
-<p:sld xmlns:a="http://schemas.openxmlformats.org/drawingml/2006/main" xmlns:r="http://schemas.openxmlformats.org/officeDocument/2006/relationships" xmlns:p="http://schemas.openxmlformats.org/presentationml/2006/main">
+<p:sld xmlns:a="http://schemas.openxmlformats.org/drawingml/2006/main" xmlns:r="http://schemas.openxmlformats.org/officeDocument/2006/relationships" xmlns:p="http://schemas.openxmlformats.org/presentationml/2006/main" show="0">
   <p:cSld>
     <p:spTree>
       <p:nvGrpSpPr>
